--- a/assets/diagrams_pool.pptx
+++ b/assets/diagrams_pool.pptx
@@ -20,6 +20,7 @@
     <p:sldId id="269" r:id="rId14"/>
     <p:sldId id="270" r:id="rId15"/>
     <p:sldId id="271" r:id="rId16"/>
+    <p:sldId id="272" r:id="rId17"/>
   </p:sldIdLst>
   <p:sldSz cx="12192000" cy="6858000"/>
   <p:notesSz cx="7315200" cy="9601200"/>
@@ -273,7 +274,7 @@
           <a:p>
             <a:fld id="{CA113627-5753-4E5F-853E-B64920B5A820}" type="datetimeFigureOut">
               <a:rPr lang="en-US" smtClean="0"/>
-              <a:t>11/27/2024</a:t>
+              <a:t>12/1/2024</a:t>
             </a:fld>
             <a:endParaRPr lang="en-US"/>
           </a:p>
@@ -471,7 +472,7 @@
           <a:p>
             <a:fld id="{CA113627-5753-4E5F-853E-B64920B5A820}" type="datetimeFigureOut">
               <a:rPr lang="en-US" smtClean="0"/>
-              <a:t>11/27/2024</a:t>
+              <a:t>12/1/2024</a:t>
             </a:fld>
             <a:endParaRPr lang="en-US"/>
           </a:p>
@@ -679,7 +680,7 @@
           <a:p>
             <a:fld id="{CA113627-5753-4E5F-853E-B64920B5A820}" type="datetimeFigureOut">
               <a:rPr lang="en-US" smtClean="0"/>
-              <a:t>11/27/2024</a:t>
+              <a:t>12/1/2024</a:t>
             </a:fld>
             <a:endParaRPr lang="en-US"/>
           </a:p>
@@ -877,7 +878,7 @@
           <a:p>
             <a:fld id="{CA113627-5753-4E5F-853E-B64920B5A820}" type="datetimeFigureOut">
               <a:rPr lang="en-US" smtClean="0"/>
-              <a:t>11/27/2024</a:t>
+              <a:t>12/1/2024</a:t>
             </a:fld>
             <a:endParaRPr lang="en-US"/>
           </a:p>
@@ -1152,7 +1153,7 @@
           <a:p>
             <a:fld id="{CA113627-5753-4E5F-853E-B64920B5A820}" type="datetimeFigureOut">
               <a:rPr lang="en-US" smtClean="0"/>
-              <a:t>11/27/2024</a:t>
+              <a:t>12/1/2024</a:t>
             </a:fld>
             <a:endParaRPr lang="en-US"/>
           </a:p>
@@ -1417,7 +1418,7 @@
           <a:p>
             <a:fld id="{CA113627-5753-4E5F-853E-B64920B5A820}" type="datetimeFigureOut">
               <a:rPr lang="en-US" smtClean="0"/>
-              <a:t>11/27/2024</a:t>
+              <a:t>12/1/2024</a:t>
             </a:fld>
             <a:endParaRPr lang="en-US"/>
           </a:p>
@@ -1829,7 +1830,7 @@
           <a:p>
             <a:fld id="{CA113627-5753-4E5F-853E-B64920B5A820}" type="datetimeFigureOut">
               <a:rPr lang="en-US" smtClean="0"/>
-              <a:t>11/27/2024</a:t>
+              <a:t>12/1/2024</a:t>
             </a:fld>
             <a:endParaRPr lang="en-US"/>
           </a:p>
@@ -1970,7 +1971,7 @@
           <a:p>
             <a:fld id="{CA113627-5753-4E5F-853E-B64920B5A820}" type="datetimeFigureOut">
               <a:rPr lang="en-US" smtClean="0"/>
-              <a:t>11/27/2024</a:t>
+              <a:t>12/1/2024</a:t>
             </a:fld>
             <a:endParaRPr lang="en-US"/>
           </a:p>
@@ -2083,7 +2084,7 @@
           <a:p>
             <a:fld id="{CA113627-5753-4E5F-853E-B64920B5A820}" type="datetimeFigureOut">
               <a:rPr lang="en-US" smtClean="0"/>
-              <a:t>11/27/2024</a:t>
+              <a:t>12/1/2024</a:t>
             </a:fld>
             <a:endParaRPr lang="en-US"/>
           </a:p>
@@ -2394,7 +2395,7 @@
           <a:p>
             <a:fld id="{CA113627-5753-4E5F-853E-B64920B5A820}" type="datetimeFigureOut">
               <a:rPr lang="en-US" smtClean="0"/>
-              <a:t>11/27/2024</a:t>
+              <a:t>12/1/2024</a:t>
             </a:fld>
             <a:endParaRPr lang="en-US"/>
           </a:p>
@@ -2682,7 +2683,7 @@
           <a:p>
             <a:fld id="{CA113627-5753-4E5F-853E-B64920B5A820}" type="datetimeFigureOut">
               <a:rPr lang="en-US" smtClean="0"/>
-              <a:t>11/27/2024</a:t>
+              <a:t>12/1/2024</a:t>
             </a:fld>
             <a:endParaRPr lang="en-US"/>
           </a:p>
@@ -2923,7 +2924,7 @@
           <a:p>
             <a:fld id="{CA113627-5753-4E5F-853E-B64920B5A820}" type="datetimeFigureOut">
               <a:rPr lang="en-US" smtClean="0"/>
-              <a:t>11/27/2024</a:t>
+              <a:t>12/1/2024</a:t>
             </a:fld>
             <a:endParaRPr lang="en-US"/>
           </a:p>
@@ -13052,6 +13053,552 @@
 </p:sld>
 </file>
 
+<file path=ppt/slides/slide16.xml><?xml version="1.0" encoding="utf-8"?>
+<p:sld xmlns:a="http://schemas.openxmlformats.org/drawingml/2006/main" xmlns:r="http://schemas.openxmlformats.org/officeDocument/2006/relationships" xmlns:p="http://schemas.openxmlformats.org/presentationml/2006/main">
+  <p:cSld>
+    <p:spTree>
+      <p:nvGrpSpPr>
+        <p:cNvPr id="1" name="">
+          <a:extLst>
+            <a:ext uri="{FF2B5EF4-FFF2-40B4-BE49-F238E27FC236}">
+              <a16:creationId xmlns:a16="http://schemas.microsoft.com/office/drawing/2014/main" id="{97E78762-1FFD-78DF-00FB-490007097AAF}"/>
+            </a:ext>
+          </a:extLst>
+        </p:cNvPr>
+        <p:cNvGrpSpPr/>
+        <p:nvPr/>
+      </p:nvGrpSpPr>
+      <p:grpSpPr>
+        <a:xfrm>
+          <a:off x="0" y="0"/>
+          <a:ext cx="0" cy="0"/>
+          <a:chOff x="0" y="0"/>
+          <a:chExt cx="0" cy="0"/>
+        </a:xfrm>
+      </p:grpSpPr>
+      <p:sp>
+        <p:nvSpPr>
+          <p:cNvPr id="58" name="TextBox 57">
+            <a:extLst>
+              <a:ext uri="{FF2B5EF4-FFF2-40B4-BE49-F238E27FC236}">
+                <a16:creationId xmlns:a16="http://schemas.microsoft.com/office/drawing/2014/main" id="{A473A7DA-E60B-3F98-D4AA-9C175BCD026D}"/>
+              </a:ext>
+            </a:extLst>
+          </p:cNvPr>
+          <p:cNvSpPr txBox="1"/>
+          <p:nvPr/>
+        </p:nvSpPr>
+        <p:spPr>
+          <a:xfrm>
+            <a:off x="1525310" y="5983884"/>
+            <a:ext cx="7928523" cy="461665"/>
+          </a:xfrm>
+          <a:prstGeom prst="rect">
+            <a:avLst/>
+          </a:prstGeom>
+          <a:noFill/>
+        </p:spPr>
+        <p:txBody>
+          <a:bodyPr wrap="square" rtlCol="0">
+            <a:spAutoFit/>
+          </a:bodyPr>
+          <a:lstStyle/>
+          <a:p>
+            <a:r>
+              <a:rPr lang="en-US" sz="2400" b="1" dirty="0"/>
+              <a:t>Fig.</a:t>
+            </a:r>
+            <a:r>
+              <a:rPr lang="en-US" sz="2400" dirty="0"/>
+              <a:t> 6.1 shows definition of key (words) from a dictionary</a:t>
+            </a:r>
+          </a:p>
+        </p:txBody>
+      </p:sp>
+      <p:grpSp>
+        <p:nvGrpSpPr>
+          <p:cNvPr id="45" name="Group 44">
+            <a:extLst>
+              <a:ext uri="{FF2B5EF4-FFF2-40B4-BE49-F238E27FC236}">
+                <a16:creationId xmlns:a16="http://schemas.microsoft.com/office/drawing/2014/main" id="{4D0CC57C-51FD-AF36-3511-3321489A53A4}"/>
+              </a:ext>
+            </a:extLst>
+          </p:cNvPr>
+          <p:cNvGrpSpPr/>
+          <p:nvPr/>
+        </p:nvGrpSpPr>
+        <p:grpSpPr>
+          <a:xfrm>
+            <a:off x="590768" y="412451"/>
+            <a:ext cx="8863065" cy="5185543"/>
+            <a:chOff x="285968" y="981411"/>
+            <a:chExt cx="8863065" cy="5185543"/>
+          </a:xfrm>
+        </p:grpSpPr>
+        <p:pic>
+          <p:nvPicPr>
+            <p:cNvPr id="26" name="Picture 25">
+              <a:extLst>
+                <a:ext uri="{FF2B5EF4-FFF2-40B4-BE49-F238E27FC236}">
+                  <a16:creationId xmlns:a16="http://schemas.microsoft.com/office/drawing/2014/main" id="{7FEDB00F-D26B-18BC-F9B7-C2DB71BB7758}"/>
+                </a:ext>
+              </a:extLst>
+            </p:cNvPr>
+            <p:cNvPicPr>
+              <a:picLocks noChangeAspect="1"/>
+            </p:cNvPicPr>
+            <p:nvPr/>
+          </p:nvPicPr>
+          <p:blipFill>
+            <a:blip r:embed="rId2"/>
+            <a:stretch>
+              <a:fillRect/>
+            </a:stretch>
+          </p:blipFill>
+          <p:spPr>
+            <a:xfrm>
+              <a:off x="1877372" y="981411"/>
+              <a:ext cx="6838950" cy="2181225"/>
+            </a:xfrm>
+            <a:prstGeom prst="rect">
+              <a:avLst/>
+            </a:prstGeom>
+          </p:spPr>
+        </p:pic>
+        <p:grpSp>
+          <p:nvGrpSpPr>
+            <p:cNvPr id="17" name="Group 16">
+              <a:extLst>
+                <a:ext uri="{FF2B5EF4-FFF2-40B4-BE49-F238E27FC236}">
+                  <a16:creationId xmlns:a16="http://schemas.microsoft.com/office/drawing/2014/main" id="{CC797F1E-124F-A88F-99E9-87DF003EA49B}"/>
+                </a:ext>
+              </a:extLst>
+            </p:cNvPr>
+            <p:cNvGrpSpPr/>
+            <p:nvPr/>
+          </p:nvGrpSpPr>
+          <p:grpSpPr>
+            <a:xfrm>
+              <a:off x="285968" y="2589699"/>
+              <a:ext cx="8863065" cy="3577255"/>
+              <a:chOff x="-293886" y="1468140"/>
+              <a:chExt cx="8863065" cy="3577255"/>
+            </a:xfrm>
+          </p:grpSpPr>
+          <p:pic>
+            <p:nvPicPr>
+              <p:cNvPr id="7" name="Picture 6">
+                <a:extLst>
+                  <a:ext uri="{FF2B5EF4-FFF2-40B4-BE49-F238E27FC236}">
+                    <a16:creationId xmlns:a16="http://schemas.microsoft.com/office/drawing/2014/main" id="{F6913C2E-0EF5-3020-A6A0-3C73459A13EE}"/>
+                  </a:ext>
+                </a:extLst>
+              </p:cNvPr>
+              <p:cNvPicPr>
+                <a:picLocks noChangeAspect="1"/>
+              </p:cNvPicPr>
+              <p:nvPr/>
+            </p:nvPicPr>
+            <p:blipFill>
+              <a:blip r:embed="rId3"/>
+              <a:srcRect r="25546" b="26266"/>
+              <a:stretch/>
+            </p:blipFill>
+            <p:spPr>
+              <a:xfrm>
+                <a:off x="1365151" y="2594297"/>
+                <a:ext cx="6630770" cy="2451098"/>
+              </a:xfrm>
+              <a:prstGeom prst="rect">
+                <a:avLst/>
+              </a:prstGeom>
+            </p:spPr>
+          </p:pic>
+          <p:sp>
+            <p:nvSpPr>
+              <p:cNvPr id="8" name="Rectangle 7">
+                <a:extLst>
+                  <a:ext uri="{FF2B5EF4-FFF2-40B4-BE49-F238E27FC236}">
+                    <a16:creationId xmlns:a16="http://schemas.microsoft.com/office/drawing/2014/main" id="{58185251-BDAC-496D-4809-790854EE03FE}"/>
+                  </a:ext>
+                </a:extLst>
+              </p:cNvPr>
+              <p:cNvSpPr/>
+              <p:nvPr/>
+            </p:nvSpPr>
+            <p:spPr>
+              <a:xfrm>
+                <a:off x="1487705" y="4471696"/>
+                <a:ext cx="5075656" cy="573699"/>
+              </a:xfrm>
+              <a:prstGeom prst="rect">
+                <a:avLst/>
+              </a:prstGeom>
+              <a:noFill/>
+              <a:ln w="38100">
+                <a:prstDash val="dash"/>
+              </a:ln>
+            </p:spPr>
+            <p:style>
+              <a:lnRef idx="2">
+                <a:schemeClr val="accent1">
+                  <a:shade val="15000"/>
+                </a:schemeClr>
+              </a:lnRef>
+              <a:fillRef idx="1">
+                <a:schemeClr val="accent1"/>
+              </a:fillRef>
+              <a:effectRef idx="0">
+                <a:schemeClr val="accent1"/>
+              </a:effectRef>
+              <a:fontRef idx="minor">
+                <a:schemeClr val="lt1"/>
+              </a:fontRef>
+            </p:style>
+            <p:txBody>
+              <a:bodyPr rtlCol="0" anchor="ctr"/>
+              <a:lstStyle/>
+              <a:p>
+                <a:pPr algn="ctr"/>
+                <a:endParaRPr lang="en-US"/>
+              </a:p>
+            </p:txBody>
+          </p:sp>
+          <p:cxnSp>
+            <p:nvCxnSpPr>
+              <p:cNvPr id="22" name="Straight Arrow Connector 21">
+                <a:extLst>
+                  <a:ext uri="{FF2B5EF4-FFF2-40B4-BE49-F238E27FC236}">
+                    <a16:creationId xmlns:a16="http://schemas.microsoft.com/office/drawing/2014/main" id="{0A3B5EB3-A6BE-A577-4E0D-437F607576A4}"/>
+                  </a:ext>
+                </a:extLst>
+              </p:cNvPr>
+              <p:cNvCxnSpPr>
+                <a:cxnSpLocks/>
+              </p:cNvCxnSpPr>
+              <p:nvPr/>
+            </p:nvCxnSpPr>
+            <p:spPr>
+              <a:xfrm flipH="1">
+                <a:off x="6563361" y="4762193"/>
+                <a:ext cx="944881" cy="0"/>
+              </a:xfrm>
+              <a:prstGeom prst="straightConnector1">
+                <a:avLst/>
+              </a:prstGeom>
+              <a:ln w="28575">
+                <a:solidFill>
+                  <a:schemeClr val="tx1"/>
+                </a:solidFill>
+                <a:tailEnd type="triangle"/>
+              </a:ln>
+            </p:spPr>
+            <p:style>
+              <a:lnRef idx="1">
+                <a:schemeClr val="accent1"/>
+              </a:lnRef>
+              <a:fillRef idx="0">
+                <a:schemeClr val="accent1"/>
+              </a:fillRef>
+              <a:effectRef idx="0">
+                <a:schemeClr val="accent1"/>
+              </a:effectRef>
+              <a:fontRef idx="minor">
+                <a:schemeClr val="tx1"/>
+              </a:fontRef>
+            </p:style>
+          </p:cxnSp>
+          <p:sp>
+            <p:nvSpPr>
+              <p:cNvPr id="3" name="TextBox 2">
+                <a:extLst>
+                  <a:ext uri="{FF2B5EF4-FFF2-40B4-BE49-F238E27FC236}">
+                    <a16:creationId xmlns:a16="http://schemas.microsoft.com/office/drawing/2014/main" id="{485D4571-4101-4970-A62C-618B732CC4D1}"/>
+                  </a:ext>
+                </a:extLst>
+              </p:cNvPr>
+              <p:cNvSpPr txBox="1"/>
+              <p:nvPr/>
+            </p:nvSpPr>
+            <p:spPr>
+              <a:xfrm>
+                <a:off x="7508242" y="4466637"/>
+                <a:ext cx="1060937" cy="523220"/>
+              </a:xfrm>
+              <a:prstGeom prst="rect">
+                <a:avLst/>
+              </a:prstGeom>
+              <a:noFill/>
+              <a:ln>
+                <a:noFill/>
+              </a:ln>
+            </p:spPr>
+            <p:txBody>
+              <a:bodyPr wrap="square">
+                <a:spAutoFit/>
+              </a:bodyPr>
+              <a:lstStyle/>
+              <a:p>
+                <a:r>
+                  <a:rPr lang="en-US" sz="2800" b="0" i="0" dirty="0">
+                    <a:solidFill>
+                      <a:srgbClr val="000000"/>
+                    </a:solidFill>
+                    <a:effectLst/>
+                  </a:rPr>
+                  <a:t>value</a:t>
+                </a:r>
+              </a:p>
+            </p:txBody>
+          </p:sp>
+          <p:cxnSp>
+            <p:nvCxnSpPr>
+              <p:cNvPr id="11" name="Straight Arrow Connector 10">
+                <a:extLst>
+                  <a:ext uri="{FF2B5EF4-FFF2-40B4-BE49-F238E27FC236}">
+                    <a16:creationId xmlns:a16="http://schemas.microsoft.com/office/drawing/2014/main" id="{5BB41DA7-DEBF-FF5D-5EFC-BF6E94B727E7}"/>
+                  </a:ext>
+                </a:extLst>
+              </p:cNvPr>
+              <p:cNvCxnSpPr>
+                <a:cxnSpLocks/>
+              </p:cNvCxnSpPr>
+              <p:nvPr/>
+            </p:nvCxnSpPr>
+            <p:spPr>
+              <a:xfrm rot="16200000" flipH="1">
+                <a:off x="215479" y="2058521"/>
+                <a:ext cx="2103120" cy="2103120"/>
+              </a:xfrm>
+              <a:prstGeom prst="bentConnector3">
+                <a:avLst>
+                  <a:gd name="adj1" fmla="val 50000"/>
+                </a:avLst>
+              </a:prstGeom>
+              <a:ln w="28575">
+                <a:solidFill>
+                  <a:schemeClr val="tx1"/>
+                </a:solidFill>
+                <a:tailEnd type="triangle"/>
+              </a:ln>
+            </p:spPr>
+            <p:style>
+              <a:lnRef idx="1">
+                <a:schemeClr val="accent1"/>
+              </a:lnRef>
+              <a:fillRef idx="0">
+                <a:schemeClr val="accent1"/>
+              </a:fillRef>
+              <a:effectRef idx="0">
+                <a:schemeClr val="accent1"/>
+              </a:effectRef>
+              <a:fontRef idx="minor">
+                <a:schemeClr val="tx1"/>
+              </a:fontRef>
+            </p:style>
+          </p:cxnSp>
+          <p:sp>
+            <p:nvSpPr>
+              <p:cNvPr id="15" name="TextBox 14">
+                <a:extLst>
+                  <a:ext uri="{FF2B5EF4-FFF2-40B4-BE49-F238E27FC236}">
+                    <a16:creationId xmlns:a16="http://schemas.microsoft.com/office/drawing/2014/main" id="{D73CFE69-3731-143C-DFC3-1CCE0D7307F4}"/>
+                  </a:ext>
+                </a:extLst>
+              </p:cNvPr>
+              <p:cNvSpPr txBox="1"/>
+              <p:nvPr/>
+            </p:nvSpPr>
+            <p:spPr>
+              <a:xfrm>
+                <a:off x="-293886" y="1519820"/>
+                <a:ext cx="1060937" cy="523220"/>
+              </a:xfrm>
+              <a:prstGeom prst="rect">
+                <a:avLst/>
+              </a:prstGeom>
+              <a:noFill/>
+              <a:ln>
+                <a:noFill/>
+              </a:ln>
+            </p:spPr>
+            <p:txBody>
+              <a:bodyPr wrap="square">
+                <a:spAutoFit/>
+              </a:bodyPr>
+              <a:lstStyle/>
+              <a:p>
+                <a:pPr algn="ctr"/>
+                <a:r>
+                  <a:rPr lang="en-US" sz="2800" b="0" i="0" dirty="0">
+                    <a:solidFill>
+                      <a:srgbClr val="000000"/>
+                    </a:solidFill>
+                    <a:effectLst/>
+                  </a:rPr>
+                  <a:t>key</a:t>
+                </a:r>
+              </a:p>
+            </p:txBody>
+          </p:sp>
+          <p:sp>
+            <p:nvSpPr>
+              <p:cNvPr id="30" name="Rectangle 29">
+                <a:extLst>
+                  <a:ext uri="{FF2B5EF4-FFF2-40B4-BE49-F238E27FC236}">
+                    <a16:creationId xmlns:a16="http://schemas.microsoft.com/office/drawing/2014/main" id="{16F8FDFB-BB4B-5FD2-B6BF-9D476A21E802}"/>
+                  </a:ext>
+                </a:extLst>
+              </p:cNvPr>
+              <p:cNvSpPr/>
+              <p:nvPr/>
+            </p:nvSpPr>
+            <p:spPr>
+              <a:xfrm>
+                <a:off x="1700330" y="1710544"/>
+                <a:ext cx="3474720" cy="310042"/>
+              </a:xfrm>
+              <a:prstGeom prst="rect">
+                <a:avLst/>
+              </a:prstGeom>
+              <a:noFill/>
+              <a:ln w="38100">
+                <a:prstDash val="dash"/>
+              </a:ln>
+            </p:spPr>
+            <p:style>
+              <a:lnRef idx="2">
+                <a:schemeClr val="accent1">
+                  <a:shade val="15000"/>
+                </a:schemeClr>
+              </a:lnRef>
+              <a:fillRef idx="1">
+                <a:schemeClr val="accent1"/>
+              </a:fillRef>
+              <a:effectRef idx="0">
+                <a:schemeClr val="accent1"/>
+              </a:effectRef>
+              <a:fontRef idx="minor">
+                <a:schemeClr val="lt1"/>
+              </a:fontRef>
+            </p:style>
+            <p:txBody>
+              <a:bodyPr rtlCol="0" anchor="ctr"/>
+              <a:lstStyle/>
+              <a:p>
+                <a:pPr algn="ctr"/>
+                <a:endParaRPr lang="en-US"/>
+              </a:p>
+            </p:txBody>
+          </p:sp>
+          <p:cxnSp>
+            <p:nvCxnSpPr>
+              <p:cNvPr id="31" name="Straight Arrow Connector 10">
+                <a:extLst>
+                  <a:ext uri="{FF2B5EF4-FFF2-40B4-BE49-F238E27FC236}">
+                    <a16:creationId xmlns:a16="http://schemas.microsoft.com/office/drawing/2014/main" id="{0C5089E4-387D-EACB-D614-E14CC14BDFCF}"/>
+                  </a:ext>
+                </a:extLst>
+              </p:cNvPr>
+              <p:cNvCxnSpPr>
+                <a:cxnSpLocks/>
+                <a:stCxn id="3" idx="0"/>
+                <a:endCxn id="30" idx="3"/>
+              </p:cNvCxnSpPr>
+              <p:nvPr/>
+            </p:nvCxnSpPr>
+            <p:spPr>
+              <a:xfrm rot="16200000" flipV="1">
+                <a:off x="5306345" y="1734270"/>
+                <a:ext cx="2601072" cy="2863661"/>
+              </a:xfrm>
+              <a:prstGeom prst="bentConnector2">
+                <a:avLst/>
+              </a:prstGeom>
+              <a:ln w="28575">
+                <a:solidFill>
+                  <a:schemeClr val="tx1"/>
+                </a:solidFill>
+                <a:tailEnd type="triangle"/>
+              </a:ln>
+            </p:spPr>
+            <p:style>
+              <a:lnRef idx="1">
+                <a:schemeClr val="accent1"/>
+              </a:lnRef>
+              <a:fillRef idx="0">
+                <a:schemeClr val="accent1"/>
+              </a:fillRef>
+              <a:effectRef idx="0">
+                <a:schemeClr val="accent1"/>
+              </a:effectRef>
+              <a:fontRef idx="minor">
+                <a:schemeClr val="tx1"/>
+              </a:fontRef>
+            </p:style>
+          </p:cxnSp>
+          <p:cxnSp>
+            <p:nvCxnSpPr>
+              <p:cNvPr id="34" name="Straight Arrow Connector 10">
+                <a:extLst>
+                  <a:ext uri="{FF2B5EF4-FFF2-40B4-BE49-F238E27FC236}">
+                    <a16:creationId xmlns:a16="http://schemas.microsoft.com/office/drawing/2014/main" id="{3889A15D-F58C-2170-B69D-8E69B64DEC19}"/>
+                  </a:ext>
+                </a:extLst>
+              </p:cNvPr>
+              <p:cNvCxnSpPr>
+                <a:cxnSpLocks/>
+              </p:cNvCxnSpPr>
+              <p:nvPr/>
+            </p:nvCxnSpPr>
+            <p:spPr>
+              <a:xfrm rot="16200000" flipH="1">
+                <a:off x="1119095" y="564523"/>
+                <a:ext cx="28873" cy="1836107"/>
+              </a:xfrm>
+              <a:prstGeom prst="bentConnector4">
+                <a:avLst>
+                  <a:gd name="adj1" fmla="val -3079001"/>
+                  <a:gd name="adj2" fmla="val 99305"/>
+                </a:avLst>
+              </a:prstGeom>
+              <a:ln w="28575">
+                <a:solidFill>
+                  <a:schemeClr val="tx1"/>
+                </a:solidFill>
+                <a:tailEnd type="triangle"/>
+              </a:ln>
+            </p:spPr>
+            <p:style>
+              <a:lnRef idx="1">
+                <a:schemeClr val="accent1"/>
+              </a:lnRef>
+              <a:fillRef idx="0">
+                <a:schemeClr val="accent1"/>
+              </a:fillRef>
+              <a:effectRef idx="0">
+                <a:schemeClr val="accent1"/>
+              </a:effectRef>
+              <a:fontRef idx="minor">
+                <a:schemeClr val="tx1"/>
+              </a:fontRef>
+            </p:style>
+          </p:cxnSp>
+        </p:grpSp>
+      </p:grpSp>
+    </p:spTree>
+    <p:extLst>
+      <p:ext uri="{BB962C8B-B14F-4D97-AF65-F5344CB8AC3E}">
+        <p14:creationId xmlns:p14="http://schemas.microsoft.com/office/powerpoint/2010/main" val="89498928"/>
+      </p:ext>
+    </p:extLst>
+  </p:cSld>
+  <p:clrMapOvr>
+    <a:masterClrMapping/>
+  </p:clrMapOvr>
+</p:sld>
+</file>
+
 <file path=ppt/slides/slide2.xml><?xml version="1.0" encoding="utf-8"?>
 <p:sld xmlns:a="http://schemas.openxmlformats.org/drawingml/2006/main" xmlns:r="http://schemas.openxmlformats.org/officeDocument/2006/relationships" xmlns:p="http://schemas.openxmlformats.org/presentationml/2006/main">
   <p:cSld>

--- a/assets/diagrams_pool.pptx
+++ b/assets/diagrams_pool.pptx
@@ -21,6 +21,9 @@
     <p:sldId id="270" r:id="rId15"/>
     <p:sldId id="271" r:id="rId16"/>
     <p:sldId id="272" r:id="rId17"/>
+    <p:sldId id="274" r:id="rId18"/>
+    <p:sldId id="275" r:id="rId19"/>
+    <p:sldId id="276" r:id="rId20"/>
   </p:sldIdLst>
   <p:sldSz cx="12192000" cy="6858000"/>
   <p:notesSz cx="7315200" cy="9601200"/>
@@ -274,7 +277,7 @@
           <a:p>
             <a:fld id="{CA113627-5753-4E5F-853E-B64920B5A820}" type="datetimeFigureOut">
               <a:rPr lang="en-US" smtClean="0"/>
-              <a:t>12/1/2024</a:t>
+              <a:t>12/11/2024</a:t>
             </a:fld>
             <a:endParaRPr lang="en-US"/>
           </a:p>
@@ -472,7 +475,7 @@
           <a:p>
             <a:fld id="{CA113627-5753-4E5F-853E-B64920B5A820}" type="datetimeFigureOut">
               <a:rPr lang="en-US" smtClean="0"/>
-              <a:t>12/1/2024</a:t>
+              <a:t>12/11/2024</a:t>
             </a:fld>
             <a:endParaRPr lang="en-US"/>
           </a:p>
@@ -680,7 +683,7 @@
           <a:p>
             <a:fld id="{CA113627-5753-4E5F-853E-B64920B5A820}" type="datetimeFigureOut">
               <a:rPr lang="en-US" smtClean="0"/>
-              <a:t>12/1/2024</a:t>
+              <a:t>12/11/2024</a:t>
             </a:fld>
             <a:endParaRPr lang="en-US"/>
           </a:p>
@@ -878,7 +881,7 @@
           <a:p>
             <a:fld id="{CA113627-5753-4E5F-853E-B64920B5A820}" type="datetimeFigureOut">
               <a:rPr lang="en-US" smtClean="0"/>
-              <a:t>12/1/2024</a:t>
+              <a:t>12/11/2024</a:t>
             </a:fld>
             <a:endParaRPr lang="en-US"/>
           </a:p>
@@ -1153,7 +1156,7 @@
           <a:p>
             <a:fld id="{CA113627-5753-4E5F-853E-B64920B5A820}" type="datetimeFigureOut">
               <a:rPr lang="en-US" smtClean="0"/>
-              <a:t>12/1/2024</a:t>
+              <a:t>12/11/2024</a:t>
             </a:fld>
             <a:endParaRPr lang="en-US"/>
           </a:p>
@@ -1418,7 +1421,7 @@
           <a:p>
             <a:fld id="{CA113627-5753-4E5F-853E-B64920B5A820}" type="datetimeFigureOut">
               <a:rPr lang="en-US" smtClean="0"/>
-              <a:t>12/1/2024</a:t>
+              <a:t>12/11/2024</a:t>
             </a:fld>
             <a:endParaRPr lang="en-US"/>
           </a:p>
@@ -1830,7 +1833,7 @@
           <a:p>
             <a:fld id="{CA113627-5753-4E5F-853E-B64920B5A820}" type="datetimeFigureOut">
               <a:rPr lang="en-US" smtClean="0"/>
-              <a:t>12/1/2024</a:t>
+              <a:t>12/11/2024</a:t>
             </a:fld>
             <a:endParaRPr lang="en-US"/>
           </a:p>
@@ -1971,7 +1974,7 @@
           <a:p>
             <a:fld id="{CA113627-5753-4E5F-853E-B64920B5A820}" type="datetimeFigureOut">
               <a:rPr lang="en-US" smtClean="0"/>
-              <a:t>12/1/2024</a:t>
+              <a:t>12/11/2024</a:t>
             </a:fld>
             <a:endParaRPr lang="en-US"/>
           </a:p>
@@ -2084,7 +2087,7 @@
           <a:p>
             <a:fld id="{CA113627-5753-4E5F-853E-B64920B5A820}" type="datetimeFigureOut">
               <a:rPr lang="en-US" smtClean="0"/>
-              <a:t>12/1/2024</a:t>
+              <a:t>12/11/2024</a:t>
             </a:fld>
             <a:endParaRPr lang="en-US"/>
           </a:p>
@@ -2395,7 +2398,7 @@
           <a:p>
             <a:fld id="{CA113627-5753-4E5F-853E-B64920B5A820}" type="datetimeFigureOut">
               <a:rPr lang="en-US" smtClean="0"/>
-              <a:t>12/1/2024</a:t>
+              <a:t>12/11/2024</a:t>
             </a:fld>
             <a:endParaRPr lang="en-US"/>
           </a:p>
@@ -2683,7 +2686,7 @@
           <a:p>
             <a:fld id="{CA113627-5753-4E5F-853E-B64920B5A820}" type="datetimeFigureOut">
               <a:rPr lang="en-US" smtClean="0"/>
-              <a:t>12/1/2024</a:t>
+              <a:t>12/11/2024</a:t>
             </a:fld>
             <a:endParaRPr lang="en-US"/>
           </a:p>
@@ -2924,7 +2927,7 @@
           <a:p>
             <a:fld id="{CA113627-5753-4E5F-853E-B64920B5A820}" type="datetimeFigureOut">
               <a:rPr lang="en-US" smtClean="0"/>
-              <a:t>12/1/2024</a:t>
+              <a:t>12/11/2024</a:t>
             </a:fld>
             <a:endParaRPr lang="en-US"/>
           </a:p>
@@ -13590,6 +13593,4009 @@
     <p:extLst>
       <p:ext uri="{BB962C8B-B14F-4D97-AF65-F5344CB8AC3E}">
         <p14:creationId xmlns:p14="http://schemas.microsoft.com/office/powerpoint/2010/main" val="89498928"/>
+      </p:ext>
+    </p:extLst>
+  </p:cSld>
+  <p:clrMapOvr>
+    <a:masterClrMapping/>
+  </p:clrMapOvr>
+</p:sld>
+</file>
+
+<file path=ppt/slides/slide17.xml><?xml version="1.0" encoding="utf-8"?>
+<p:sld xmlns:a="http://schemas.openxmlformats.org/drawingml/2006/main" xmlns:r="http://schemas.openxmlformats.org/officeDocument/2006/relationships" xmlns:p="http://schemas.openxmlformats.org/presentationml/2006/main">
+  <p:cSld>
+    <p:spTree>
+      <p:nvGrpSpPr>
+        <p:cNvPr id="1" name="">
+          <a:extLst>
+            <a:ext uri="{FF2B5EF4-FFF2-40B4-BE49-F238E27FC236}">
+              <a16:creationId xmlns:a16="http://schemas.microsoft.com/office/drawing/2014/main" id="{2991A8B6-CE99-9D4F-9A05-3EBC1B32F509}"/>
+            </a:ext>
+          </a:extLst>
+        </p:cNvPr>
+        <p:cNvGrpSpPr/>
+        <p:nvPr/>
+      </p:nvGrpSpPr>
+      <p:grpSpPr>
+        <a:xfrm>
+          <a:off x="0" y="0"/>
+          <a:ext cx="0" cy="0"/>
+          <a:chOff x="0" y="0"/>
+          <a:chExt cx="0" cy="0"/>
+        </a:xfrm>
+      </p:grpSpPr>
+      <p:sp>
+        <p:nvSpPr>
+          <p:cNvPr id="58" name="TextBox 57">
+            <a:extLst>
+              <a:ext uri="{FF2B5EF4-FFF2-40B4-BE49-F238E27FC236}">
+                <a16:creationId xmlns:a16="http://schemas.microsoft.com/office/drawing/2014/main" id="{1D80AFCA-5646-4517-690A-B1D0D187FF1B}"/>
+              </a:ext>
+            </a:extLst>
+          </p:cNvPr>
+          <p:cNvSpPr txBox="1"/>
+          <p:nvPr/>
+        </p:nvSpPr>
+        <p:spPr>
+          <a:xfrm>
+            <a:off x="767001" y="5546630"/>
+            <a:ext cx="9781079" cy="461665"/>
+          </a:xfrm>
+          <a:prstGeom prst="rect">
+            <a:avLst/>
+          </a:prstGeom>
+          <a:noFill/>
+        </p:spPr>
+        <p:txBody>
+          <a:bodyPr wrap="square" rtlCol="0">
+            <a:spAutoFit/>
+          </a:bodyPr>
+          <a:lstStyle/>
+          <a:p>
+            <a:r>
+              <a:rPr lang="en-US" sz="2400" b="1" dirty="0"/>
+              <a:t>Fig.</a:t>
+            </a:r>
+            <a:r>
+              <a:rPr lang="en-US" sz="2400" dirty="0"/>
+              <a:t> 7.2 shows while loop statement Flow Chart and Python code equivalent</a:t>
+            </a:r>
+          </a:p>
+        </p:txBody>
+      </p:sp>
+      <p:sp>
+        <p:nvSpPr>
+          <p:cNvPr id="21" name="Rectangle 20">
+            <a:extLst>
+              <a:ext uri="{FF2B5EF4-FFF2-40B4-BE49-F238E27FC236}">
+                <a16:creationId xmlns:a16="http://schemas.microsoft.com/office/drawing/2014/main" id="{D7912D8C-2E5F-12CE-64C9-8C022F1B1D6E}"/>
+              </a:ext>
+            </a:extLst>
+          </p:cNvPr>
+          <p:cNvSpPr/>
+          <p:nvPr/>
+        </p:nvSpPr>
+        <p:spPr>
+          <a:xfrm>
+            <a:off x="618310" y="652230"/>
+            <a:ext cx="5802810" cy="4682329"/>
+          </a:xfrm>
+          <a:prstGeom prst="rect">
+            <a:avLst/>
+          </a:prstGeom>
+          <a:noFill/>
+          <a:ln>
+            <a:prstDash val="dash"/>
+          </a:ln>
+        </p:spPr>
+        <p:style>
+          <a:lnRef idx="2">
+            <a:schemeClr val="accent1">
+              <a:shade val="15000"/>
+            </a:schemeClr>
+          </a:lnRef>
+          <a:fillRef idx="1">
+            <a:schemeClr val="accent1"/>
+          </a:fillRef>
+          <a:effectRef idx="0">
+            <a:schemeClr val="accent1"/>
+          </a:effectRef>
+          <a:fontRef idx="minor">
+            <a:schemeClr val="lt1"/>
+          </a:fontRef>
+        </p:style>
+        <p:txBody>
+          <a:bodyPr rtlCol="0" anchor="ctr"/>
+          <a:lstStyle/>
+          <a:p>
+            <a:pPr algn="ctr"/>
+            <a:endParaRPr lang="en-US"/>
+          </a:p>
+        </p:txBody>
+      </p:sp>
+      <p:grpSp>
+        <p:nvGrpSpPr>
+          <p:cNvPr id="14" name="Group 13">
+            <a:extLst>
+              <a:ext uri="{FF2B5EF4-FFF2-40B4-BE49-F238E27FC236}">
+                <a16:creationId xmlns:a16="http://schemas.microsoft.com/office/drawing/2014/main" id="{B9013FFB-24B7-CE9F-DBE1-AFF9D66A01D5}"/>
+              </a:ext>
+            </a:extLst>
+          </p:cNvPr>
+          <p:cNvGrpSpPr/>
+          <p:nvPr/>
+        </p:nvGrpSpPr>
+        <p:grpSpPr>
+          <a:xfrm>
+            <a:off x="796834" y="1738641"/>
+            <a:ext cx="2915511" cy="854589"/>
+            <a:chOff x="822017" y="1911752"/>
+            <a:chExt cx="2915511" cy="854589"/>
+          </a:xfrm>
+        </p:grpSpPr>
+        <p:sp>
+          <p:nvSpPr>
+            <p:cNvPr id="2" name="Diamond 1">
+              <a:extLst>
+                <a:ext uri="{FF2B5EF4-FFF2-40B4-BE49-F238E27FC236}">
+                  <a16:creationId xmlns:a16="http://schemas.microsoft.com/office/drawing/2014/main" id="{E41771BC-089F-88F1-157E-84D164956BDF}"/>
+                </a:ext>
+              </a:extLst>
+            </p:cNvPr>
+            <p:cNvSpPr/>
+            <p:nvPr/>
+          </p:nvSpPr>
+          <p:spPr>
+            <a:xfrm>
+              <a:off x="822017" y="1911752"/>
+              <a:ext cx="2915511" cy="845506"/>
+            </a:xfrm>
+            <a:prstGeom prst="diamond">
+              <a:avLst/>
+            </a:prstGeom>
+            <a:solidFill>
+              <a:srgbClr val="F8CBAD"/>
+            </a:solidFill>
+            <a:ln w="28575"/>
+          </p:spPr>
+          <p:style>
+            <a:lnRef idx="2">
+              <a:schemeClr val="accent1">
+                <a:shade val="15000"/>
+              </a:schemeClr>
+            </a:lnRef>
+            <a:fillRef idx="1">
+              <a:schemeClr val="accent1"/>
+            </a:fillRef>
+            <a:effectRef idx="0">
+              <a:schemeClr val="accent1"/>
+            </a:effectRef>
+            <a:fontRef idx="minor">
+              <a:schemeClr val="lt1"/>
+            </a:fontRef>
+          </p:style>
+          <p:txBody>
+            <a:bodyPr rtlCol="0" anchor="ctr"/>
+            <a:lstStyle/>
+            <a:p>
+              <a:pPr marL="0" marR="0" lvl="0" indent="0" algn="ctr" defTabSz="914400" rtl="0" eaLnBrk="1" fontAlgn="auto" latinLnBrk="0" hangingPunct="1">
+                <a:lnSpc>
+                  <a:spcPct val="100000"/>
+                </a:lnSpc>
+                <a:spcBef>
+                  <a:spcPts val="0"/>
+                </a:spcBef>
+                <a:spcAft>
+                  <a:spcPts val="0"/>
+                </a:spcAft>
+                <a:buClrTx/>
+                <a:buSzTx/>
+                <a:buFontTx/>
+                <a:buNone/>
+                <a:tabLst/>
+                <a:defRPr/>
+              </a:pPr>
+              <a:endParaRPr kumimoji="0" lang="en-US" sz="2400" b="0" i="0" u="none" strike="noStrike" kern="1200" cap="none" spc="0" normalizeH="0" baseline="0" noProof="0" dirty="0">
+                <a:ln>
+                  <a:noFill/>
+                </a:ln>
+                <a:solidFill>
+                  <a:prstClr val="black"/>
+                </a:solidFill>
+                <a:effectLst/>
+                <a:uLnTx/>
+                <a:uFillTx/>
+                <a:latin typeface="Calibri" panose="020F0502020204030204"/>
+                <a:ea typeface="+mn-ea"/>
+                <a:cs typeface="+mn-cs"/>
+              </a:endParaRPr>
+            </a:p>
+          </p:txBody>
+        </p:sp>
+        <p:sp>
+          <p:nvSpPr>
+            <p:cNvPr id="7" name="TextBox 6">
+              <a:extLst>
+                <a:ext uri="{FF2B5EF4-FFF2-40B4-BE49-F238E27FC236}">
+                  <a16:creationId xmlns:a16="http://schemas.microsoft.com/office/drawing/2014/main" id="{AC89B268-19EB-36C6-EE31-EFE405C88852}"/>
+                </a:ext>
+              </a:extLst>
+            </p:cNvPr>
+            <p:cNvSpPr txBox="1"/>
+            <p:nvPr/>
+          </p:nvSpPr>
+          <p:spPr>
+            <a:xfrm>
+              <a:off x="1174524" y="2058455"/>
+              <a:ext cx="2408118" cy="707886"/>
+            </a:xfrm>
+            <a:prstGeom prst="rect">
+              <a:avLst/>
+            </a:prstGeom>
+            <a:noFill/>
+            <a:ln w="9525">
+              <a:noFill/>
+            </a:ln>
+          </p:spPr>
+          <p:txBody>
+            <a:bodyPr wrap="square" rtlCol="0">
+              <a:spAutoFit/>
+            </a:bodyPr>
+            <a:lstStyle/>
+            <a:p>
+              <a:r>
+                <a:rPr lang="en-US" sz="2000" b="0" dirty="0">
+                  <a:effectLst/>
+                  <a:latin typeface="Consolas" panose="020B0609020204030204" pitchFamily="49" charset="0"/>
+                </a:rPr>
+                <a:t>current_number </a:t>
+              </a:r>
+            </a:p>
+            <a:p>
+              <a:pPr algn="ctr"/>
+              <a:r>
+                <a:rPr lang="en-US" sz="2000" dirty="0">
+                  <a:latin typeface="Consolas" panose="020B0609020204030204" pitchFamily="49" charset="0"/>
+                </a:rPr>
+                <a:t>&lt;</a:t>
+              </a:r>
+              <a:r>
+                <a:rPr lang="en-US" sz="2000" b="0" dirty="0">
+                  <a:effectLst/>
+                  <a:latin typeface="Consolas" panose="020B0609020204030204" pitchFamily="49" charset="0"/>
+                </a:rPr>
+                <a:t>= </a:t>
+              </a:r>
+              <a:r>
+                <a:rPr lang="en-US" sz="2000" dirty="0">
+                  <a:latin typeface="Consolas" panose="020B0609020204030204" pitchFamily="49" charset="0"/>
+                </a:rPr>
+                <a:t>5</a:t>
+              </a:r>
+              <a:endParaRPr lang="en-US" sz="2000" dirty="0"/>
+            </a:p>
+          </p:txBody>
+        </p:sp>
+      </p:grpSp>
+      <p:cxnSp>
+        <p:nvCxnSpPr>
+          <p:cNvPr id="11" name="Straight Arrow Connector 10">
+            <a:extLst>
+              <a:ext uri="{FF2B5EF4-FFF2-40B4-BE49-F238E27FC236}">
+                <a16:creationId xmlns:a16="http://schemas.microsoft.com/office/drawing/2014/main" id="{ADCE3932-219C-470B-0949-9A22AA17625B}"/>
+              </a:ext>
+            </a:extLst>
+          </p:cNvPr>
+          <p:cNvCxnSpPr>
+            <a:cxnSpLocks/>
+          </p:cNvCxnSpPr>
+          <p:nvPr/>
+        </p:nvCxnSpPr>
+        <p:spPr>
+          <a:xfrm flipH="1">
+            <a:off x="2258780" y="1271672"/>
+            <a:ext cx="0" cy="457200"/>
+          </a:xfrm>
+          <a:prstGeom prst="straightConnector1">
+            <a:avLst/>
+          </a:prstGeom>
+          <a:ln w="28575">
+            <a:solidFill>
+              <a:schemeClr val="tx1"/>
+            </a:solidFill>
+            <a:tailEnd type="triangle"/>
+          </a:ln>
+        </p:spPr>
+        <p:style>
+          <a:lnRef idx="1">
+            <a:schemeClr val="accent1"/>
+          </a:lnRef>
+          <a:fillRef idx="0">
+            <a:schemeClr val="accent1"/>
+          </a:fillRef>
+          <a:effectRef idx="0">
+            <a:schemeClr val="accent1"/>
+          </a:effectRef>
+          <a:fontRef idx="minor">
+            <a:schemeClr val="tx1"/>
+          </a:fontRef>
+        </p:style>
+      </p:cxnSp>
+      <p:cxnSp>
+        <p:nvCxnSpPr>
+          <p:cNvPr id="15" name="Connector: Elbow 14">
+            <a:extLst>
+              <a:ext uri="{FF2B5EF4-FFF2-40B4-BE49-F238E27FC236}">
+                <a16:creationId xmlns:a16="http://schemas.microsoft.com/office/drawing/2014/main" id="{EB0BE941-2F6D-64A2-75BF-51FA82D85F18}"/>
+              </a:ext>
+            </a:extLst>
+          </p:cNvPr>
+          <p:cNvCxnSpPr>
+            <a:cxnSpLocks/>
+            <a:stCxn id="2" idx="3"/>
+          </p:cNvCxnSpPr>
+          <p:nvPr/>
+        </p:nvCxnSpPr>
+        <p:spPr>
+          <a:xfrm>
+            <a:off x="3712345" y="2161394"/>
+            <a:ext cx="682897" cy="832001"/>
+          </a:xfrm>
+          <a:prstGeom prst="bentConnector2">
+            <a:avLst/>
+          </a:prstGeom>
+          <a:ln w="28575">
+            <a:solidFill>
+              <a:schemeClr val="tx1"/>
+            </a:solidFill>
+            <a:tailEnd type="triangle"/>
+          </a:ln>
+        </p:spPr>
+        <p:style>
+          <a:lnRef idx="1">
+            <a:schemeClr val="accent1"/>
+          </a:lnRef>
+          <a:fillRef idx="0">
+            <a:schemeClr val="accent1"/>
+          </a:fillRef>
+          <a:effectRef idx="0">
+            <a:schemeClr val="accent1"/>
+          </a:effectRef>
+          <a:fontRef idx="minor">
+            <a:schemeClr val="tx1"/>
+          </a:fontRef>
+        </p:style>
+      </p:cxnSp>
+      <p:cxnSp>
+        <p:nvCxnSpPr>
+          <p:cNvPr id="20" name="Straight Arrow Connector 19">
+            <a:extLst>
+              <a:ext uri="{FF2B5EF4-FFF2-40B4-BE49-F238E27FC236}">
+                <a16:creationId xmlns:a16="http://schemas.microsoft.com/office/drawing/2014/main" id="{CA806F51-6964-1DD1-05B5-442A740F795A}"/>
+              </a:ext>
+            </a:extLst>
+          </p:cNvPr>
+          <p:cNvCxnSpPr>
+            <a:cxnSpLocks/>
+          </p:cNvCxnSpPr>
+          <p:nvPr/>
+        </p:nvCxnSpPr>
+        <p:spPr>
+          <a:xfrm flipH="1">
+            <a:off x="4395242" y="3612429"/>
+            <a:ext cx="0" cy="457200"/>
+          </a:xfrm>
+          <a:prstGeom prst="straightConnector1">
+            <a:avLst/>
+          </a:prstGeom>
+          <a:ln w="28575">
+            <a:solidFill>
+              <a:schemeClr val="tx1"/>
+            </a:solidFill>
+            <a:tailEnd type="triangle"/>
+          </a:ln>
+        </p:spPr>
+        <p:style>
+          <a:lnRef idx="1">
+            <a:schemeClr val="accent1"/>
+          </a:lnRef>
+          <a:fillRef idx="0">
+            <a:schemeClr val="accent1"/>
+          </a:fillRef>
+          <a:effectRef idx="0">
+            <a:schemeClr val="accent1"/>
+          </a:effectRef>
+          <a:fontRef idx="minor">
+            <a:schemeClr val="tx1"/>
+          </a:fontRef>
+        </p:style>
+      </p:cxnSp>
+      <p:sp>
+        <p:nvSpPr>
+          <p:cNvPr id="32" name="Rectangle 31">
+            <a:extLst>
+              <a:ext uri="{FF2B5EF4-FFF2-40B4-BE49-F238E27FC236}">
+                <a16:creationId xmlns:a16="http://schemas.microsoft.com/office/drawing/2014/main" id="{68CECEBC-AB58-A1E8-9933-DF46D7398DDC}"/>
+              </a:ext>
+            </a:extLst>
+          </p:cNvPr>
+          <p:cNvSpPr/>
+          <p:nvPr/>
+        </p:nvSpPr>
+        <p:spPr>
+          <a:xfrm>
+            <a:off x="6601532" y="637772"/>
+            <a:ext cx="4854506" cy="4682329"/>
+          </a:xfrm>
+          <a:prstGeom prst="rect">
+            <a:avLst/>
+          </a:prstGeom>
+          <a:noFill/>
+          <a:ln>
+            <a:prstDash val="dash"/>
+          </a:ln>
+        </p:spPr>
+        <p:style>
+          <a:lnRef idx="2">
+            <a:schemeClr val="accent1">
+              <a:shade val="15000"/>
+            </a:schemeClr>
+          </a:lnRef>
+          <a:fillRef idx="1">
+            <a:schemeClr val="accent1"/>
+          </a:fillRef>
+          <a:effectRef idx="0">
+            <a:schemeClr val="accent1"/>
+          </a:effectRef>
+          <a:fontRef idx="minor">
+            <a:schemeClr val="lt1"/>
+          </a:fontRef>
+        </p:style>
+        <p:txBody>
+          <a:bodyPr rtlCol="0" anchor="ctr"/>
+          <a:lstStyle/>
+          <a:p>
+            <a:pPr algn="ctr"/>
+            <a:endParaRPr lang="en-US"/>
+          </a:p>
+        </p:txBody>
+      </p:sp>
+      <p:sp>
+        <p:nvSpPr>
+          <p:cNvPr id="36" name="TextBox 35">
+            <a:extLst>
+              <a:ext uri="{FF2B5EF4-FFF2-40B4-BE49-F238E27FC236}">
+                <a16:creationId xmlns:a16="http://schemas.microsoft.com/office/drawing/2014/main" id="{BC9F5516-01C4-36F0-4F93-0E6963B5E335}"/>
+              </a:ext>
+            </a:extLst>
+          </p:cNvPr>
+          <p:cNvSpPr txBox="1"/>
+          <p:nvPr/>
+        </p:nvSpPr>
+        <p:spPr>
+          <a:xfrm>
+            <a:off x="6776916" y="2226941"/>
+            <a:ext cx="4583964" cy="1569660"/>
+          </a:xfrm>
+          <a:prstGeom prst="rect">
+            <a:avLst/>
+          </a:prstGeom>
+          <a:noFill/>
+        </p:spPr>
+        <p:txBody>
+          <a:bodyPr wrap="square">
+            <a:spAutoFit/>
+          </a:bodyPr>
+          <a:lstStyle/>
+          <a:p>
+            <a:r>
+              <a:rPr lang="en-US" sz="2400" b="0" dirty="0" err="1">
+                <a:solidFill>
+                  <a:srgbClr val="9CDCFE"/>
+                </a:solidFill>
+                <a:effectLst/>
+                <a:latin typeface="Consolas" panose="020B0609020204030204" pitchFamily="49" charset="0"/>
+              </a:rPr>
+              <a:t>current_number</a:t>
+            </a:r>
+            <a:r>
+              <a:rPr lang="en-US" sz="2400" b="0" dirty="0">
+                <a:solidFill>
+                  <a:srgbClr val="CCCCCC"/>
+                </a:solidFill>
+                <a:effectLst/>
+                <a:latin typeface="Consolas" panose="020B0609020204030204" pitchFamily="49" charset="0"/>
+              </a:rPr>
+              <a:t> </a:t>
+            </a:r>
+            <a:r>
+              <a:rPr lang="en-US" sz="2400" b="0" dirty="0">
+                <a:solidFill>
+                  <a:srgbClr val="D4D4D4"/>
+                </a:solidFill>
+                <a:effectLst/>
+                <a:latin typeface="Consolas" panose="020B0609020204030204" pitchFamily="49" charset="0"/>
+              </a:rPr>
+              <a:t>=</a:t>
+            </a:r>
+            <a:r>
+              <a:rPr lang="en-US" sz="2400" b="0" dirty="0">
+                <a:solidFill>
+                  <a:srgbClr val="CCCCCC"/>
+                </a:solidFill>
+                <a:effectLst/>
+                <a:latin typeface="Consolas" panose="020B0609020204030204" pitchFamily="49" charset="0"/>
+              </a:rPr>
+              <a:t> </a:t>
+            </a:r>
+            <a:r>
+              <a:rPr lang="en-US" sz="2400" b="0" dirty="0">
+                <a:solidFill>
+                  <a:srgbClr val="B5CEA8"/>
+                </a:solidFill>
+                <a:effectLst/>
+                <a:latin typeface="Consolas" panose="020B0609020204030204" pitchFamily="49" charset="0"/>
+              </a:rPr>
+              <a:t>1</a:t>
+            </a:r>
+            <a:endParaRPr lang="en-US" sz="2400" b="0" dirty="0">
+              <a:solidFill>
+                <a:srgbClr val="CCCCCC"/>
+              </a:solidFill>
+              <a:effectLst/>
+              <a:latin typeface="Consolas" panose="020B0609020204030204" pitchFamily="49" charset="0"/>
+            </a:endParaRPr>
+          </a:p>
+          <a:p>
+            <a:r>
+              <a:rPr lang="en-US" sz="2400" b="0" dirty="0">
+                <a:solidFill>
+                  <a:srgbClr val="C586C0"/>
+                </a:solidFill>
+                <a:effectLst/>
+                <a:latin typeface="Consolas" panose="020B0609020204030204" pitchFamily="49" charset="0"/>
+              </a:rPr>
+              <a:t>while</a:t>
+            </a:r>
+            <a:r>
+              <a:rPr lang="en-US" sz="2400" b="0" dirty="0">
+                <a:solidFill>
+                  <a:srgbClr val="CCCCCC"/>
+                </a:solidFill>
+                <a:effectLst/>
+                <a:latin typeface="Consolas" panose="020B0609020204030204" pitchFamily="49" charset="0"/>
+              </a:rPr>
+              <a:t> </a:t>
+            </a:r>
+            <a:r>
+              <a:rPr lang="en-US" sz="2400" b="0" dirty="0" err="1">
+                <a:solidFill>
+                  <a:srgbClr val="9CDCFE"/>
+                </a:solidFill>
+                <a:effectLst/>
+                <a:latin typeface="Consolas" panose="020B0609020204030204" pitchFamily="49" charset="0"/>
+              </a:rPr>
+              <a:t>current_number</a:t>
+            </a:r>
+            <a:r>
+              <a:rPr lang="en-US" sz="2400" b="0" dirty="0">
+                <a:solidFill>
+                  <a:srgbClr val="CCCCCC"/>
+                </a:solidFill>
+                <a:effectLst/>
+                <a:latin typeface="Consolas" panose="020B0609020204030204" pitchFamily="49" charset="0"/>
+              </a:rPr>
+              <a:t> </a:t>
+            </a:r>
+            <a:r>
+              <a:rPr lang="en-US" sz="2400" b="0" dirty="0">
+                <a:solidFill>
+                  <a:srgbClr val="D4D4D4"/>
+                </a:solidFill>
+                <a:effectLst/>
+                <a:latin typeface="Consolas" panose="020B0609020204030204" pitchFamily="49" charset="0"/>
+              </a:rPr>
+              <a:t>&lt;=</a:t>
+            </a:r>
+            <a:r>
+              <a:rPr lang="en-US" sz="2400" b="0" dirty="0">
+                <a:solidFill>
+                  <a:srgbClr val="CCCCCC"/>
+                </a:solidFill>
+                <a:effectLst/>
+                <a:latin typeface="Consolas" panose="020B0609020204030204" pitchFamily="49" charset="0"/>
+              </a:rPr>
+              <a:t> </a:t>
+            </a:r>
+            <a:r>
+              <a:rPr lang="en-US" sz="2400" b="0" dirty="0">
+                <a:solidFill>
+                  <a:srgbClr val="B5CEA8"/>
+                </a:solidFill>
+                <a:effectLst/>
+                <a:latin typeface="Consolas" panose="020B0609020204030204" pitchFamily="49" charset="0"/>
+              </a:rPr>
+              <a:t>5</a:t>
+            </a:r>
+            <a:r>
+              <a:rPr lang="en-US" sz="2400" b="0" dirty="0">
+                <a:solidFill>
+                  <a:srgbClr val="CCCCCC"/>
+                </a:solidFill>
+                <a:effectLst/>
+                <a:latin typeface="Consolas" panose="020B0609020204030204" pitchFamily="49" charset="0"/>
+              </a:rPr>
+              <a:t>:</a:t>
+            </a:r>
+          </a:p>
+          <a:p>
+            <a:r>
+              <a:rPr lang="en-US" sz="2400" b="0" dirty="0">
+                <a:solidFill>
+                  <a:srgbClr val="CCCCCC"/>
+                </a:solidFill>
+                <a:effectLst/>
+                <a:latin typeface="Consolas" panose="020B0609020204030204" pitchFamily="49" charset="0"/>
+              </a:rPr>
+              <a:t>    </a:t>
+            </a:r>
+            <a:r>
+              <a:rPr lang="en-US" sz="2400" b="0" dirty="0">
+                <a:solidFill>
+                  <a:srgbClr val="DCDCAA"/>
+                </a:solidFill>
+                <a:effectLst/>
+                <a:latin typeface="Consolas" panose="020B0609020204030204" pitchFamily="49" charset="0"/>
+              </a:rPr>
+              <a:t>print</a:t>
+            </a:r>
+            <a:r>
+              <a:rPr lang="en-US" sz="2400" b="0" dirty="0">
+                <a:solidFill>
+                  <a:srgbClr val="CCCCCC"/>
+                </a:solidFill>
+                <a:effectLst/>
+                <a:latin typeface="Consolas" panose="020B0609020204030204" pitchFamily="49" charset="0"/>
+              </a:rPr>
+              <a:t>(</a:t>
+            </a:r>
+            <a:r>
+              <a:rPr lang="en-US" sz="2400" b="0" dirty="0" err="1">
+                <a:solidFill>
+                  <a:srgbClr val="9CDCFE"/>
+                </a:solidFill>
+                <a:effectLst/>
+                <a:latin typeface="Consolas" panose="020B0609020204030204" pitchFamily="49" charset="0"/>
+              </a:rPr>
+              <a:t>current_number</a:t>
+            </a:r>
+            <a:r>
+              <a:rPr lang="en-US" sz="2400" b="0" dirty="0">
+                <a:solidFill>
+                  <a:srgbClr val="CCCCCC"/>
+                </a:solidFill>
+                <a:effectLst/>
+                <a:latin typeface="Consolas" panose="020B0609020204030204" pitchFamily="49" charset="0"/>
+              </a:rPr>
+              <a:t>)</a:t>
+            </a:r>
+          </a:p>
+          <a:p>
+            <a:r>
+              <a:rPr lang="en-US" sz="2400" b="0" dirty="0">
+                <a:solidFill>
+                  <a:srgbClr val="CCCCCC"/>
+                </a:solidFill>
+                <a:effectLst/>
+                <a:latin typeface="Consolas" panose="020B0609020204030204" pitchFamily="49" charset="0"/>
+              </a:rPr>
+              <a:t>    </a:t>
+            </a:r>
+            <a:r>
+              <a:rPr lang="en-US" sz="2400" b="0" dirty="0" err="1">
+                <a:solidFill>
+                  <a:srgbClr val="9CDCFE"/>
+                </a:solidFill>
+                <a:effectLst/>
+                <a:latin typeface="Consolas" panose="020B0609020204030204" pitchFamily="49" charset="0"/>
+              </a:rPr>
+              <a:t>current_number</a:t>
+            </a:r>
+            <a:r>
+              <a:rPr lang="en-US" sz="2400" b="0" dirty="0">
+                <a:solidFill>
+                  <a:srgbClr val="CCCCCC"/>
+                </a:solidFill>
+                <a:effectLst/>
+                <a:latin typeface="Consolas" panose="020B0609020204030204" pitchFamily="49" charset="0"/>
+              </a:rPr>
+              <a:t> </a:t>
+            </a:r>
+            <a:r>
+              <a:rPr lang="en-US" sz="2400" b="0" dirty="0">
+                <a:solidFill>
+                  <a:srgbClr val="D4D4D4"/>
+                </a:solidFill>
+                <a:effectLst/>
+                <a:latin typeface="Consolas" panose="020B0609020204030204" pitchFamily="49" charset="0"/>
+              </a:rPr>
+              <a:t>+=</a:t>
+            </a:r>
+            <a:r>
+              <a:rPr lang="en-US" sz="2400" b="0" dirty="0">
+                <a:solidFill>
+                  <a:srgbClr val="CCCCCC"/>
+                </a:solidFill>
+                <a:effectLst/>
+                <a:latin typeface="Consolas" panose="020B0609020204030204" pitchFamily="49" charset="0"/>
+              </a:rPr>
+              <a:t> </a:t>
+            </a:r>
+            <a:r>
+              <a:rPr lang="en-US" sz="2400" b="0" dirty="0">
+                <a:solidFill>
+                  <a:srgbClr val="B5CEA8"/>
+                </a:solidFill>
+                <a:effectLst/>
+                <a:latin typeface="Consolas" panose="020B0609020204030204" pitchFamily="49" charset="0"/>
+              </a:rPr>
+              <a:t>1</a:t>
+            </a:r>
+            <a:endParaRPr lang="en-US" sz="2400" b="0" dirty="0">
+              <a:solidFill>
+                <a:srgbClr val="CCCCCC"/>
+              </a:solidFill>
+              <a:effectLst/>
+              <a:latin typeface="Consolas" panose="020B0609020204030204" pitchFamily="49" charset="0"/>
+            </a:endParaRPr>
+          </a:p>
+        </p:txBody>
+      </p:sp>
+      <p:cxnSp>
+        <p:nvCxnSpPr>
+          <p:cNvPr id="37" name="Straight Connector 36">
+            <a:extLst>
+              <a:ext uri="{FF2B5EF4-FFF2-40B4-BE49-F238E27FC236}">
+                <a16:creationId xmlns:a16="http://schemas.microsoft.com/office/drawing/2014/main" id="{5655EBF7-22E9-34FA-C180-CE914F13D3B2}"/>
+              </a:ext>
+            </a:extLst>
+          </p:cNvPr>
+          <p:cNvCxnSpPr>
+            <a:cxnSpLocks/>
+          </p:cNvCxnSpPr>
+          <p:nvPr/>
+        </p:nvCxnSpPr>
+        <p:spPr>
+          <a:xfrm>
+            <a:off x="7482453" y="3200400"/>
+            <a:ext cx="0" cy="457200"/>
+          </a:xfrm>
+          <a:prstGeom prst="line">
+            <a:avLst/>
+          </a:prstGeom>
+          <a:ln w="28575">
+            <a:prstDash val="dash"/>
+          </a:ln>
+        </p:spPr>
+        <p:style>
+          <a:lnRef idx="1">
+            <a:schemeClr val="accent1"/>
+          </a:lnRef>
+          <a:fillRef idx="0">
+            <a:schemeClr val="accent1"/>
+          </a:fillRef>
+          <a:effectRef idx="0">
+            <a:schemeClr val="accent1"/>
+          </a:effectRef>
+          <a:fontRef idx="minor">
+            <a:schemeClr val="tx1"/>
+          </a:fontRef>
+        </p:style>
+      </p:cxnSp>
+      <p:sp>
+        <p:nvSpPr>
+          <p:cNvPr id="38" name="TextBox 37">
+            <a:extLst>
+              <a:ext uri="{FF2B5EF4-FFF2-40B4-BE49-F238E27FC236}">
+                <a16:creationId xmlns:a16="http://schemas.microsoft.com/office/drawing/2014/main" id="{3D88F126-42F7-E09B-6A73-213431D11ECE}"/>
+              </a:ext>
+            </a:extLst>
+          </p:cNvPr>
+          <p:cNvSpPr txBox="1"/>
+          <p:nvPr/>
+        </p:nvSpPr>
+        <p:spPr>
+          <a:xfrm>
+            <a:off x="3712345" y="1785566"/>
+            <a:ext cx="830093" cy="461665"/>
+          </a:xfrm>
+          <a:prstGeom prst="rect">
+            <a:avLst/>
+          </a:prstGeom>
+          <a:noFill/>
+        </p:spPr>
+        <p:txBody>
+          <a:bodyPr wrap="square" rtlCol="0">
+            <a:spAutoFit/>
+          </a:bodyPr>
+          <a:lstStyle/>
+          <a:p>
+            <a:r>
+              <a:rPr lang="en-US" sz="2400" b="1" dirty="0"/>
+              <a:t>True</a:t>
+            </a:r>
+            <a:endParaRPr lang="en-US" sz="2400" dirty="0"/>
+          </a:p>
+        </p:txBody>
+      </p:sp>
+      <p:sp>
+        <p:nvSpPr>
+          <p:cNvPr id="3" name="Rectangle 2">
+            <a:extLst>
+              <a:ext uri="{FF2B5EF4-FFF2-40B4-BE49-F238E27FC236}">
+                <a16:creationId xmlns:a16="http://schemas.microsoft.com/office/drawing/2014/main" id="{DD909A93-51A3-5B9B-0FE4-2709E060CBB5}"/>
+              </a:ext>
+            </a:extLst>
+          </p:cNvPr>
+          <p:cNvSpPr/>
+          <p:nvPr/>
+        </p:nvSpPr>
+        <p:spPr>
+          <a:xfrm>
+            <a:off x="822017" y="784497"/>
+            <a:ext cx="2915511" cy="462026"/>
+          </a:xfrm>
+          <a:prstGeom prst="rect">
+            <a:avLst/>
+          </a:prstGeom>
+        </p:spPr>
+        <p:style>
+          <a:lnRef idx="2">
+            <a:schemeClr val="accent1">
+              <a:shade val="15000"/>
+            </a:schemeClr>
+          </a:lnRef>
+          <a:fillRef idx="1">
+            <a:schemeClr val="accent1"/>
+          </a:fillRef>
+          <a:effectRef idx="0">
+            <a:schemeClr val="accent1"/>
+          </a:effectRef>
+          <a:fontRef idx="minor">
+            <a:schemeClr val="lt1"/>
+          </a:fontRef>
+        </p:style>
+        <p:txBody>
+          <a:bodyPr rtlCol="0" anchor="ctr"/>
+          <a:lstStyle/>
+          <a:p>
+            <a:pPr algn="ctr"/>
+            <a:endParaRPr lang="en-US"/>
+          </a:p>
+        </p:txBody>
+      </p:sp>
+      <p:sp>
+        <p:nvSpPr>
+          <p:cNvPr id="5" name="TextBox 4">
+            <a:extLst>
+              <a:ext uri="{FF2B5EF4-FFF2-40B4-BE49-F238E27FC236}">
+                <a16:creationId xmlns:a16="http://schemas.microsoft.com/office/drawing/2014/main" id="{F3AEF5D1-54AA-A259-4659-B258DC13BA1F}"/>
+              </a:ext>
+            </a:extLst>
+          </p:cNvPr>
+          <p:cNvSpPr txBox="1"/>
+          <p:nvPr/>
+        </p:nvSpPr>
+        <p:spPr>
+          <a:xfrm>
+            <a:off x="841332" y="919247"/>
+            <a:ext cx="3386053" cy="294311"/>
+          </a:xfrm>
+          <a:prstGeom prst="rect">
+            <a:avLst/>
+          </a:prstGeom>
+          <a:noFill/>
+        </p:spPr>
+        <p:txBody>
+          <a:bodyPr wrap="square" rtlCol="0">
+            <a:spAutoFit/>
+          </a:bodyPr>
+          <a:lstStyle/>
+          <a:p>
+            <a:pPr>
+              <a:lnSpc>
+                <a:spcPts val="1425"/>
+              </a:lnSpc>
+            </a:pPr>
+            <a:r>
+              <a:rPr lang="en-US" sz="2000" b="0" dirty="0">
+                <a:solidFill>
+                  <a:srgbClr val="9CDCFE"/>
+                </a:solidFill>
+                <a:effectLst/>
+                <a:latin typeface="Consolas" panose="020B0609020204030204" pitchFamily="49" charset="0"/>
+              </a:rPr>
+              <a:t>current_number</a:t>
+            </a:r>
+            <a:r>
+              <a:rPr lang="en-US" sz="2000" b="0" dirty="0">
+                <a:solidFill>
+                  <a:srgbClr val="CCCCCC"/>
+                </a:solidFill>
+                <a:effectLst/>
+                <a:latin typeface="Consolas" panose="020B0609020204030204" pitchFamily="49" charset="0"/>
+              </a:rPr>
+              <a:t> </a:t>
+            </a:r>
+            <a:r>
+              <a:rPr lang="en-US" sz="2000" b="0" dirty="0">
+                <a:solidFill>
+                  <a:srgbClr val="D4D4D4"/>
+                </a:solidFill>
+                <a:effectLst/>
+                <a:latin typeface="Consolas" panose="020B0609020204030204" pitchFamily="49" charset="0"/>
+              </a:rPr>
+              <a:t>=</a:t>
+            </a:r>
+            <a:r>
+              <a:rPr lang="en-US" sz="2000" b="0" dirty="0">
+                <a:solidFill>
+                  <a:srgbClr val="CCCCCC"/>
+                </a:solidFill>
+                <a:effectLst/>
+                <a:latin typeface="Consolas" panose="020B0609020204030204" pitchFamily="49" charset="0"/>
+              </a:rPr>
+              <a:t> </a:t>
+            </a:r>
+            <a:r>
+              <a:rPr lang="en-US" sz="2000" b="0" dirty="0">
+                <a:solidFill>
+                  <a:srgbClr val="B5CEA8"/>
+                </a:solidFill>
+                <a:effectLst/>
+                <a:latin typeface="Consolas" panose="020B0609020204030204" pitchFamily="49" charset="0"/>
+              </a:rPr>
+              <a:t>1</a:t>
+            </a:r>
+            <a:endParaRPr lang="en-US" sz="2000" dirty="0"/>
+          </a:p>
+        </p:txBody>
+      </p:sp>
+      <p:grpSp>
+        <p:nvGrpSpPr>
+          <p:cNvPr id="16" name="Group 15">
+            <a:extLst>
+              <a:ext uri="{FF2B5EF4-FFF2-40B4-BE49-F238E27FC236}">
+                <a16:creationId xmlns:a16="http://schemas.microsoft.com/office/drawing/2014/main" id="{7C332FDD-D5D9-B1F7-F7A5-02E30D4DA7CC}"/>
+              </a:ext>
+            </a:extLst>
+          </p:cNvPr>
+          <p:cNvGrpSpPr/>
+          <p:nvPr/>
+        </p:nvGrpSpPr>
+        <p:grpSpPr>
+          <a:xfrm>
+            <a:off x="3205291" y="2978937"/>
+            <a:ext cx="2412033" cy="659011"/>
+            <a:chOff x="3225800" y="3174992"/>
+            <a:chExt cx="2412033" cy="659011"/>
+          </a:xfrm>
+        </p:grpSpPr>
+        <p:sp>
+          <p:nvSpPr>
+            <p:cNvPr id="6" name="Parallelogram 5">
+              <a:extLst>
+                <a:ext uri="{FF2B5EF4-FFF2-40B4-BE49-F238E27FC236}">
+                  <a16:creationId xmlns:a16="http://schemas.microsoft.com/office/drawing/2014/main" id="{31F87522-B429-BB7A-EA32-880772DCB24D}"/>
+                </a:ext>
+              </a:extLst>
+            </p:cNvPr>
+            <p:cNvSpPr/>
+            <p:nvPr/>
+          </p:nvSpPr>
+          <p:spPr>
+            <a:xfrm>
+              <a:off x="3282077" y="3180080"/>
+              <a:ext cx="2282175" cy="653923"/>
+            </a:xfrm>
+            <a:prstGeom prst="parallelogram">
+              <a:avLst/>
+            </a:prstGeom>
+          </p:spPr>
+          <p:style>
+            <a:lnRef idx="2">
+              <a:schemeClr val="accent1">
+                <a:shade val="15000"/>
+              </a:schemeClr>
+            </a:lnRef>
+            <a:fillRef idx="1">
+              <a:schemeClr val="accent1"/>
+            </a:fillRef>
+            <a:effectRef idx="0">
+              <a:schemeClr val="accent1"/>
+            </a:effectRef>
+            <a:fontRef idx="minor">
+              <a:schemeClr val="lt1"/>
+            </a:fontRef>
+          </p:style>
+          <p:txBody>
+            <a:bodyPr rtlCol="0" anchor="ctr"/>
+            <a:lstStyle/>
+            <a:p>
+              <a:pPr algn="ctr"/>
+              <a:endParaRPr lang="en-US"/>
+            </a:p>
+          </p:txBody>
+        </p:sp>
+        <p:sp>
+          <p:nvSpPr>
+            <p:cNvPr id="10" name="TextBox 9">
+              <a:extLst>
+                <a:ext uri="{FF2B5EF4-FFF2-40B4-BE49-F238E27FC236}">
+                  <a16:creationId xmlns:a16="http://schemas.microsoft.com/office/drawing/2014/main" id="{854DB737-80C8-8353-76B0-5DFD601AC990}"/>
+                </a:ext>
+              </a:extLst>
+            </p:cNvPr>
+            <p:cNvSpPr txBox="1"/>
+            <p:nvPr/>
+          </p:nvSpPr>
+          <p:spPr>
+            <a:xfrm>
+              <a:off x="3429000" y="3428992"/>
+              <a:ext cx="2208833" cy="369332"/>
+            </a:xfrm>
+            <a:prstGeom prst="rect">
+              <a:avLst/>
+            </a:prstGeom>
+            <a:noFill/>
+          </p:spPr>
+          <p:txBody>
+            <a:bodyPr wrap="square">
+              <a:spAutoFit/>
+            </a:bodyPr>
+            <a:lstStyle/>
+            <a:p>
+              <a:r>
+                <a:rPr lang="en-US" sz="1800" b="0" dirty="0">
+                  <a:solidFill>
+                    <a:srgbClr val="9CDCFE"/>
+                  </a:solidFill>
+                  <a:effectLst/>
+                  <a:latin typeface="Consolas" panose="020B0609020204030204" pitchFamily="49" charset="0"/>
+                </a:rPr>
+                <a:t>current_number</a:t>
+              </a:r>
+              <a:endParaRPr lang="en-US" dirty="0"/>
+            </a:p>
+          </p:txBody>
+        </p:sp>
+        <p:sp>
+          <p:nvSpPr>
+            <p:cNvPr id="13" name="TextBox 12">
+              <a:extLst>
+                <a:ext uri="{FF2B5EF4-FFF2-40B4-BE49-F238E27FC236}">
+                  <a16:creationId xmlns:a16="http://schemas.microsoft.com/office/drawing/2014/main" id="{99718617-5F79-5B90-B695-5CF6BFA30812}"/>
+                </a:ext>
+              </a:extLst>
+            </p:cNvPr>
+            <p:cNvSpPr txBox="1"/>
+            <p:nvPr/>
+          </p:nvSpPr>
+          <p:spPr>
+            <a:xfrm>
+              <a:off x="3225800" y="3174992"/>
+              <a:ext cx="2208833" cy="369332"/>
+            </a:xfrm>
+            <a:prstGeom prst="rect">
+              <a:avLst/>
+            </a:prstGeom>
+            <a:noFill/>
+          </p:spPr>
+          <p:txBody>
+            <a:bodyPr wrap="square">
+              <a:spAutoFit/>
+            </a:bodyPr>
+            <a:lstStyle/>
+            <a:p>
+              <a:pPr algn="ctr"/>
+              <a:r>
+                <a:rPr lang="en-US" sz="1800" b="0" dirty="0">
+                  <a:effectLst/>
+                  <a:latin typeface="Consolas" panose="020B0609020204030204" pitchFamily="49" charset="0"/>
+                </a:rPr>
+                <a:t>DISPLAY</a:t>
+              </a:r>
+              <a:endParaRPr lang="en-US" dirty="0"/>
+            </a:p>
+          </p:txBody>
+        </p:sp>
+      </p:grpSp>
+      <p:sp>
+        <p:nvSpPr>
+          <p:cNvPr id="19" name="Rectangle 18">
+            <a:extLst>
+              <a:ext uri="{FF2B5EF4-FFF2-40B4-BE49-F238E27FC236}">
+                <a16:creationId xmlns:a16="http://schemas.microsoft.com/office/drawing/2014/main" id="{37C21BC3-0B49-510C-645B-55F8CDADF27C}"/>
+              </a:ext>
+            </a:extLst>
+          </p:cNvPr>
+          <p:cNvSpPr/>
+          <p:nvPr/>
+        </p:nvSpPr>
+        <p:spPr>
+          <a:xfrm>
+            <a:off x="2965777" y="4056641"/>
+            <a:ext cx="2915511" cy="462026"/>
+          </a:xfrm>
+          <a:prstGeom prst="rect">
+            <a:avLst/>
+          </a:prstGeom>
+        </p:spPr>
+        <p:style>
+          <a:lnRef idx="2">
+            <a:schemeClr val="accent1">
+              <a:shade val="15000"/>
+            </a:schemeClr>
+          </a:lnRef>
+          <a:fillRef idx="1">
+            <a:schemeClr val="accent1"/>
+          </a:fillRef>
+          <a:effectRef idx="0">
+            <a:schemeClr val="accent1"/>
+          </a:effectRef>
+          <a:fontRef idx="minor">
+            <a:schemeClr val="lt1"/>
+          </a:fontRef>
+        </p:style>
+        <p:txBody>
+          <a:bodyPr rtlCol="0" anchor="ctr"/>
+          <a:lstStyle/>
+          <a:p>
+            <a:pPr algn="ctr"/>
+            <a:endParaRPr lang="en-US"/>
+          </a:p>
+        </p:txBody>
+      </p:sp>
+      <p:sp>
+        <p:nvSpPr>
+          <p:cNvPr id="22" name="TextBox 21">
+            <a:extLst>
+              <a:ext uri="{FF2B5EF4-FFF2-40B4-BE49-F238E27FC236}">
+                <a16:creationId xmlns:a16="http://schemas.microsoft.com/office/drawing/2014/main" id="{FB9B3AB8-AE7C-9838-847D-380ED5F80CE5}"/>
+              </a:ext>
+            </a:extLst>
+          </p:cNvPr>
+          <p:cNvSpPr txBox="1"/>
+          <p:nvPr/>
+        </p:nvSpPr>
+        <p:spPr>
+          <a:xfrm>
+            <a:off x="2985093" y="4147883"/>
+            <a:ext cx="2979024" cy="294311"/>
+          </a:xfrm>
+          <a:prstGeom prst="rect">
+            <a:avLst/>
+          </a:prstGeom>
+          <a:noFill/>
+        </p:spPr>
+        <p:txBody>
+          <a:bodyPr wrap="square" rtlCol="0">
+            <a:spAutoFit/>
+          </a:bodyPr>
+          <a:lstStyle/>
+          <a:p>
+            <a:pPr>
+              <a:lnSpc>
+                <a:spcPts val="1425"/>
+              </a:lnSpc>
+            </a:pPr>
+            <a:r>
+              <a:rPr lang="en-US" sz="2000" b="0" dirty="0">
+                <a:solidFill>
+                  <a:srgbClr val="9CDCFE"/>
+                </a:solidFill>
+                <a:effectLst/>
+                <a:latin typeface="Consolas" panose="020B0609020204030204" pitchFamily="49" charset="0"/>
+              </a:rPr>
+              <a:t>current_number</a:t>
+            </a:r>
+            <a:r>
+              <a:rPr lang="en-US" sz="2000" b="0" dirty="0">
+                <a:solidFill>
+                  <a:srgbClr val="CCCCCC"/>
+                </a:solidFill>
+                <a:effectLst/>
+                <a:latin typeface="Consolas" panose="020B0609020204030204" pitchFamily="49" charset="0"/>
+              </a:rPr>
+              <a:t> +</a:t>
+            </a:r>
+            <a:r>
+              <a:rPr lang="en-US" sz="2000" b="0" dirty="0">
+                <a:solidFill>
+                  <a:srgbClr val="D4D4D4"/>
+                </a:solidFill>
+                <a:effectLst/>
+                <a:latin typeface="Consolas" panose="020B0609020204030204" pitchFamily="49" charset="0"/>
+              </a:rPr>
+              <a:t>=</a:t>
+            </a:r>
+            <a:r>
+              <a:rPr lang="en-US" sz="2000" b="0" dirty="0">
+                <a:solidFill>
+                  <a:srgbClr val="CCCCCC"/>
+                </a:solidFill>
+                <a:effectLst/>
+                <a:latin typeface="Consolas" panose="020B0609020204030204" pitchFamily="49" charset="0"/>
+              </a:rPr>
+              <a:t> </a:t>
+            </a:r>
+            <a:r>
+              <a:rPr lang="en-US" sz="2000" b="0" dirty="0">
+                <a:solidFill>
+                  <a:srgbClr val="B5CEA8"/>
+                </a:solidFill>
+                <a:effectLst/>
+                <a:latin typeface="Consolas" panose="020B0609020204030204" pitchFamily="49" charset="0"/>
+              </a:rPr>
+              <a:t>1</a:t>
+            </a:r>
+            <a:endParaRPr lang="en-US" sz="2000" dirty="0"/>
+          </a:p>
+        </p:txBody>
+      </p:sp>
+      <p:cxnSp>
+        <p:nvCxnSpPr>
+          <p:cNvPr id="24" name="Connector: Elbow 23">
+            <a:extLst>
+              <a:ext uri="{FF2B5EF4-FFF2-40B4-BE49-F238E27FC236}">
+                <a16:creationId xmlns:a16="http://schemas.microsoft.com/office/drawing/2014/main" id="{68C900F2-3AE1-97B3-5FEB-C79DA566B053}"/>
+              </a:ext>
+            </a:extLst>
+          </p:cNvPr>
+          <p:cNvCxnSpPr>
+            <a:stCxn id="19" idx="2"/>
+            <a:endCxn id="2" idx="2"/>
+          </p:cNvCxnSpPr>
+          <p:nvPr/>
+        </p:nvCxnSpPr>
+        <p:spPr>
+          <a:xfrm rot="5400000" flipH="1">
+            <a:off x="2371802" y="2466936"/>
+            <a:ext cx="1934520" cy="2168943"/>
+          </a:xfrm>
+          <a:prstGeom prst="bentConnector3">
+            <a:avLst>
+              <a:gd name="adj1" fmla="val -20745"/>
+            </a:avLst>
+          </a:prstGeom>
+          <a:ln w="28575">
+            <a:solidFill>
+              <a:schemeClr val="tx1"/>
+            </a:solidFill>
+            <a:tailEnd type="triangle"/>
+          </a:ln>
+        </p:spPr>
+        <p:style>
+          <a:lnRef idx="1">
+            <a:schemeClr val="accent1"/>
+          </a:lnRef>
+          <a:fillRef idx="0">
+            <a:schemeClr val="accent1"/>
+          </a:fillRef>
+          <a:effectRef idx="0">
+            <a:schemeClr val="accent1"/>
+          </a:effectRef>
+          <a:fontRef idx="minor">
+            <a:schemeClr val="tx1"/>
+          </a:fontRef>
+        </p:style>
+      </p:cxnSp>
+    </p:spTree>
+    <p:extLst>
+      <p:ext uri="{BB962C8B-B14F-4D97-AF65-F5344CB8AC3E}">
+        <p14:creationId xmlns:p14="http://schemas.microsoft.com/office/powerpoint/2010/main" val="1410238398"/>
+      </p:ext>
+    </p:extLst>
+  </p:cSld>
+  <p:clrMapOvr>
+    <a:masterClrMapping/>
+  </p:clrMapOvr>
+</p:sld>
+</file>
+
+<file path=ppt/slides/slide18.xml><?xml version="1.0" encoding="utf-8"?>
+<p:sld xmlns:a="http://schemas.openxmlformats.org/drawingml/2006/main" xmlns:r="http://schemas.openxmlformats.org/officeDocument/2006/relationships" xmlns:p="http://schemas.openxmlformats.org/presentationml/2006/main">
+  <p:cSld>
+    <p:spTree>
+      <p:nvGrpSpPr>
+        <p:cNvPr id="1" name="">
+          <a:extLst>
+            <a:ext uri="{FF2B5EF4-FFF2-40B4-BE49-F238E27FC236}">
+              <a16:creationId xmlns:a16="http://schemas.microsoft.com/office/drawing/2014/main" id="{69059B7C-C41F-0A1A-0611-482265873329}"/>
+            </a:ext>
+          </a:extLst>
+        </p:cNvPr>
+        <p:cNvGrpSpPr/>
+        <p:nvPr/>
+      </p:nvGrpSpPr>
+      <p:grpSpPr>
+        <a:xfrm>
+          <a:off x="0" y="0"/>
+          <a:ext cx="0" cy="0"/>
+          <a:chOff x="0" y="0"/>
+          <a:chExt cx="0" cy="0"/>
+        </a:xfrm>
+      </p:grpSpPr>
+      <p:sp>
+        <p:nvSpPr>
+          <p:cNvPr id="34" name="Rectangle 33">
+            <a:extLst>
+              <a:ext uri="{FF2B5EF4-FFF2-40B4-BE49-F238E27FC236}">
+                <a16:creationId xmlns:a16="http://schemas.microsoft.com/office/drawing/2014/main" id="{357847BF-946D-9DAB-589E-BFA4F883176A}"/>
+              </a:ext>
+            </a:extLst>
+          </p:cNvPr>
+          <p:cNvSpPr/>
+          <p:nvPr/>
+        </p:nvSpPr>
+        <p:spPr>
+          <a:xfrm>
+            <a:off x="2935467" y="2844800"/>
+            <a:ext cx="7427733" cy="418431"/>
+          </a:xfrm>
+          <a:prstGeom prst="rect">
+            <a:avLst/>
+          </a:prstGeom>
+          <a:solidFill>
+            <a:schemeClr val="tx2">
+              <a:lumMod val="50000"/>
+            </a:schemeClr>
+          </a:solidFill>
+          <a:ln>
+            <a:solidFill>
+              <a:srgbClr val="FF0000"/>
+            </a:solidFill>
+            <a:prstDash val="dash"/>
+          </a:ln>
+        </p:spPr>
+        <p:style>
+          <a:lnRef idx="2">
+            <a:schemeClr val="accent1">
+              <a:shade val="15000"/>
+            </a:schemeClr>
+          </a:lnRef>
+          <a:fillRef idx="1">
+            <a:schemeClr val="accent1"/>
+          </a:fillRef>
+          <a:effectRef idx="0">
+            <a:schemeClr val="accent1"/>
+          </a:effectRef>
+          <a:fontRef idx="minor">
+            <a:schemeClr val="lt1"/>
+          </a:fontRef>
+        </p:style>
+        <p:txBody>
+          <a:bodyPr rtlCol="0" anchor="ctr"/>
+          <a:lstStyle/>
+          <a:p>
+            <a:pPr algn="ctr"/>
+            <a:endParaRPr lang="en-US"/>
+          </a:p>
+        </p:txBody>
+      </p:sp>
+      <p:sp>
+        <p:nvSpPr>
+          <p:cNvPr id="58" name="TextBox 57">
+            <a:extLst>
+              <a:ext uri="{FF2B5EF4-FFF2-40B4-BE49-F238E27FC236}">
+                <a16:creationId xmlns:a16="http://schemas.microsoft.com/office/drawing/2014/main" id="{3000F0D5-DCA5-42C9-FBF4-C482FBD572D9}"/>
+              </a:ext>
+            </a:extLst>
+          </p:cNvPr>
+          <p:cNvSpPr txBox="1"/>
+          <p:nvPr/>
+        </p:nvSpPr>
+        <p:spPr>
+          <a:xfrm>
+            <a:off x="1341428" y="4632674"/>
+            <a:ext cx="9781079" cy="461665"/>
+          </a:xfrm>
+          <a:prstGeom prst="rect">
+            <a:avLst/>
+          </a:prstGeom>
+          <a:noFill/>
+        </p:spPr>
+        <p:txBody>
+          <a:bodyPr wrap="square" rtlCol="0">
+            <a:spAutoFit/>
+          </a:bodyPr>
+          <a:lstStyle/>
+          <a:p>
+            <a:r>
+              <a:rPr lang="en-US" sz="2400" b="1" dirty="0"/>
+              <a:t>Fig.</a:t>
+            </a:r>
+            <a:r>
+              <a:rPr lang="en-US" sz="2400" dirty="0"/>
+              <a:t> 7.3 shows the use of break to exit loop</a:t>
+            </a:r>
+          </a:p>
+        </p:txBody>
+      </p:sp>
+      <p:sp>
+        <p:nvSpPr>
+          <p:cNvPr id="32" name="Rectangle 31">
+            <a:extLst>
+              <a:ext uri="{FF2B5EF4-FFF2-40B4-BE49-F238E27FC236}">
+                <a16:creationId xmlns:a16="http://schemas.microsoft.com/office/drawing/2014/main" id="{D38509DF-0AFB-3BFB-8ABD-BF4341C8AD86}"/>
+              </a:ext>
+            </a:extLst>
+          </p:cNvPr>
+          <p:cNvSpPr/>
+          <p:nvPr/>
+        </p:nvSpPr>
+        <p:spPr>
+          <a:xfrm>
+            <a:off x="1463040" y="353293"/>
+            <a:ext cx="9936480" cy="4137428"/>
+          </a:xfrm>
+          <a:prstGeom prst="rect">
+            <a:avLst/>
+          </a:prstGeom>
+          <a:noFill/>
+          <a:ln>
+            <a:prstDash val="dash"/>
+          </a:ln>
+        </p:spPr>
+        <p:style>
+          <a:lnRef idx="2">
+            <a:schemeClr val="accent1">
+              <a:shade val="15000"/>
+            </a:schemeClr>
+          </a:lnRef>
+          <a:fillRef idx="1">
+            <a:schemeClr val="accent1"/>
+          </a:fillRef>
+          <a:effectRef idx="0">
+            <a:schemeClr val="accent1"/>
+          </a:effectRef>
+          <a:fontRef idx="minor">
+            <a:schemeClr val="lt1"/>
+          </a:fontRef>
+        </p:style>
+        <p:txBody>
+          <a:bodyPr rtlCol="0" anchor="ctr"/>
+          <a:lstStyle/>
+          <a:p>
+            <a:pPr algn="ctr"/>
+            <a:endParaRPr lang="en-US"/>
+          </a:p>
+        </p:txBody>
+      </p:sp>
+      <p:sp>
+        <p:nvSpPr>
+          <p:cNvPr id="36" name="TextBox 35">
+            <a:extLst>
+              <a:ext uri="{FF2B5EF4-FFF2-40B4-BE49-F238E27FC236}">
+                <a16:creationId xmlns:a16="http://schemas.microsoft.com/office/drawing/2014/main" id="{EA600AE6-7E51-31EB-AE85-39F6B6D03216}"/>
+              </a:ext>
+            </a:extLst>
+          </p:cNvPr>
+          <p:cNvSpPr txBox="1"/>
+          <p:nvPr/>
+        </p:nvSpPr>
+        <p:spPr>
+          <a:xfrm>
+            <a:off x="1638144" y="249739"/>
+            <a:ext cx="9761376" cy="3046988"/>
+          </a:xfrm>
+          <a:prstGeom prst="rect">
+            <a:avLst/>
+          </a:prstGeom>
+          <a:noFill/>
+        </p:spPr>
+        <p:txBody>
+          <a:bodyPr wrap="square">
+            <a:spAutoFit/>
+          </a:bodyPr>
+          <a:lstStyle/>
+          <a:p>
+            <a:br>
+              <a:rPr lang="en-US" sz="2400" b="0" dirty="0">
+                <a:solidFill>
+                  <a:srgbClr val="CCCCCC"/>
+                </a:solidFill>
+                <a:effectLst/>
+                <a:latin typeface="Consolas" panose="020B0609020204030204" pitchFamily="49" charset="0"/>
+              </a:rPr>
+            </a:br>
+            <a:r>
+              <a:rPr lang="en-US" sz="2400" b="0" dirty="0">
+                <a:solidFill>
+                  <a:srgbClr val="9CDCFE"/>
+                </a:solidFill>
+                <a:effectLst/>
+                <a:latin typeface="Consolas" panose="020B0609020204030204" pitchFamily="49" charset="0"/>
+              </a:rPr>
+              <a:t>active</a:t>
+            </a:r>
+            <a:r>
+              <a:rPr lang="en-US" sz="2400" b="0" dirty="0">
+                <a:solidFill>
+                  <a:srgbClr val="CCCCCC"/>
+                </a:solidFill>
+                <a:effectLst/>
+                <a:latin typeface="Consolas" panose="020B0609020204030204" pitchFamily="49" charset="0"/>
+              </a:rPr>
+              <a:t> </a:t>
+            </a:r>
+            <a:r>
+              <a:rPr lang="en-US" sz="2400" b="0" dirty="0">
+                <a:solidFill>
+                  <a:srgbClr val="D4D4D4"/>
+                </a:solidFill>
+                <a:effectLst/>
+                <a:latin typeface="Consolas" panose="020B0609020204030204" pitchFamily="49" charset="0"/>
+              </a:rPr>
+              <a:t>=</a:t>
+            </a:r>
+            <a:r>
+              <a:rPr lang="en-US" sz="2400" b="0" dirty="0">
+                <a:solidFill>
+                  <a:srgbClr val="CCCCCC"/>
+                </a:solidFill>
+                <a:effectLst/>
+                <a:latin typeface="Consolas" panose="020B0609020204030204" pitchFamily="49" charset="0"/>
+              </a:rPr>
+              <a:t> </a:t>
+            </a:r>
+            <a:r>
+              <a:rPr lang="en-US" sz="2400" b="0" dirty="0">
+                <a:solidFill>
+                  <a:srgbClr val="569CD6"/>
+                </a:solidFill>
+                <a:effectLst/>
+                <a:latin typeface="Consolas" panose="020B0609020204030204" pitchFamily="49" charset="0"/>
+              </a:rPr>
+              <a:t>True</a:t>
+            </a:r>
+            <a:endParaRPr lang="en-US" sz="2400" b="0" dirty="0">
+              <a:solidFill>
+                <a:srgbClr val="CCCCCC"/>
+              </a:solidFill>
+              <a:effectLst/>
+              <a:latin typeface="Consolas" panose="020B0609020204030204" pitchFamily="49" charset="0"/>
+            </a:endParaRPr>
+          </a:p>
+          <a:p>
+            <a:r>
+              <a:rPr lang="en-US" sz="2400" b="0" dirty="0">
+                <a:solidFill>
+                  <a:srgbClr val="C586C0"/>
+                </a:solidFill>
+                <a:effectLst/>
+                <a:latin typeface="Consolas" panose="020B0609020204030204" pitchFamily="49" charset="0"/>
+              </a:rPr>
+              <a:t>while</a:t>
+            </a:r>
+            <a:r>
+              <a:rPr lang="en-US" sz="2400" b="0" dirty="0">
+                <a:solidFill>
+                  <a:srgbClr val="CCCCCC"/>
+                </a:solidFill>
+                <a:effectLst/>
+                <a:latin typeface="Consolas" panose="020B0609020204030204" pitchFamily="49" charset="0"/>
+              </a:rPr>
+              <a:t> </a:t>
+            </a:r>
+            <a:r>
+              <a:rPr lang="en-US" sz="2400" b="0" dirty="0">
+                <a:solidFill>
+                  <a:srgbClr val="569CD6"/>
+                </a:solidFill>
+                <a:effectLst/>
+                <a:latin typeface="Consolas" panose="020B0609020204030204" pitchFamily="49" charset="0"/>
+              </a:rPr>
+              <a:t>True</a:t>
+            </a:r>
+            <a:r>
+              <a:rPr lang="en-US" sz="2400" b="0" dirty="0">
+                <a:solidFill>
+                  <a:srgbClr val="CCCCCC"/>
+                </a:solidFill>
+                <a:effectLst/>
+                <a:latin typeface="Consolas" panose="020B0609020204030204" pitchFamily="49" charset="0"/>
+              </a:rPr>
+              <a:t>:</a:t>
+            </a:r>
+          </a:p>
+          <a:p>
+            <a:r>
+              <a:rPr lang="en-US" sz="2400" b="0" dirty="0">
+                <a:solidFill>
+                  <a:srgbClr val="CCCCCC"/>
+                </a:solidFill>
+                <a:effectLst/>
+                <a:latin typeface="Consolas" panose="020B0609020204030204" pitchFamily="49" charset="0"/>
+              </a:rPr>
+              <a:t>    </a:t>
+            </a:r>
+            <a:r>
+              <a:rPr lang="en-US" sz="2400" b="0" dirty="0">
+                <a:solidFill>
+                  <a:srgbClr val="9CDCFE"/>
+                </a:solidFill>
+                <a:effectLst/>
+                <a:latin typeface="Consolas" panose="020B0609020204030204" pitchFamily="49" charset="0"/>
+              </a:rPr>
+              <a:t>city</a:t>
+            </a:r>
+            <a:r>
+              <a:rPr lang="en-US" sz="2400" b="0" dirty="0">
+                <a:solidFill>
+                  <a:srgbClr val="CCCCCC"/>
+                </a:solidFill>
+                <a:effectLst/>
+                <a:latin typeface="Consolas" panose="020B0609020204030204" pitchFamily="49" charset="0"/>
+              </a:rPr>
+              <a:t> </a:t>
+            </a:r>
+            <a:r>
+              <a:rPr lang="en-US" sz="2400" b="0" dirty="0">
+                <a:solidFill>
+                  <a:srgbClr val="D4D4D4"/>
+                </a:solidFill>
+                <a:effectLst/>
+                <a:latin typeface="Consolas" panose="020B0609020204030204" pitchFamily="49" charset="0"/>
+              </a:rPr>
+              <a:t>=</a:t>
+            </a:r>
+            <a:r>
+              <a:rPr lang="en-US" sz="2400" b="0" dirty="0">
+                <a:solidFill>
+                  <a:srgbClr val="CCCCCC"/>
+                </a:solidFill>
+                <a:effectLst/>
+                <a:latin typeface="Consolas" panose="020B0609020204030204" pitchFamily="49" charset="0"/>
+              </a:rPr>
+              <a:t> </a:t>
+            </a:r>
+            <a:r>
+              <a:rPr lang="en-US" sz="2400" b="0" dirty="0">
+                <a:solidFill>
+                  <a:srgbClr val="DCDCAA"/>
+                </a:solidFill>
+                <a:effectLst/>
+                <a:latin typeface="Consolas" panose="020B0609020204030204" pitchFamily="49" charset="0"/>
+              </a:rPr>
+              <a:t>input</a:t>
+            </a:r>
+            <a:r>
+              <a:rPr lang="en-US" sz="2400" b="0" dirty="0">
+                <a:solidFill>
+                  <a:srgbClr val="CCCCCC"/>
+                </a:solidFill>
+                <a:effectLst/>
+                <a:latin typeface="Consolas" panose="020B0609020204030204" pitchFamily="49" charset="0"/>
+              </a:rPr>
+              <a:t>(</a:t>
+            </a:r>
+            <a:r>
+              <a:rPr lang="en-US" sz="2400" b="0" dirty="0">
+                <a:solidFill>
+                  <a:srgbClr val="9CDCFE"/>
+                </a:solidFill>
+                <a:effectLst/>
+                <a:latin typeface="Consolas" panose="020B0609020204030204" pitchFamily="49" charset="0"/>
+              </a:rPr>
+              <a:t>prompt</a:t>
+            </a:r>
+            <a:r>
+              <a:rPr lang="en-US" sz="2400" b="0" dirty="0">
+                <a:solidFill>
+                  <a:srgbClr val="CCCCCC"/>
+                </a:solidFill>
+                <a:effectLst/>
+                <a:latin typeface="Consolas" panose="020B0609020204030204" pitchFamily="49" charset="0"/>
+              </a:rPr>
+              <a:t>)</a:t>
+            </a:r>
+          </a:p>
+          <a:p>
+            <a:r>
+              <a:rPr lang="en-US" sz="2400" b="0" dirty="0">
+                <a:solidFill>
+                  <a:srgbClr val="CCCCCC"/>
+                </a:solidFill>
+                <a:effectLst/>
+                <a:latin typeface="Consolas" panose="020B0609020204030204" pitchFamily="49" charset="0"/>
+              </a:rPr>
+              <a:t>    </a:t>
+            </a:r>
+            <a:r>
+              <a:rPr lang="en-US" sz="2400" b="0" dirty="0">
+                <a:solidFill>
+                  <a:srgbClr val="C586C0"/>
+                </a:solidFill>
+                <a:effectLst/>
+                <a:latin typeface="Consolas" panose="020B0609020204030204" pitchFamily="49" charset="0"/>
+              </a:rPr>
+              <a:t>if</a:t>
+            </a:r>
+            <a:r>
+              <a:rPr lang="en-US" sz="2400" b="0" dirty="0">
+                <a:solidFill>
+                  <a:srgbClr val="CCCCCC"/>
+                </a:solidFill>
+                <a:effectLst/>
+                <a:latin typeface="Consolas" panose="020B0609020204030204" pitchFamily="49" charset="0"/>
+              </a:rPr>
+              <a:t> </a:t>
+            </a:r>
+            <a:r>
+              <a:rPr lang="en-US" sz="2400" b="0" dirty="0">
+                <a:solidFill>
+                  <a:srgbClr val="9CDCFE"/>
+                </a:solidFill>
+                <a:effectLst/>
+                <a:latin typeface="Consolas" panose="020B0609020204030204" pitchFamily="49" charset="0"/>
+              </a:rPr>
+              <a:t>city</a:t>
+            </a:r>
+            <a:r>
+              <a:rPr lang="en-US" sz="2400" b="0" dirty="0">
+                <a:solidFill>
+                  <a:srgbClr val="CCCCCC"/>
+                </a:solidFill>
+                <a:effectLst/>
+                <a:latin typeface="Consolas" panose="020B0609020204030204" pitchFamily="49" charset="0"/>
+              </a:rPr>
+              <a:t> </a:t>
+            </a:r>
+            <a:r>
+              <a:rPr lang="en-US" sz="2400" b="0" dirty="0">
+                <a:solidFill>
+                  <a:srgbClr val="D4D4D4"/>
+                </a:solidFill>
+                <a:effectLst/>
+                <a:latin typeface="Consolas" panose="020B0609020204030204" pitchFamily="49" charset="0"/>
+              </a:rPr>
+              <a:t>==</a:t>
+            </a:r>
+            <a:r>
+              <a:rPr lang="en-US" sz="2400" b="0" dirty="0">
+                <a:solidFill>
+                  <a:srgbClr val="CCCCCC"/>
+                </a:solidFill>
+                <a:effectLst/>
+                <a:latin typeface="Consolas" panose="020B0609020204030204" pitchFamily="49" charset="0"/>
+              </a:rPr>
+              <a:t> </a:t>
+            </a:r>
+            <a:r>
+              <a:rPr lang="en-US" sz="2400" b="0" dirty="0">
+                <a:solidFill>
+                  <a:srgbClr val="CE9178"/>
+                </a:solidFill>
+                <a:effectLst/>
+                <a:latin typeface="Consolas" panose="020B0609020204030204" pitchFamily="49" charset="0"/>
+              </a:rPr>
+              <a:t>'quit'</a:t>
+            </a:r>
+            <a:r>
+              <a:rPr lang="en-US" sz="2400" b="0" dirty="0">
+                <a:solidFill>
+                  <a:srgbClr val="CCCCCC"/>
+                </a:solidFill>
+                <a:effectLst/>
+                <a:latin typeface="Consolas" panose="020B0609020204030204" pitchFamily="49" charset="0"/>
+              </a:rPr>
+              <a:t>:</a:t>
+            </a:r>
+          </a:p>
+          <a:p>
+            <a:r>
+              <a:rPr lang="en-US" sz="2400" b="0" dirty="0">
+                <a:solidFill>
+                  <a:srgbClr val="CCCCCC"/>
+                </a:solidFill>
+                <a:effectLst/>
+                <a:latin typeface="Consolas" panose="020B0609020204030204" pitchFamily="49" charset="0"/>
+              </a:rPr>
+              <a:t>        </a:t>
+            </a:r>
+            <a:r>
+              <a:rPr lang="en-US" sz="2400" b="0" dirty="0">
+                <a:solidFill>
+                  <a:srgbClr val="C586C0"/>
+                </a:solidFill>
+                <a:effectLst/>
+                <a:latin typeface="Consolas" panose="020B0609020204030204" pitchFamily="49" charset="0"/>
+              </a:rPr>
+              <a:t>break</a:t>
+            </a:r>
+            <a:endParaRPr lang="en-US" sz="2400" b="0" dirty="0">
+              <a:solidFill>
+                <a:srgbClr val="CCCCCC"/>
+              </a:solidFill>
+              <a:effectLst/>
+              <a:latin typeface="Consolas" panose="020B0609020204030204" pitchFamily="49" charset="0"/>
+            </a:endParaRPr>
+          </a:p>
+          <a:p>
+            <a:r>
+              <a:rPr lang="en-US" sz="2400" b="0" dirty="0">
+                <a:solidFill>
+                  <a:srgbClr val="CCCCCC"/>
+                </a:solidFill>
+                <a:effectLst/>
+                <a:latin typeface="Consolas" panose="020B0609020204030204" pitchFamily="49" charset="0"/>
+              </a:rPr>
+              <a:t>    </a:t>
+            </a:r>
+            <a:r>
+              <a:rPr lang="en-US" sz="2400" b="0" dirty="0">
+                <a:solidFill>
+                  <a:srgbClr val="C586C0"/>
+                </a:solidFill>
+                <a:effectLst/>
+                <a:latin typeface="Consolas" panose="020B0609020204030204" pitchFamily="49" charset="0"/>
+              </a:rPr>
+              <a:t>else</a:t>
+            </a:r>
+            <a:r>
+              <a:rPr lang="en-US" sz="2400" b="0" dirty="0">
+                <a:solidFill>
+                  <a:srgbClr val="CCCCCC"/>
+                </a:solidFill>
+                <a:effectLst/>
+                <a:latin typeface="Consolas" panose="020B0609020204030204" pitchFamily="49" charset="0"/>
+              </a:rPr>
+              <a:t>:</a:t>
+            </a:r>
+          </a:p>
+          <a:p>
+            <a:r>
+              <a:rPr lang="en-US" sz="2400" b="0" dirty="0">
+                <a:solidFill>
+                  <a:srgbClr val="CCCCCC"/>
+                </a:solidFill>
+                <a:effectLst/>
+                <a:latin typeface="Consolas" panose="020B0609020204030204" pitchFamily="49" charset="0"/>
+              </a:rPr>
+              <a:t>        </a:t>
+            </a:r>
+            <a:r>
+              <a:rPr lang="en-US" sz="2400" b="0" dirty="0">
+                <a:solidFill>
+                  <a:srgbClr val="DCDCAA"/>
+                </a:solidFill>
+                <a:effectLst/>
+                <a:latin typeface="Consolas" panose="020B0609020204030204" pitchFamily="49" charset="0"/>
+              </a:rPr>
+              <a:t>print</a:t>
+            </a:r>
+            <a:r>
+              <a:rPr lang="en-US" sz="2400" b="0" dirty="0">
+                <a:solidFill>
+                  <a:srgbClr val="CCCCCC"/>
+                </a:solidFill>
+                <a:effectLst/>
+                <a:latin typeface="Consolas" panose="020B0609020204030204" pitchFamily="49" charset="0"/>
+              </a:rPr>
+              <a:t>(</a:t>
+            </a:r>
+            <a:r>
+              <a:rPr lang="en-US" sz="2400" b="0" dirty="0">
+                <a:solidFill>
+                  <a:srgbClr val="569CD6"/>
+                </a:solidFill>
+                <a:effectLst/>
+                <a:latin typeface="Consolas" panose="020B0609020204030204" pitchFamily="49" charset="0"/>
+              </a:rPr>
+              <a:t>f</a:t>
+            </a:r>
+            <a:r>
+              <a:rPr lang="en-US" sz="2400" b="0" dirty="0">
+                <a:solidFill>
+                  <a:srgbClr val="CE9178"/>
+                </a:solidFill>
+                <a:effectLst/>
+                <a:latin typeface="Consolas" panose="020B0609020204030204" pitchFamily="49" charset="0"/>
+              </a:rPr>
+              <a:t>"I'd love to go to </a:t>
+            </a:r>
+            <a:r>
+              <a:rPr lang="en-US" sz="2400" b="0" dirty="0">
+                <a:solidFill>
+                  <a:srgbClr val="569CD6"/>
+                </a:solidFill>
+                <a:effectLst/>
+                <a:latin typeface="Consolas" panose="020B0609020204030204" pitchFamily="49" charset="0"/>
+              </a:rPr>
+              <a:t>{</a:t>
+            </a:r>
+            <a:r>
+              <a:rPr lang="en-US" sz="2400" b="0" dirty="0" err="1">
+                <a:solidFill>
+                  <a:srgbClr val="9CDCFE"/>
+                </a:solidFill>
+                <a:effectLst/>
+                <a:latin typeface="Consolas" panose="020B0609020204030204" pitchFamily="49" charset="0"/>
+              </a:rPr>
+              <a:t>city</a:t>
+            </a:r>
+            <a:r>
+              <a:rPr lang="en-US" sz="2400" b="0" dirty="0" err="1">
+                <a:solidFill>
+                  <a:srgbClr val="CCCCCC"/>
+                </a:solidFill>
+                <a:effectLst/>
+                <a:latin typeface="Consolas" panose="020B0609020204030204" pitchFamily="49" charset="0"/>
+              </a:rPr>
+              <a:t>.</a:t>
+            </a:r>
+            <a:r>
+              <a:rPr lang="en-US" sz="2400" b="0" dirty="0" err="1">
+                <a:solidFill>
+                  <a:srgbClr val="DCDCAA"/>
+                </a:solidFill>
+                <a:effectLst/>
+                <a:latin typeface="Consolas" panose="020B0609020204030204" pitchFamily="49" charset="0"/>
+              </a:rPr>
+              <a:t>title</a:t>
+            </a:r>
+            <a:r>
+              <a:rPr lang="en-US" sz="2400" b="0" dirty="0">
+                <a:solidFill>
+                  <a:srgbClr val="CCCCCC"/>
+                </a:solidFill>
+                <a:effectLst/>
+                <a:latin typeface="Consolas" panose="020B0609020204030204" pitchFamily="49" charset="0"/>
+              </a:rPr>
+              <a:t>()</a:t>
+            </a:r>
+            <a:r>
+              <a:rPr lang="en-US" sz="2400" b="0" dirty="0">
+                <a:solidFill>
+                  <a:srgbClr val="569CD6"/>
+                </a:solidFill>
+                <a:effectLst/>
+                <a:latin typeface="Consolas" panose="020B0609020204030204" pitchFamily="49" charset="0"/>
+              </a:rPr>
+              <a:t>}</a:t>
+            </a:r>
+            <a:r>
+              <a:rPr lang="en-US" sz="2400" b="0" dirty="0">
+                <a:solidFill>
+                  <a:srgbClr val="CE9178"/>
+                </a:solidFill>
+                <a:effectLst/>
+                <a:latin typeface="Consolas" panose="020B0609020204030204" pitchFamily="49" charset="0"/>
+              </a:rPr>
+              <a:t>!"</a:t>
+            </a:r>
+            <a:r>
+              <a:rPr lang="en-US" sz="2400" b="0" dirty="0">
+                <a:solidFill>
+                  <a:srgbClr val="CCCCCC"/>
+                </a:solidFill>
+                <a:effectLst/>
+                <a:latin typeface="Consolas" panose="020B0609020204030204" pitchFamily="49" charset="0"/>
+              </a:rPr>
+              <a:t>)</a:t>
+            </a:r>
+          </a:p>
+        </p:txBody>
+      </p:sp>
+      <p:cxnSp>
+        <p:nvCxnSpPr>
+          <p:cNvPr id="37" name="Straight Connector 36">
+            <a:extLst>
+              <a:ext uri="{FF2B5EF4-FFF2-40B4-BE49-F238E27FC236}">
+                <a16:creationId xmlns:a16="http://schemas.microsoft.com/office/drawing/2014/main" id="{BBE154AE-C512-F051-6D3E-5439EA075C12}"/>
+              </a:ext>
+            </a:extLst>
+          </p:cNvPr>
+          <p:cNvCxnSpPr>
+            <a:cxnSpLocks/>
+          </p:cNvCxnSpPr>
+          <p:nvPr/>
+        </p:nvCxnSpPr>
+        <p:spPr>
+          <a:xfrm>
+            <a:off x="2331333" y="1464911"/>
+            <a:ext cx="0" cy="1828800"/>
+          </a:xfrm>
+          <a:prstGeom prst="line">
+            <a:avLst/>
+          </a:prstGeom>
+          <a:ln w="28575">
+            <a:prstDash val="dash"/>
+          </a:ln>
+        </p:spPr>
+        <p:style>
+          <a:lnRef idx="1">
+            <a:schemeClr val="accent1"/>
+          </a:lnRef>
+          <a:fillRef idx="0">
+            <a:schemeClr val="accent1"/>
+          </a:fillRef>
+          <a:effectRef idx="0">
+            <a:schemeClr val="accent1"/>
+          </a:effectRef>
+          <a:fontRef idx="minor">
+            <a:schemeClr val="tx1"/>
+          </a:fontRef>
+        </p:style>
+      </p:cxnSp>
+      <p:cxnSp>
+        <p:nvCxnSpPr>
+          <p:cNvPr id="17" name="Connector: Elbow 16">
+            <a:extLst>
+              <a:ext uri="{FF2B5EF4-FFF2-40B4-BE49-F238E27FC236}">
+                <a16:creationId xmlns:a16="http://schemas.microsoft.com/office/drawing/2014/main" id="{F1A6A7AB-1B19-36A4-698B-EA4AE03E287E}"/>
+              </a:ext>
+            </a:extLst>
+          </p:cNvPr>
+          <p:cNvCxnSpPr>
+            <a:cxnSpLocks/>
+          </p:cNvCxnSpPr>
+          <p:nvPr/>
+        </p:nvCxnSpPr>
+        <p:spPr>
+          <a:xfrm flipH="1">
+            <a:off x="1727200" y="2311400"/>
+            <a:ext cx="2235197" cy="1320800"/>
+          </a:xfrm>
+          <a:prstGeom prst="bentConnector3">
+            <a:avLst>
+              <a:gd name="adj1" fmla="val -290227"/>
+            </a:avLst>
+          </a:prstGeom>
+          <a:ln w="28575">
+            <a:solidFill>
+              <a:srgbClr val="FF0000"/>
+            </a:solidFill>
+            <a:tailEnd type="triangle"/>
+          </a:ln>
+        </p:spPr>
+        <p:style>
+          <a:lnRef idx="1">
+            <a:schemeClr val="accent1"/>
+          </a:lnRef>
+          <a:fillRef idx="0">
+            <a:schemeClr val="accent1"/>
+          </a:fillRef>
+          <a:effectRef idx="0">
+            <a:schemeClr val="accent1"/>
+          </a:effectRef>
+          <a:fontRef idx="minor">
+            <a:schemeClr val="tx1"/>
+          </a:fontRef>
+        </p:style>
+      </p:cxnSp>
+      <p:sp>
+        <p:nvSpPr>
+          <p:cNvPr id="39" name="Plus Sign 38">
+            <a:extLst>
+              <a:ext uri="{FF2B5EF4-FFF2-40B4-BE49-F238E27FC236}">
+                <a16:creationId xmlns:a16="http://schemas.microsoft.com/office/drawing/2014/main" id="{4E1FC491-A6CF-29BC-C0E4-5D85497612AF}"/>
+              </a:ext>
+            </a:extLst>
+          </p:cNvPr>
+          <p:cNvSpPr/>
+          <p:nvPr/>
+        </p:nvSpPr>
+        <p:spPr>
+          <a:xfrm rot="2669367">
+            <a:off x="5871788" y="2607365"/>
+            <a:ext cx="914400" cy="914400"/>
+          </a:xfrm>
+          <a:prstGeom prst="mathPlus">
+            <a:avLst>
+              <a:gd name="adj1" fmla="val 0"/>
+            </a:avLst>
+          </a:prstGeom>
+          <a:ln w="28575">
+            <a:solidFill>
+              <a:srgbClr val="C00000"/>
+            </a:solidFill>
+          </a:ln>
+        </p:spPr>
+        <p:style>
+          <a:lnRef idx="2">
+            <a:schemeClr val="accent1">
+              <a:shade val="15000"/>
+            </a:schemeClr>
+          </a:lnRef>
+          <a:fillRef idx="1">
+            <a:schemeClr val="accent1"/>
+          </a:fillRef>
+          <a:effectRef idx="0">
+            <a:schemeClr val="accent1"/>
+          </a:effectRef>
+          <a:fontRef idx="minor">
+            <a:schemeClr val="lt1"/>
+          </a:fontRef>
+        </p:style>
+        <p:txBody>
+          <a:bodyPr rtlCol="0" anchor="ctr"/>
+          <a:lstStyle/>
+          <a:p>
+            <a:pPr algn="ctr"/>
+            <a:endParaRPr lang="en-US"/>
+          </a:p>
+        </p:txBody>
+      </p:sp>
+      <p:sp>
+        <p:nvSpPr>
+          <p:cNvPr id="40" name="TextBox 39">
+            <a:extLst>
+              <a:ext uri="{FF2B5EF4-FFF2-40B4-BE49-F238E27FC236}">
+                <a16:creationId xmlns:a16="http://schemas.microsoft.com/office/drawing/2014/main" id="{1974BAEB-A0A9-FE96-CD10-E74A4A560D0F}"/>
+              </a:ext>
+            </a:extLst>
+          </p:cNvPr>
+          <p:cNvSpPr txBox="1"/>
+          <p:nvPr/>
+        </p:nvSpPr>
+        <p:spPr>
+          <a:xfrm>
+            <a:off x="7370691" y="1917646"/>
+            <a:ext cx="1529470" cy="461665"/>
+          </a:xfrm>
+          <a:prstGeom prst="rect">
+            <a:avLst/>
+          </a:prstGeom>
+          <a:noFill/>
+        </p:spPr>
+        <p:txBody>
+          <a:bodyPr wrap="square" rtlCol="0">
+            <a:spAutoFit/>
+          </a:bodyPr>
+          <a:lstStyle/>
+          <a:p>
+            <a:r>
+              <a:rPr lang="en-US" sz="2400" b="1" dirty="0"/>
+              <a:t>Exit Loop</a:t>
+            </a:r>
+            <a:endParaRPr lang="en-US" sz="2400" dirty="0"/>
+          </a:p>
+        </p:txBody>
+      </p:sp>
+      <p:cxnSp>
+        <p:nvCxnSpPr>
+          <p:cNvPr id="42" name="Straight Arrow Connector 41">
+            <a:extLst>
+              <a:ext uri="{FF2B5EF4-FFF2-40B4-BE49-F238E27FC236}">
+                <a16:creationId xmlns:a16="http://schemas.microsoft.com/office/drawing/2014/main" id="{AC7F96E9-B9B0-8C95-40FC-D261A8E9BEC8}"/>
+              </a:ext>
+            </a:extLst>
+          </p:cNvPr>
+          <p:cNvCxnSpPr/>
+          <p:nvPr/>
+        </p:nvCxnSpPr>
+        <p:spPr>
+          <a:xfrm>
+            <a:off x="7467600" y="2004319"/>
+            <a:ext cx="1097280" cy="0"/>
+          </a:xfrm>
+          <a:prstGeom prst="straightConnector1">
+            <a:avLst/>
+          </a:prstGeom>
+          <a:ln w="28575">
+            <a:solidFill>
+              <a:schemeClr val="tx1"/>
+            </a:solidFill>
+            <a:tailEnd type="triangle"/>
+          </a:ln>
+        </p:spPr>
+        <p:style>
+          <a:lnRef idx="1">
+            <a:schemeClr val="accent1"/>
+          </a:lnRef>
+          <a:fillRef idx="0">
+            <a:schemeClr val="accent1"/>
+          </a:fillRef>
+          <a:effectRef idx="0">
+            <a:schemeClr val="accent1"/>
+          </a:effectRef>
+          <a:fontRef idx="minor">
+            <a:schemeClr val="tx1"/>
+          </a:fontRef>
+        </p:style>
+      </p:cxnSp>
+      <p:cxnSp>
+        <p:nvCxnSpPr>
+          <p:cNvPr id="43" name="Straight Connector 42">
+            <a:extLst>
+              <a:ext uri="{FF2B5EF4-FFF2-40B4-BE49-F238E27FC236}">
+                <a16:creationId xmlns:a16="http://schemas.microsoft.com/office/drawing/2014/main" id="{8293B7B9-54DC-66A6-9031-C7454D72AAEF}"/>
+              </a:ext>
+            </a:extLst>
+          </p:cNvPr>
+          <p:cNvCxnSpPr>
+            <a:cxnSpLocks/>
+          </p:cNvCxnSpPr>
+          <p:nvPr/>
+        </p:nvCxnSpPr>
+        <p:spPr>
+          <a:xfrm>
+            <a:off x="1638144" y="3429000"/>
+            <a:ext cx="0" cy="822960"/>
+          </a:xfrm>
+          <a:prstGeom prst="line">
+            <a:avLst/>
+          </a:prstGeom>
+          <a:ln w="28575">
+            <a:prstDash val="dash"/>
+          </a:ln>
+        </p:spPr>
+        <p:style>
+          <a:lnRef idx="1">
+            <a:schemeClr val="accent1"/>
+          </a:lnRef>
+          <a:fillRef idx="0">
+            <a:schemeClr val="accent1"/>
+          </a:fillRef>
+          <a:effectRef idx="0">
+            <a:schemeClr val="accent1"/>
+          </a:effectRef>
+          <a:fontRef idx="minor">
+            <a:schemeClr val="tx1"/>
+          </a:fontRef>
+        </p:style>
+      </p:cxnSp>
+      <p:sp>
+        <p:nvSpPr>
+          <p:cNvPr id="44" name="TextBox 43">
+            <a:extLst>
+              <a:ext uri="{FF2B5EF4-FFF2-40B4-BE49-F238E27FC236}">
+                <a16:creationId xmlns:a16="http://schemas.microsoft.com/office/drawing/2014/main" id="{B217ACE7-72ED-CCA3-078E-25ABDF774939}"/>
+              </a:ext>
+            </a:extLst>
+          </p:cNvPr>
+          <p:cNvSpPr txBox="1"/>
+          <p:nvPr/>
+        </p:nvSpPr>
+        <p:spPr>
+          <a:xfrm>
+            <a:off x="1638144" y="3844837"/>
+            <a:ext cx="8064656" cy="461665"/>
+          </a:xfrm>
+          <a:prstGeom prst="rect">
+            <a:avLst/>
+          </a:prstGeom>
+          <a:noFill/>
+        </p:spPr>
+        <p:txBody>
+          <a:bodyPr wrap="square" rtlCol="0">
+            <a:spAutoFit/>
+          </a:bodyPr>
+          <a:lstStyle/>
+          <a:p>
+            <a:r>
+              <a:rPr lang="en-US" sz="2400" i="1" dirty="0"/>
+              <a:t># outside loop</a:t>
+            </a:r>
+          </a:p>
+        </p:txBody>
+      </p:sp>
+    </p:spTree>
+    <p:extLst>
+      <p:ext uri="{BB962C8B-B14F-4D97-AF65-F5344CB8AC3E}">
+        <p14:creationId xmlns:p14="http://schemas.microsoft.com/office/powerpoint/2010/main" val="3825448896"/>
+      </p:ext>
+    </p:extLst>
+  </p:cSld>
+  <p:clrMapOvr>
+    <a:masterClrMapping/>
+  </p:clrMapOvr>
+</p:sld>
+</file>
+
+<file path=ppt/slides/slide19.xml><?xml version="1.0" encoding="utf-8"?>
+<p:sld xmlns:a="http://schemas.openxmlformats.org/drawingml/2006/main" xmlns:r="http://schemas.openxmlformats.org/officeDocument/2006/relationships" xmlns:p="http://schemas.openxmlformats.org/presentationml/2006/main">
+  <p:cSld>
+    <p:spTree>
+      <p:nvGrpSpPr>
+        <p:cNvPr id="1" name="">
+          <a:extLst>
+            <a:ext uri="{FF2B5EF4-FFF2-40B4-BE49-F238E27FC236}">
+              <a16:creationId xmlns:a16="http://schemas.microsoft.com/office/drawing/2014/main" id="{657C35BD-6419-C975-AC15-7B88D550D781}"/>
+            </a:ext>
+          </a:extLst>
+        </p:cNvPr>
+        <p:cNvGrpSpPr/>
+        <p:nvPr/>
+      </p:nvGrpSpPr>
+      <p:grpSpPr>
+        <a:xfrm>
+          <a:off x="0" y="0"/>
+          <a:ext cx="0" cy="0"/>
+          <a:chOff x="0" y="0"/>
+          <a:chExt cx="0" cy="0"/>
+        </a:xfrm>
+      </p:grpSpPr>
+      <p:sp>
+        <p:nvSpPr>
+          <p:cNvPr id="58" name="TextBox 57">
+            <a:extLst>
+              <a:ext uri="{FF2B5EF4-FFF2-40B4-BE49-F238E27FC236}">
+                <a16:creationId xmlns:a16="http://schemas.microsoft.com/office/drawing/2014/main" id="{5A8F1FD3-989F-0A7C-9E38-8C7FFA3FCBEA}"/>
+              </a:ext>
+            </a:extLst>
+          </p:cNvPr>
+          <p:cNvSpPr txBox="1"/>
+          <p:nvPr/>
+        </p:nvSpPr>
+        <p:spPr>
+          <a:xfrm>
+            <a:off x="238681" y="5140230"/>
+            <a:ext cx="9781079" cy="461665"/>
+          </a:xfrm>
+          <a:prstGeom prst="rect">
+            <a:avLst/>
+          </a:prstGeom>
+          <a:noFill/>
+        </p:spPr>
+        <p:txBody>
+          <a:bodyPr wrap="square" rtlCol="0">
+            <a:spAutoFit/>
+          </a:bodyPr>
+          <a:lstStyle/>
+          <a:p>
+            <a:r>
+              <a:rPr lang="en-US" sz="2400" b="1" dirty="0"/>
+              <a:t>Fig.</a:t>
+            </a:r>
+            <a:r>
+              <a:rPr lang="en-US" sz="2400" dirty="0"/>
+              <a:t> 7.2 shows while loop statement Flow Chart and Python code equivalent</a:t>
+            </a:r>
+          </a:p>
+        </p:txBody>
+      </p:sp>
+      <p:sp>
+        <p:nvSpPr>
+          <p:cNvPr id="21" name="Rectangle 20">
+            <a:extLst>
+              <a:ext uri="{FF2B5EF4-FFF2-40B4-BE49-F238E27FC236}">
+                <a16:creationId xmlns:a16="http://schemas.microsoft.com/office/drawing/2014/main" id="{548DCFD1-C520-1DA4-144A-2F4A9B57FF94}"/>
+              </a:ext>
+            </a:extLst>
+          </p:cNvPr>
+          <p:cNvSpPr/>
+          <p:nvPr/>
+        </p:nvSpPr>
+        <p:spPr>
+          <a:xfrm>
+            <a:off x="89990" y="245830"/>
+            <a:ext cx="5477690" cy="4682329"/>
+          </a:xfrm>
+          <a:prstGeom prst="rect">
+            <a:avLst/>
+          </a:prstGeom>
+          <a:noFill/>
+          <a:ln>
+            <a:prstDash val="dash"/>
+          </a:ln>
+        </p:spPr>
+        <p:style>
+          <a:lnRef idx="2">
+            <a:schemeClr val="accent1">
+              <a:shade val="15000"/>
+            </a:schemeClr>
+          </a:lnRef>
+          <a:fillRef idx="1">
+            <a:schemeClr val="accent1"/>
+          </a:fillRef>
+          <a:effectRef idx="0">
+            <a:schemeClr val="accent1"/>
+          </a:effectRef>
+          <a:fontRef idx="minor">
+            <a:schemeClr val="lt1"/>
+          </a:fontRef>
+        </p:style>
+        <p:txBody>
+          <a:bodyPr rtlCol="0" anchor="ctr"/>
+          <a:lstStyle/>
+          <a:p>
+            <a:pPr algn="ctr"/>
+            <a:endParaRPr lang="en-US"/>
+          </a:p>
+        </p:txBody>
+      </p:sp>
+      <p:grpSp>
+        <p:nvGrpSpPr>
+          <p:cNvPr id="14" name="Group 13">
+            <a:extLst>
+              <a:ext uri="{FF2B5EF4-FFF2-40B4-BE49-F238E27FC236}">
+                <a16:creationId xmlns:a16="http://schemas.microsoft.com/office/drawing/2014/main" id="{59436CB9-A832-0D23-C5EB-BD29AF235716}"/>
+              </a:ext>
+            </a:extLst>
+          </p:cNvPr>
+          <p:cNvGrpSpPr/>
+          <p:nvPr/>
+        </p:nvGrpSpPr>
+        <p:grpSpPr>
+          <a:xfrm>
+            <a:off x="268514" y="1332241"/>
+            <a:ext cx="5071338" cy="2643465"/>
+            <a:chOff x="822017" y="1911752"/>
+            <a:chExt cx="5071338" cy="2643465"/>
+          </a:xfrm>
+        </p:grpSpPr>
+        <p:sp>
+          <p:nvSpPr>
+            <p:cNvPr id="2" name="Diamond 1">
+              <a:extLst>
+                <a:ext uri="{FF2B5EF4-FFF2-40B4-BE49-F238E27FC236}">
+                  <a16:creationId xmlns:a16="http://schemas.microsoft.com/office/drawing/2014/main" id="{08597C9A-8B42-09E2-438A-EB65BAD42E34}"/>
+                </a:ext>
+              </a:extLst>
+            </p:cNvPr>
+            <p:cNvSpPr/>
+            <p:nvPr/>
+          </p:nvSpPr>
+          <p:spPr>
+            <a:xfrm>
+              <a:off x="822017" y="1911752"/>
+              <a:ext cx="2915511" cy="845506"/>
+            </a:xfrm>
+            <a:prstGeom prst="diamond">
+              <a:avLst/>
+            </a:prstGeom>
+            <a:solidFill>
+              <a:srgbClr val="F8CBAD"/>
+            </a:solidFill>
+            <a:ln w="28575"/>
+          </p:spPr>
+          <p:style>
+            <a:lnRef idx="2">
+              <a:schemeClr val="accent1">
+                <a:shade val="15000"/>
+              </a:schemeClr>
+            </a:lnRef>
+            <a:fillRef idx="1">
+              <a:schemeClr val="accent1"/>
+            </a:fillRef>
+            <a:effectRef idx="0">
+              <a:schemeClr val="accent1"/>
+            </a:effectRef>
+            <a:fontRef idx="minor">
+              <a:schemeClr val="lt1"/>
+            </a:fontRef>
+          </p:style>
+          <p:txBody>
+            <a:bodyPr rtlCol="0" anchor="ctr"/>
+            <a:lstStyle/>
+            <a:p>
+              <a:pPr marL="0" marR="0" lvl="0" indent="0" algn="ctr" defTabSz="914400" rtl="0" eaLnBrk="1" fontAlgn="auto" latinLnBrk="0" hangingPunct="1">
+                <a:lnSpc>
+                  <a:spcPct val="100000"/>
+                </a:lnSpc>
+                <a:spcBef>
+                  <a:spcPts val="0"/>
+                </a:spcBef>
+                <a:spcAft>
+                  <a:spcPts val="0"/>
+                </a:spcAft>
+                <a:buClrTx/>
+                <a:buSzTx/>
+                <a:buFontTx/>
+                <a:buNone/>
+                <a:tabLst/>
+                <a:defRPr/>
+              </a:pPr>
+              <a:endParaRPr kumimoji="0" lang="en-US" sz="2400" b="0" i="0" u="none" strike="noStrike" kern="1200" cap="none" spc="0" normalizeH="0" baseline="0" noProof="0" dirty="0">
+                <a:ln>
+                  <a:noFill/>
+                </a:ln>
+                <a:solidFill>
+                  <a:prstClr val="black"/>
+                </a:solidFill>
+                <a:effectLst/>
+                <a:uLnTx/>
+                <a:uFillTx/>
+                <a:latin typeface="Calibri" panose="020F0502020204030204"/>
+                <a:ea typeface="+mn-ea"/>
+                <a:cs typeface="+mn-cs"/>
+              </a:endParaRPr>
+            </a:p>
+          </p:txBody>
+        </p:sp>
+        <p:sp>
+          <p:nvSpPr>
+            <p:cNvPr id="7" name="TextBox 6">
+              <a:extLst>
+                <a:ext uri="{FF2B5EF4-FFF2-40B4-BE49-F238E27FC236}">
+                  <a16:creationId xmlns:a16="http://schemas.microsoft.com/office/drawing/2014/main" id="{18CDE103-1074-CE18-438A-211F89E77E8D}"/>
+                </a:ext>
+              </a:extLst>
+            </p:cNvPr>
+            <p:cNvSpPr txBox="1"/>
+            <p:nvPr/>
+          </p:nvSpPr>
+          <p:spPr>
+            <a:xfrm>
+              <a:off x="1392099" y="2127437"/>
+              <a:ext cx="1894652" cy="400110"/>
+            </a:xfrm>
+            <a:prstGeom prst="rect">
+              <a:avLst/>
+            </a:prstGeom>
+            <a:noFill/>
+            <a:ln w="9525">
+              <a:noFill/>
+            </a:ln>
+          </p:spPr>
+          <p:txBody>
+            <a:bodyPr wrap="square" rtlCol="0">
+              <a:spAutoFit/>
+            </a:bodyPr>
+            <a:lstStyle/>
+            <a:p>
+              <a:r>
+                <a:rPr lang="en-US" sz="2000" dirty="0">
+                  <a:latin typeface="Consolas" panose="020B0609020204030204" pitchFamily="49" charset="0"/>
+                </a:rPr>
+                <a:t>w</a:t>
+              </a:r>
+              <a:r>
+                <a:rPr lang="en-US" sz="2000" b="0" dirty="0">
+                  <a:effectLst/>
+                  <a:latin typeface="Consolas" panose="020B0609020204030204" pitchFamily="49" charset="0"/>
+                </a:rPr>
+                <a:t>hile </a:t>
+              </a:r>
+              <a:r>
+                <a:rPr lang="en-US" sz="2000" dirty="0">
+                  <a:latin typeface="Consolas" panose="020B0609020204030204" pitchFamily="49" charset="0"/>
+                </a:rPr>
+                <a:t>active</a:t>
+              </a:r>
+              <a:endParaRPr lang="en-US" sz="2000" dirty="0"/>
+            </a:p>
+          </p:txBody>
+        </p:sp>
+        <p:sp>
+          <p:nvSpPr>
+            <p:cNvPr id="9" name="Diamond 8">
+              <a:extLst>
+                <a:ext uri="{FF2B5EF4-FFF2-40B4-BE49-F238E27FC236}">
+                  <a16:creationId xmlns:a16="http://schemas.microsoft.com/office/drawing/2014/main" id="{1824E68B-8395-F565-4785-783FDC1A507F}"/>
+                </a:ext>
+              </a:extLst>
+            </p:cNvPr>
+            <p:cNvSpPr/>
+            <p:nvPr/>
+          </p:nvSpPr>
+          <p:spPr>
+            <a:xfrm>
+              <a:off x="2977844" y="3709711"/>
+              <a:ext cx="2915511" cy="845506"/>
+            </a:xfrm>
+            <a:prstGeom prst="diamond">
+              <a:avLst/>
+            </a:prstGeom>
+            <a:solidFill>
+              <a:srgbClr val="F8CBAD"/>
+            </a:solidFill>
+            <a:ln w="28575"/>
+          </p:spPr>
+          <p:style>
+            <a:lnRef idx="2">
+              <a:schemeClr val="accent1">
+                <a:shade val="15000"/>
+              </a:schemeClr>
+            </a:lnRef>
+            <a:fillRef idx="1">
+              <a:schemeClr val="accent1"/>
+            </a:fillRef>
+            <a:effectRef idx="0">
+              <a:schemeClr val="accent1"/>
+            </a:effectRef>
+            <a:fontRef idx="minor">
+              <a:schemeClr val="lt1"/>
+            </a:fontRef>
+          </p:style>
+          <p:txBody>
+            <a:bodyPr rtlCol="0" anchor="ctr"/>
+            <a:lstStyle/>
+            <a:p>
+              <a:pPr marL="0" marR="0" lvl="0" indent="0" algn="ctr" defTabSz="914400" rtl="0" eaLnBrk="1" fontAlgn="auto" latinLnBrk="0" hangingPunct="1">
+                <a:lnSpc>
+                  <a:spcPct val="100000"/>
+                </a:lnSpc>
+                <a:spcBef>
+                  <a:spcPts val="0"/>
+                </a:spcBef>
+                <a:spcAft>
+                  <a:spcPts val="0"/>
+                </a:spcAft>
+                <a:buClrTx/>
+                <a:buSzTx/>
+                <a:buFontTx/>
+                <a:buNone/>
+                <a:tabLst/>
+                <a:defRPr/>
+              </a:pPr>
+              <a:endParaRPr kumimoji="0" lang="en-US" sz="2400" b="0" i="0" u="none" strike="noStrike" kern="1200" cap="none" spc="0" normalizeH="0" baseline="0" noProof="0" dirty="0">
+                <a:ln>
+                  <a:noFill/>
+                </a:ln>
+                <a:solidFill>
+                  <a:prstClr val="black"/>
+                </a:solidFill>
+                <a:effectLst/>
+                <a:uLnTx/>
+                <a:uFillTx/>
+                <a:latin typeface="Calibri" panose="020F0502020204030204"/>
+                <a:ea typeface="+mn-ea"/>
+                <a:cs typeface="+mn-cs"/>
+              </a:endParaRPr>
+            </a:p>
+          </p:txBody>
+        </p:sp>
+        <p:sp>
+          <p:nvSpPr>
+            <p:cNvPr id="12" name="TextBox 11">
+              <a:extLst>
+                <a:ext uri="{FF2B5EF4-FFF2-40B4-BE49-F238E27FC236}">
+                  <a16:creationId xmlns:a16="http://schemas.microsoft.com/office/drawing/2014/main" id="{99C8C35F-21FB-2AE8-6925-6E2767A77339}"/>
+                </a:ext>
+              </a:extLst>
+            </p:cNvPr>
+            <p:cNvSpPr txBox="1"/>
+            <p:nvPr/>
+          </p:nvSpPr>
+          <p:spPr>
+            <a:xfrm>
+              <a:off x="3653954" y="3795857"/>
+              <a:ext cx="1894652" cy="707886"/>
+            </a:xfrm>
+            <a:prstGeom prst="rect">
+              <a:avLst/>
+            </a:prstGeom>
+            <a:noFill/>
+            <a:ln w="9525">
+              <a:noFill/>
+            </a:ln>
+          </p:spPr>
+          <p:txBody>
+            <a:bodyPr wrap="square" rtlCol="0">
+              <a:spAutoFit/>
+            </a:bodyPr>
+            <a:lstStyle/>
+            <a:p>
+              <a:r>
+                <a:rPr lang="en-US" sz="2000" dirty="0">
+                  <a:latin typeface="Consolas" panose="020B0609020204030204" pitchFamily="49" charset="0"/>
+                </a:rPr>
+                <a:t>message ==</a:t>
+              </a:r>
+            </a:p>
+            <a:p>
+              <a:pPr algn="ctr"/>
+              <a:r>
+                <a:rPr lang="en-US" sz="2000" dirty="0">
+                  <a:latin typeface="Consolas" panose="020B0609020204030204" pitchFamily="49" charset="0"/>
+                </a:rPr>
+                <a:t>‘quit’?</a:t>
+              </a:r>
+              <a:endParaRPr lang="en-US" sz="2000" dirty="0"/>
+            </a:p>
+          </p:txBody>
+        </p:sp>
+      </p:grpSp>
+      <p:cxnSp>
+        <p:nvCxnSpPr>
+          <p:cNvPr id="11" name="Straight Arrow Connector 10">
+            <a:extLst>
+              <a:ext uri="{FF2B5EF4-FFF2-40B4-BE49-F238E27FC236}">
+                <a16:creationId xmlns:a16="http://schemas.microsoft.com/office/drawing/2014/main" id="{9969DEAF-47A6-32DC-17A6-2B77A8228125}"/>
+              </a:ext>
+            </a:extLst>
+          </p:cNvPr>
+          <p:cNvCxnSpPr>
+            <a:cxnSpLocks/>
+          </p:cNvCxnSpPr>
+          <p:nvPr/>
+        </p:nvCxnSpPr>
+        <p:spPr>
+          <a:xfrm flipH="1">
+            <a:off x="1730460" y="865272"/>
+            <a:ext cx="0" cy="457200"/>
+          </a:xfrm>
+          <a:prstGeom prst="straightConnector1">
+            <a:avLst/>
+          </a:prstGeom>
+          <a:ln w="28575">
+            <a:solidFill>
+              <a:schemeClr val="tx1"/>
+            </a:solidFill>
+            <a:tailEnd type="triangle"/>
+          </a:ln>
+        </p:spPr>
+        <p:style>
+          <a:lnRef idx="1">
+            <a:schemeClr val="accent1"/>
+          </a:lnRef>
+          <a:fillRef idx="0">
+            <a:schemeClr val="accent1"/>
+          </a:fillRef>
+          <a:effectRef idx="0">
+            <a:schemeClr val="accent1"/>
+          </a:effectRef>
+          <a:fontRef idx="minor">
+            <a:schemeClr val="tx1"/>
+          </a:fontRef>
+        </p:style>
+      </p:cxnSp>
+      <p:cxnSp>
+        <p:nvCxnSpPr>
+          <p:cNvPr id="15" name="Connector: Elbow 14">
+            <a:extLst>
+              <a:ext uri="{FF2B5EF4-FFF2-40B4-BE49-F238E27FC236}">
+                <a16:creationId xmlns:a16="http://schemas.microsoft.com/office/drawing/2014/main" id="{98819F23-39AE-7D83-026B-9E97E1189C81}"/>
+              </a:ext>
+            </a:extLst>
+          </p:cNvPr>
+          <p:cNvCxnSpPr>
+            <a:cxnSpLocks/>
+            <a:stCxn id="2" idx="3"/>
+          </p:cNvCxnSpPr>
+          <p:nvPr/>
+        </p:nvCxnSpPr>
+        <p:spPr>
+          <a:xfrm>
+            <a:off x="3184025" y="1754994"/>
+            <a:ext cx="682897" cy="832001"/>
+          </a:xfrm>
+          <a:prstGeom prst="bentConnector2">
+            <a:avLst/>
+          </a:prstGeom>
+          <a:ln w="28575">
+            <a:solidFill>
+              <a:schemeClr val="tx1"/>
+            </a:solidFill>
+            <a:tailEnd type="triangle"/>
+          </a:ln>
+        </p:spPr>
+        <p:style>
+          <a:lnRef idx="1">
+            <a:schemeClr val="accent1"/>
+          </a:lnRef>
+          <a:fillRef idx="0">
+            <a:schemeClr val="accent1"/>
+          </a:fillRef>
+          <a:effectRef idx="0">
+            <a:schemeClr val="accent1"/>
+          </a:effectRef>
+          <a:fontRef idx="minor">
+            <a:schemeClr val="tx1"/>
+          </a:fontRef>
+        </p:style>
+      </p:cxnSp>
+      <p:cxnSp>
+        <p:nvCxnSpPr>
+          <p:cNvPr id="20" name="Straight Arrow Connector 19">
+            <a:extLst>
+              <a:ext uri="{FF2B5EF4-FFF2-40B4-BE49-F238E27FC236}">
+                <a16:creationId xmlns:a16="http://schemas.microsoft.com/office/drawing/2014/main" id="{D9BE6BAC-66D8-BA0A-BA1C-8BA25C3F0CEA}"/>
+              </a:ext>
+            </a:extLst>
+          </p:cNvPr>
+          <p:cNvCxnSpPr>
+            <a:cxnSpLocks/>
+          </p:cNvCxnSpPr>
+          <p:nvPr/>
+        </p:nvCxnSpPr>
+        <p:spPr>
+          <a:xfrm flipH="1">
+            <a:off x="3866922" y="2794000"/>
+            <a:ext cx="0" cy="365760"/>
+          </a:xfrm>
+          <a:prstGeom prst="straightConnector1">
+            <a:avLst/>
+          </a:prstGeom>
+          <a:ln w="28575">
+            <a:solidFill>
+              <a:schemeClr val="tx1"/>
+            </a:solidFill>
+            <a:tailEnd type="triangle"/>
+          </a:ln>
+        </p:spPr>
+        <p:style>
+          <a:lnRef idx="1">
+            <a:schemeClr val="accent1"/>
+          </a:lnRef>
+          <a:fillRef idx="0">
+            <a:schemeClr val="accent1"/>
+          </a:fillRef>
+          <a:effectRef idx="0">
+            <a:schemeClr val="accent1"/>
+          </a:effectRef>
+          <a:fontRef idx="minor">
+            <a:schemeClr val="tx1"/>
+          </a:fontRef>
+        </p:style>
+      </p:cxnSp>
+      <p:sp>
+        <p:nvSpPr>
+          <p:cNvPr id="32" name="Rectangle 31">
+            <a:extLst>
+              <a:ext uri="{FF2B5EF4-FFF2-40B4-BE49-F238E27FC236}">
+                <a16:creationId xmlns:a16="http://schemas.microsoft.com/office/drawing/2014/main" id="{C6ECB056-1604-F3A8-ED81-32769A076189}"/>
+              </a:ext>
+            </a:extLst>
+          </p:cNvPr>
+          <p:cNvSpPr/>
+          <p:nvPr/>
+        </p:nvSpPr>
+        <p:spPr>
+          <a:xfrm>
+            <a:off x="5714603" y="231372"/>
+            <a:ext cx="6477397" cy="4682329"/>
+          </a:xfrm>
+          <a:prstGeom prst="rect">
+            <a:avLst/>
+          </a:prstGeom>
+          <a:noFill/>
+          <a:ln>
+            <a:prstDash val="dash"/>
+          </a:ln>
+        </p:spPr>
+        <p:style>
+          <a:lnRef idx="2">
+            <a:schemeClr val="accent1">
+              <a:shade val="15000"/>
+            </a:schemeClr>
+          </a:lnRef>
+          <a:fillRef idx="1">
+            <a:schemeClr val="accent1"/>
+          </a:fillRef>
+          <a:effectRef idx="0">
+            <a:schemeClr val="accent1"/>
+          </a:effectRef>
+          <a:fontRef idx="minor">
+            <a:schemeClr val="lt1"/>
+          </a:fontRef>
+        </p:style>
+        <p:txBody>
+          <a:bodyPr rtlCol="0" anchor="ctr"/>
+          <a:lstStyle/>
+          <a:p>
+            <a:pPr algn="ctr"/>
+            <a:endParaRPr lang="en-US"/>
+          </a:p>
+        </p:txBody>
+      </p:sp>
+      <p:sp>
+        <p:nvSpPr>
+          <p:cNvPr id="36" name="TextBox 35">
+            <a:extLst>
+              <a:ext uri="{FF2B5EF4-FFF2-40B4-BE49-F238E27FC236}">
+                <a16:creationId xmlns:a16="http://schemas.microsoft.com/office/drawing/2014/main" id="{B54B391A-4C4C-B94D-B6E0-41F104C3687E}"/>
+              </a:ext>
+            </a:extLst>
+          </p:cNvPr>
+          <p:cNvSpPr txBox="1"/>
+          <p:nvPr/>
+        </p:nvSpPr>
+        <p:spPr>
+          <a:xfrm>
+            <a:off x="5803744" y="555358"/>
+            <a:ext cx="7292496" cy="3785652"/>
+          </a:xfrm>
+          <a:prstGeom prst="rect">
+            <a:avLst/>
+          </a:prstGeom>
+          <a:noFill/>
+        </p:spPr>
+        <p:txBody>
+          <a:bodyPr wrap="square">
+            <a:spAutoFit/>
+          </a:bodyPr>
+          <a:lstStyle/>
+          <a:p>
+            <a:br>
+              <a:rPr lang="en-US" sz="2400" b="0" dirty="0">
+                <a:solidFill>
+                  <a:srgbClr val="CCCCCC"/>
+                </a:solidFill>
+                <a:effectLst/>
+                <a:latin typeface="Consolas" panose="020B0609020204030204" pitchFamily="49" charset="0"/>
+              </a:rPr>
+            </a:br>
+            <a:r>
+              <a:rPr lang="en-US" sz="2400" b="0" dirty="0">
+                <a:solidFill>
+                  <a:srgbClr val="9CDCFE"/>
+                </a:solidFill>
+                <a:effectLst/>
+                <a:latin typeface="Consolas" panose="020B0609020204030204" pitchFamily="49" charset="0"/>
+              </a:rPr>
+              <a:t>active</a:t>
+            </a:r>
+            <a:r>
+              <a:rPr lang="en-US" sz="2400" b="0" dirty="0">
+                <a:solidFill>
+                  <a:srgbClr val="CCCCCC"/>
+                </a:solidFill>
+                <a:effectLst/>
+                <a:latin typeface="Consolas" panose="020B0609020204030204" pitchFamily="49" charset="0"/>
+              </a:rPr>
+              <a:t> </a:t>
+            </a:r>
+            <a:r>
+              <a:rPr lang="en-US" sz="2400" b="0" dirty="0">
+                <a:solidFill>
+                  <a:srgbClr val="D4D4D4"/>
+                </a:solidFill>
+                <a:effectLst/>
+                <a:latin typeface="Consolas" panose="020B0609020204030204" pitchFamily="49" charset="0"/>
+              </a:rPr>
+              <a:t>=</a:t>
+            </a:r>
+            <a:r>
+              <a:rPr lang="en-US" sz="2400" b="0" dirty="0">
+                <a:solidFill>
+                  <a:srgbClr val="CCCCCC"/>
+                </a:solidFill>
+                <a:effectLst/>
+                <a:latin typeface="Consolas" panose="020B0609020204030204" pitchFamily="49" charset="0"/>
+              </a:rPr>
+              <a:t> </a:t>
+            </a:r>
+            <a:r>
+              <a:rPr lang="en-US" sz="2400" b="0" dirty="0">
+                <a:solidFill>
+                  <a:srgbClr val="569CD6"/>
+                </a:solidFill>
+                <a:effectLst/>
+                <a:latin typeface="Consolas" panose="020B0609020204030204" pitchFamily="49" charset="0"/>
+              </a:rPr>
+              <a:t>True</a:t>
+            </a:r>
+            <a:endParaRPr lang="en-US" sz="2400" b="0" dirty="0">
+              <a:solidFill>
+                <a:srgbClr val="CCCCCC"/>
+              </a:solidFill>
+              <a:effectLst/>
+              <a:latin typeface="Consolas" panose="020B0609020204030204" pitchFamily="49" charset="0"/>
+            </a:endParaRPr>
+          </a:p>
+          <a:p>
+            <a:r>
+              <a:rPr lang="en-US" sz="2400" b="0" dirty="0">
+                <a:solidFill>
+                  <a:srgbClr val="C586C0"/>
+                </a:solidFill>
+                <a:effectLst/>
+                <a:latin typeface="Consolas" panose="020B0609020204030204" pitchFamily="49" charset="0"/>
+              </a:rPr>
+              <a:t>while</a:t>
+            </a:r>
+            <a:r>
+              <a:rPr lang="en-US" sz="2400" b="0" dirty="0">
+                <a:solidFill>
+                  <a:srgbClr val="CCCCCC"/>
+                </a:solidFill>
+                <a:effectLst/>
+                <a:latin typeface="Consolas" panose="020B0609020204030204" pitchFamily="49" charset="0"/>
+              </a:rPr>
+              <a:t> </a:t>
+            </a:r>
+            <a:r>
+              <a:rPr lang="en-US" sz="2400" b="0" dirty="0">
+                <a:solidFill>
+                  <a:srgbClr val="9CDCFE"/>
+                </a:solidFill>
+                <a:effectLst/>
+                <a:latin typeface="Consolas" panose="020B0609020204030204" pitchFamily="49" charset="0"/>
+              </a:rPr>
+              <a:t>active</a:t>
+            </a:r>
+            <a:r>
+              <a:rPr lang="en-US" sz="2400" b="0" dirty="0">
+                <a:solidFill>
+                  <a:srgbClr val="CCCCCC"/>
+                </a:solidFill>
+                <a:effectLst/>
+                <a:latin typeface="Consolas" panose="020B0609020204030204" pitchFamily="49" charset="0"/>
+              </a:rPr>
+              <a:t>:</a:t>
+            </a:r>
+          </a:p>
+          <a:p>
+            <a:r>
+              <a:rPr lang="en-US" sz="2400" b="0" dirty="0">
+                <a:solidFill>
+                  <a:srgbClr val="CCCCCC"/>
+                </a:solidFill>
+                <a:effectLst/>
+                <a:latin typeface="Consolas" panose="020B0609020204030204" pitchFamily="49" charset="0"/>
+              </a:rPr>
+              <a:t>    </a:t>
+            </a:r>
+            <a:r>
+              <a:rPr lang="en-US" sz="2400" b="0" dirty="0">
+                <a:solidFill>
+                  <a:srgbClr val="C586C0"/>
+                </a:solidFill>
+                <a:effectLst/>
+                <a:latin typeface="Consolas" panose="020B0609020204030204" pitchFamily="49" charset="0"/>
+              </a:rPr>
+              <a:t>while</a:t>
+            </a:r>
+            <a:r>
+              <a:rPr lang="en-US" sz="2400" b="0" dirty="0">
+                <a:solidFill>
+                  <a:srgbClr val="CCCCCC"/>
+                </a:solidFill>
+                <a:effectLst/>
+                <a:latin typeface="Consolas" panose="020B0609020204030204" pitchFamily="49" charset="0"/>
+              </a:rPr>
+              <a:t> </a:t>
+            </a:r>
+            <a:r>
+              <a:rPr lang="en-US" sz="2400" b="0" dirty="0">
+                <a:solidFill>
+                  <a:srgbClr val="569CD6"/>
+                </a:solidFill>
+                <a:effectLst/>
+                <a:latin typeface="Consolas" panose="020B0609020204030204" pitchFamily="49" charset="0"/>
+              </a:rPr>
+              <a:t>True</a:t>
+            </a:r>
+            <a:r>
+              <a:rPr lang="en-US" sz="2400" b="0" dirty="0">
+                <a:solidFill>
+                  <a:srgbClr val="CCCCCC"/>
+                </a:solidFill>
+                <a:effectLst/>
+                <a:latin typeface="Consolas" panose="020B0609020204030204" pitchFamily="49" charset="0"/>
+              </a:rPr>
+              <a:t>:</a:t>
+            </a:r>
+          </a:p>
+          <a:p>
+            <a:r>
+              <a:rPr lang="en-US" sz="2400" b="0" dirty="0">
+                <a:solidFill>
+                  <a:srgbClr val="CCCCCC"/>
+                </a:solidFill>
+                <a:effectLst/>
+                <a:latin typeface="Consolas" panose="020B0609020204030204" pitchFamily="49" charset="0"/>
+              </a:rPr>
+              <a:t>    </a:t>
+            </a:r>
+            <a:r>
+              <a:rPr lang="en-US" sz="2400" b="0" dirty="0">
+                <a:solidFill>
+                  <a:srgbClr val="9CDCFE"/>
+                </a:solidFill>
+                <a:effectLst/>
+                <a:latin typeface="Consolas" panose="020B0609020204030204" pitchFamily="49" charset="0"/>
+              </a:rPr>
+              <a:t>city</a:t>
+            </a:r>
+            <a:r>
+              <a:rPr lang="en-US" sz="2400" b="0" dirty="0">
+                <a:solidFill>
+                  <a:srgbClr val="CCCCCC"/>
+                </a:solidFill>
+                <a:effectLst/>
+                <a:latin typeface="Consolas" panose="020B0609020204030204" pitchFamily="49" charset="0"/>
+              </a:rPr>
+              <a:t> </a:t>
+            </a:r>
+            <a:r>
+              <a:rPr lang="en-US" sz="2400" b="0" dirty="0">
+                <a:solidFill>
+                  <a:srgbClr val="D4D4D4"/>
+                </a:solidFill>
+                <a:effectLst/>
+                <a:latin typeface="Consolas" panose="020B0609020204030204" pitchFamily="49" charset="0"/>
+              </a:rPr>
+              <a:t>=</a:t>
+            </a:r>
+            <a:r>
+              <a:rPr lang="en-US" sz="2400" b="0" dirty="0">
+                <a:solidFill>
+                  <a:srgbClr val="CCCCCC"/>
+                </a:solidFill>
+                <a:effectLst/>
+                <a:latin typeface="Consolas" panose="020B0609020204030204" pitchFamily="49" charset="0"/>
+              </a:rPr>
+              <a:t> </a:t>
+            </a:r>
+            <a:r>
+              <a:rPr lang="en-US" sz="2400" b="0" dirty="0">
+                <a:solidFill>
+                  <a:srgbClr val="DCDCAA"/>
+                </a:solidFill>
+                <a:effectLst/>
+                <a:latin typeface="Consolas" panose="020B0609020204030204" pitchFamily="49" charset="0"/>
+              </a:rPr>
+              <a:t>input</a:t>
+            </a:r>
+            <a:r>
+              <a:rPr lang="en-US" sz="2400" b="0" dirty="0">
+                <a:solidFill>
+                  <a:srgbClr val="CCCCCC"/>
+                </a:solidFill>
+                <a:effectLst/>
+                <a:latin typeface="Consolas" panose="020B0609020204030204" pitchFamily="49" charset="0"/>
+              </a:rPr>
+              <a:t>(</a:t>
+            </a:r>
+            <a:r>
+              <a:rPr lang="en-US" sz="2400" b="0" dirty="0">
+                <a:solidFill>
+                  <a:srgbClr val="9CDCFE"/>
+                </a:solidFill>
+                <a:effectLst/>
+                <a:latin typeface="Consolas" panose="020B0609020204030204" pitchFamily="49" charset="0"/>
+              </a:rPr>
+              <a:t>prompt</a:t>
+            </a:r>
+            <a:r>
+              <a:rPr lang="en-US" sz="2400" b="0" dirty="0">
+                <a:solidFill>
+                  <a:srgbClr val="CCCCCC"/>
+                </a:solidFill>
+                <a:effectLst/>
+                <a:latin typeface="Consolas" panose="020B0609020204030204" pitchFamily="49" charset="0"/>
+              </a:rPr>
+              <a:t>)</a:t>
+            </a:r>
+          </a:p>
+          <a:p>
+            <a:r>
+              <a:rPr lang="en-US" sz="2400" b="0" dirty="0">
+                <a:solidFill>
+                  <a:srgbClr val="CCCCCC"/>
+                </a:solidFill>
+                <a:effectLst/>
+                <a:latin typeface="Consolas" panose="020B0609020204030204" pitchFamily="49" charset="0"/>
+              </a:rPr>
+              <a:t>    </a:t>
+            </a:r>
+            <a:r>
+              <a:rPr lang="en-US" sz="2400" b="0" dirty="0">
+                <a:solidFill>
+                  <a:srgbClr val="C586C0"/>
+                </a:solidFill>
+                <a:effectLst/>
+                <a:latin typeface="Consolas" panose="020B0609020204030204" pitchFamily="49" charset="0"/>
+              </a:rPr>
+              <a:t>if</a:t>
+            </a:r>
+            <a:r>
+              <a:rPr lang="en-US" sz="2400" b="0" dirty="0">
+                <a:solidFill>
+                  <a:srgbClr val="CCCCCC"/>
+                </a:solidFill>
+                <a:effectLst/>
+                <a:latin typeface="Consolas" panose="020B0609020204030204" pitchFamily="49" charset="0"/>
+              </a:rPr>
+              <a:t> </a:t>
+            </a:r>
+            <a:r>
+              <a:rPr lang="en-US" sz="2400" b="0" dirty="0">
+                <a:solidFill>
+                  <a:srgbClr val="9CDCFE"/>
+                </a:solidFill>
+                <a:effectLst/>
+                <a:latin typeface="Consolas" panose="020B0609020204030204" pitchFamily="49" charset="0"/>
+              </a:rPr>
+              <a:t>city</a:t>
+            </a:r>
+            <a:r>
+              <a:rPr lang="en-US" sz="2400" b="0" dirty="0">
+                <a:solidFill>
+                  <a:srgbClr val="CCCCCC"/>
+                </a:solidFill>
+                <a:effectLst/>
+                <a:latin typeface="Consolas" panose="020B0609020204030204" pitchFamily="49" charset="0"/>
+              </a:rPr>
+              <a:t> </a:t>
+            </a:r>
+            <a:r>
+              <a:rPr lang="en-US" sz="2400" b="0" dirty="0">
+                <a:solidFill>
+                  <a:srgbClr val="D4D4D4"/>
+                </a:solidFill>
+                <a:effectLst/>
+                <a:latin typeface="Consolas" panose="020B0609020204030204" pitchFamily="49" charset="0"/>
+              </a:rPr>
+              <a:t>==</a:t>
+            </a:r>
+            <a:r>
+              <a:rPr lang="en-US" sz="2400" b="0" dirty="0">
+                <a:solidFill>
+                  <a:srgbClr val="CCCCCC"/>
+                </a:solidFill>
+                <a:effectLst/>
+                <a:latin typeface="Consolas" panose="020B0609020204030204" pitchFamily="49" charset="0"/>
+              </a:rPr>
+              <a:t> </a:t>
+            </a:r>
+            <a:r>
+              <a:rPr lang="en-US" sz="2400" b="0" dirty="0">
+                <a:solidFill>
+                  <a:srgbClr val="CE9178"/>
+                </a:solidFill>
+                <a:effectLst/>
+                <a:latin typeface="Consolas" panose="020B0609020204030204" pitchFamily="49" charset="0"/>
+              </a:rPr>
+              <a:t>'quit'</a:t>
+            </a:r>
+            <a:r>
+              <a:rPr lang="en-US" sz="2400" b="0" dirty="0">
+                <a:solidFill>
+                  <a:srgbClr val="CCCCCC"/>
+                </a:solidFill>
+                <a:effectLst/>
+                <a:latin typeface="Consolas" panose="020B0609020204030204" pitchFamily="49" charset="0"/>
+              </a:rPr>
+              <a:t>:</a:t>
+            </a:r>
+          </a:p>
+          <a:p>
+            <a:r>
+              <a:rPr lang="en-US" sz="2400" b="0" dirty="0">
+                <a:solidFill>
+                  <a:srgbClr val="CCCCCC"/>
+                </a:solidFill>
+                <a:effectLst/>
+                <a:latin typeface="Consolas" panose="020B0609020204030204" pitchFamily="49" charset="0"/>
+              </a:rPr>
+              <a:t>        </a:t>
+            </a:r>
+            <a:r>
+              <a:rPr lang="en-US" sz="2400" b="0" dirty="0">
+                <a:solidFill>
+                  <a:srgbClr val="C586C0"/>
+                </a:solidFill>
+                <a:effectLst/>
+                <a:latin typeface="Consolas" panose="020B0609020204030204" pitchFamily="49" charset="0"/>
+              </a:rPr>
+              <a:t>break</a:t>
+            </a:r>
+            <a:endParaRPr lang="en-US" sz="2400" b="0" dirty="0">
+              <a:solidFill>
+                <a:srgbClr val="CCCCCC"/>
+              </a:solidFill>
+              <a:effectLst/>
+              <a:latin typeface="Consolas" panose="020B0609020204030204" pitchFamily="49" charset="0"/>
+            </a:endParaRPr>
+          </a:p>
+          <a:p>
+            <a:r>
+              <a:rPr lang="en-US" sz="2400" b="0" dirty="0">
+                <a:solidFill>
+                  <a:srgbClr val="CCCCCC"/>
+                </a:solidFill>
+                <a:effectLst/>
+                <a:latin typeface="Consolas" panose="020B0609020204030204" pitchFamily="49" charset="0"/>
+              </a:rPr>
+              <a:t>    </a:t>
+            </a:r>
+            <a:r>
+              <a:rPr lang="en-US" sz="2400" b="0" dirty="0">
+                <a:solidFill>
+                  <a:srgbClr val="C586C0"/>
+                </a:solidFill>
+                <a:effectLst/>
+                <a:latin typeface="Consolas" panose="020B0609020204030204" pitchFamily="49" charset="0"/>
+              </a:rPr>
+              <a:t>else</a:t>
+            </a:r>
+            <a:r>
+              <a:rPr lang="en-US" sz="2400" b="0" dirty="0">
+                <a:solidFill>
+                  <a:srgbClr val="CCCCCC"/>
+                </a:solidFill>
+                <a:effectLst/>
+                <a:latin typeface="Consolas" panose="020B0609020204030204" pitchFamily="49" charset="0"/>
+              </a:rPr>
+              <a:t>:</a:t>
+            </a:r>
+          </a:p>
+          <a:p>
+            <a:r>
+              <a:rPr lang="en-US" sz="2400" b="0" dirty="0">
+                <a:solidFill>
+                  <a:srgbClr val="CCCCCC"/>
+                </a:solidFill>
+                <a:effectLst/>
+                <a:latin typeface="Consolas" panose="020B0609020204030204" pitchFamily="49" charset="0"/>
+              </a:rPr>
+              <a:t>        </a:t>
+            </a:r>
+            <a:r>
+              <a:rPr lang="en-US" sz="2400" b="0" dirty="0">
+                <a:solidFill>
+                  <a:srgbClr val="DCDCAA"/>
+                </a:solidFill>
+                <a:effectLst/>
+                <a:latin typeface="Consolas" panose="020B0609020204030204" pitchFamily="49" charset="0"/>
+              </a:rPr>
+              <a:t>print</a:t>
+            </a:r>
+            <a:r>
+              <a:rPr lang="en-US" sz="2400" b="0" dirty="0">
+                <a:solidFill>
+                  <a:srgbClr val="CCCCCC"/>
+                </a:solidFill>
+                <a:effectLst/>
+                <a:latin typeface="Consolas" panose="020B0609020204030204" pitchFamily="49" charset="0"/>
+              </a:rPr>
+              <a:t>(</a:t>
+            </a:r>
+            <a:r>
+              <a:rPr lang="en-US" sz="2400" b="0" dirty="0" err="1">
+                <a:solidFill>
+                  <a:srgbClr val="569CD6"/>
+                </a:solidFill>
+                <a:effectLst/>
+                <a:latin typeface="Consolas" panose="020B0609020204030204" pitchFamily="49" charset="0"/>
+              </a:rPr>
+              <a:t>f</a:t>
+            </a:r>
+            <a:r>
+              <a:rPr lang="en-US" sz="2400" b="0" dirty="0" err="1">
+                <a:solidFill>
+                  <a:srgbClr val="CE9178"/>
+                </a:solidFill>
+                <a:effectLst/>
+                <a:latin typeface="Consolas" panose="020B0609020204030204" pitchFamily="49" charset="0"/>
+              </a:rPr>
+              <a:t>"I'd</a:t>
+            </a:r>
+            <a:r>
+              <a:rPr lang="en-US" sz="2400" b="0" dirty="0">
+                <a:solidFill>
+                  <a:srgbClr val="CE9178"/>
+                </a:solidFill>
+                <a:effectLst/>
+                <a:latin typeface="Consolas" panose="020B0609020204030204" pitchFamily="49" charset="0"/>
+              </a:rPr>
+              <a:t> love to go to </a:t>
+            </a:r>
+            <a:r>
+              <a:rPr lang="en-US" sz="2400" b="0" dirty="0">
+                <a:solidFill>
+                  <a:srgbClr val="569CD6"/>
+                </a:solidFill>
+                <a:effectLst/>
+                <a:latin typeface="Consolas" panose="020B0609020204030204" pitchFamily="49" charset="0"/>
+              </a:rPr>
+              <a:t>{</a:t>
+            </a:r>
+            <a:r>
+              <a:rPr lang="en-US" sz="2400" b="0" dirty="0" err="1">
+                <a:solidFill>
+                  <a:srgbClr val="9CDCFE"/>
+                </a:solidFill>
+                <a:effectLst/>
+                <a:latin typeface="Consolas" panose="020B0609020204030204" pitchFamily="49" charset="0"/>
+              </a:rPr>
+              <a:t>city</a:t>
+            </a:r>
+            <a:r>
+              <a:rPr lang="en-US" sz="2400" b="0" dirty="0" err="1">
+                <a:solidFill>
+                  <a:srgbClr val="CCCCCC"/>
+                </a:solidFill>
+                <a:effectLst/>
+                <a:latin typeface="Consolas" panose="020B0609020204030204" pitchFamily="49" charset="0"/>
+              </a:rPr>
+              <a:t>.</a:t>
+            </a:r>
+            <a:r>
+              <a:rPr lang="en-US" sz="2400" b="0" dirty="0" err="1">
+                <a:solidFill>
+                  <a:srgbClr val="DCDCAA"/>
+                </a:solidFill>
+                <a:effectLst/>
+                <a:latin typeface="Consolas" panose="020B0609020204030204" pitchFamily="49" charset="0"/>
+              </a:rPr>
+              <a:t>title</a:t>
+            </a:r>
+            <a:r>
+              <a:rPr lang="en-US" sz="2400" b="0" dirty="0">
+                <a:solidFill>
+                  <a:srgbClr val="CCCCCC"/>
+                </a:solidFill>
+                <a:effectLst/>
+                <a:latin typeface="Consolas" panose="020B0609020204030204" pitchFamily="49" charset="0"/>
+              </a:rPr>
+              <a:t>()</a:t>
+            </a:r>
+            <a:r>
+              <a:rPr lang="en-US" sz="2400" b="0" dirty="0">
+                <a:solidFill>
+                  <a:srgbClr val="569CD6"/>
+                </a:solidFill>
+                <a:effectLst/>
+                <a:latin typeface="Consolas" panose="020B0609020204030204" pitchFamily="49" charset="0"/>
+              </a:rPr>
+              <a:t>}</a:t>
+            </a:r>
+            <a:r>
+              <a:rPr lang="en-US" sz="2400" b="0" dirty="0">
+                <a:solidFill>
+                  <a:srgbClr val="CE9178"/>
+                </a:solidFill>
+                <a:effectLst/>
+                <a:latin typeface="Consolas" panose="020B0609020204030204" pitchFamily="49" charset="0"/>
+              </a:rPr>
+              <a:t>!"</a:t>
+            </a:r>
+            <a:r>
+              <a:rPr lang="en-US" sz="2400" b="0" dirty="0">
+                <a:solidFill>
+                  <a:srgbClr val="CCCCCC"/>
+                </a:solidFill>
+                <a:effectLst/>
+                <a:latin typeface="Consolas" panose="020B0609020204030204" pitchFamily="49" charset="0"/>
+              </a:rPr>
+              <a:t>)</a:t>
+            </a:r>
+          </a:p>
+        </p:txBody>
+      </p:sp>
+      <p:cxnSp>
+        <p:nvCxnSpPr>
+          <p:cNvPr id="37" name="Straight Connector 36">
+            <a:extLst>
+              <a:ext uri="{FF2B5EF4-FFF2-40B4-BE49-F238E27FC236}">
+                <a16:creationId xmlns:a16="http://schemas.microsoft.com/office/drawing/2014/main" id="{15496827-8EC5-7BF5-4768-DA7B4C45E4CC}"/>
+              </a:ext>
+            </a:extLst>
+          </p:cNvPr>
+          <p:cNvCxnSpPr>
+            <a:cxnSpLocks/>
+          </p:cNvCxnSpPr>
+          <p:nvPr/>
+        </p:nvCxnSpPr>
+        <p:spPr>
+          <a:xfrm>
+            <a:off x="6486773" y="1840831"/>
+            <a:ext cx="0" cy="2194560"/>
+          </a:xfrm>
+          <a:prstGeom prst="line">
+            <a:avLst/>
+          </a:prstGeom>
+          <a:ln w="28575">
+            <a:prstDash val="dash"/>
+          </a:ln>
+        </p:spPr>
+        <p:style>
+          <a:lnRef idx="1">
+            <a:schemeClr val="accent1"/>
+          </a:lnRef>
+          <a:fillRef idx="0">
+            <a:schemeClr val="accent1"/>
+          </a:fillRef>
+          <a:effectRef idx="0">
+            <a:schemeClr val="accent1"/>
+          </a:effectRef>
+          <a:fontRef idx="minor">
+            <a:schemeClr val="tx1"/>
+          </a:fontRef>
+        </p:style>
+      </p:cxnSp>
+      <p:sp>
+        <p:nvSpPr>
+          <p:cNvPr id="38" name="TextBox 37">
+            <a:extLst>
+              <a:ext uri="{FF2B5EF4-FFF2-40B4-BE49-F238E27FC236}">
+                <a16:creationId xmlns:a16="http://schemas.microsoft.com/office/drawing/2014/main" id="{71333700-9CE3-E98C-F9E2-70A0F84119F7}"/>
+              </a:ext>
+            </a:extLst>
+          </p:cNvPr>
+          <p:cNvSpPr txBox="1"/>
+          <p:nvPr/>
+        </p:nvSpPr>
+        <p:spPr>
+          <a:xfrm>
+            <a:off x="3184025" y="1379166"/>
+            <a:ext cx="830093" cy="461665"/>
+          </a:xfrm>
+          <a:prstGeom prst="rect">
+            <a:avLst/>
+          </a:prstGeom>
+          <a:noFill/>
+        </p:spPr>
+        <p:txBody>
+          <a:bodyPr wrap="square" rtlCol="0">
+            <a:spAutoFit/>
+          </a:bodyPr>
+          <a:lstStyle/>
+          <a:p>
+            <a:r>
+              <a:rPr lang="en-US" sz="2400" b="1" dirty="0"/>
+              <a:t>True</a:t>
+            </a:r>
+            <a:endParaRPr lang="en-US" sz="2400" dirty="0"/>
+          </a:p>
+        </p:txBody>
+      </p:sp>
+      <p:sp>
+        <p:nvSpPr>
+          <p:cNvPr id="3" name="Rectangle 2">
+            <a:extLst>
+              <a:ext uri="{FF2B5EF4-FFF2-40B4-BE49-F238E27FC236}">
+                <a16:creationId xmlns:a16="http://schemas.microsoft.com/office/drawing/2014/main" id="{311387FE-50C0-9FC0-73FE-B5D515C8F8AF}"/>
+              </a:ext>
+            </a:extLst>
+          </p:cNvPr>
+          <p:cNvSpPr/>
+          <p:nvPr/>
+        </p:nvSpPr>
+        <p:spPr>
+          <a:xfrm>
+            <a:off x="293697" y="378097"/>
+            <a:ext cx="2915511" cy="462026"/>
+          </a:xfrm>
+          <a:prstGeom prst="rect">
+            <a:avLst/>
+          </a:prstGeom>
+        </p:spPr>
+        <p:style>
+          <a:lnRef idx="2">
+            <a:schemeClr val="accent1">
+              <a:shade val="15000"/>
+            </a:schemeClr>
+          </a:lnRef>
+          <a:fillRef idx="1">
+            <a:schemeClr val="accent1"/>
+          </a:fillRef>
+          <a:effectRef idx="0">
+            <a:schemeClr val="accent1"/>
+          </a:effectRef>
+          <a:fontRef idx="minor">
+            <a:schemeClr val="lt1"/>
+          </a:fontRef>
+        </p:style>
+        <p:txBody>
+          <a:bodyPr rtlCol="0" anchor="ctr"/>
+          <a:lstStyle/>
+          <a:p>
+            <a:pPr algn="ctr"/>
+            <a:endParaRPr lang="en-US"/>
+          </a:p>
+        </p:txBody>
+      </p:sp>
+      <p:sp>
+        <p:nvSpPr>
+          <p:cNvPr id="5" name="TextBox 4">
+            <a:extLst>
+              <a:ext uri="{FF2B5EF4-FFF2-40B4-BE49-F238E27FC236}">
+                <a16:creationId xmlns:a16="http://schemas.microsoft.com/office/drawing/2014/main" id="{DFDEE559-78E0-037D-755C-AEB137C5EEC4}"/>
+              </a:ext>
+            </a:extLst>
+          </p:cNvPr>
+          <p:cNvSpPr txBox="1"/>
+          <p:nvPr/>
+        </p:nvSpPr>
+        <p:spPr>
+          <a:xfrm>
+            <a:off x="313012" y="512847"/>
+            <a:ext cx="3386053" cy="294311"/>
+          </a:xfrm>
+          <a:prstGeom prst="rect">
+            <a:avLst/>
+          </a:prstGeom>
+          <a:noFill/>
+        </p:spPr>
+        <p:txBody>
+          <a:bodyPr wrap="square" rtlCol="0">
+            <a:spAutoFit/>
+          </a:bodyPr>
+          <a:lstStyle/>
+          <a:p>
+            <a:pPr>
+              <a:lnSpc>
+                <a:spcPts val="1425"/>
+              </a:lnSpc>
+            </a:pPr>
+            <a:r>
+              <a:rPr lang="en-US" sz="2000" b="0" dirty="0">
+                <a:solidFill>
+                  <a:srgbClr val="9CDCFE"/>
+                </a:solidFill>
+                <a:effectLst/>
+                <a:latin typeface="Consolas" panose="020B0609020204030204" pitchFamily="49" charset="0"/>
+              </a:rPr>
+              <a:t>current_number</a:t>
+            </a:r>
+            <a:r>
+              <a:rPr lang="en-US" sz="2000" b="0" dirty="0">
+                <a:solidFill>
+                  <a:srgbClr val="CCCCCC"/>
+                </a:solidFill>
+                <a:effectLst/>
+                <a:latin typeface="Consolas" panose="020B0609020204030204" pitchFamily="49" charset="0"/>
+              </a:rPr>
+              <a:t> </a:t>
+            </a:r>
+            <a:r>
+              <a:rPr lang="en-US" sz="2000" b="0" dirty="0">
+                <a:solidFill>
+                  <a:srgbClr val="D4D4D4"/>
+                </a:solidFill>
+                <a:effectLst/>
+                <a:latin typeface="Consolas" panose="020B0609020204030204" pitchFamily="49" charset="0"/>
+              </a:rPr>
+              <a:t>=</a:t>
+            </a:r>
+            <a:r>
+              <a:rPr lang="en-US" sz="2000" b="0" dirty="0">
+                <a:solidFill>
+                  <a:srgbClr val="CCCCCC"/>
+                </a:solidFill>
+                <a:effectLst/>
+                <a:latin typeface="Consolas" panose="020B0609020204030204" pitchFamily="49" charset="0"/>
+              </a:rPr>
+              <a:t> </a:t>
+            </a:r>
+            <a:r>
+              <a:rPr lang="en-US" sz="2000" b="0" dirty="0">
+                <a:solidFill>
+                  <a:srgbClr val="B5CEA8"/>
+                </a:solidFill>
+                <a:effectLst/>
+                <a:latin typeface="Consolas" panose="020B0609020204030204" pitchFamily="49" charset="0"/>
+              </a:rPr>
+              <a:t>1</a:t>
+            </a:r>
+            <a:endParaRPr lang="en-US" sz="2000" dirty="0"/>
+          </a:p>
+        </p:txBody>
+      </p:sp>
+      <p:grpSp>
+        <p:nvGrpSpPr>
+          <p:cNvPr id="16" name="Group 15">
+            <a:extLst>
+              <a:ext uri="{FF2B5EF4-FFF2-40B4-BE49-F238E27FC236}">
+                <a16:creationId xmlns:a16="http://schemas.microsoft.com/office/drawing/2014/main" id="{6C883E6D-42A5-52E4-496D-5ADF3560565D}"/>
+              </a:ext>
+            </a:extLst>
+          </p:cNvPr>
+          <p:cNvGrpSpPr/>
+          <p:nvPr/>
+        </p:nvGrpSpPr>
+        <p:grpSpPr>
+          <a:xfrm>
+            <a:off x="2676971" y="2279653"/>
+            <a:ext cx="2412033" cy="513889"/>
+            <a:chOff x="3225800" y="3174992"/>
+            <a:chExt cx="2412033" cy="659011"/>
+          </a:xfrm>
+        </p:grpSpPr>
+        <p:sp>
+          <p:nvSpPr>
+            <p:cNvPr id="6" name="Parallelogram 5">
+              <a:extLst>
+                <a:ext uri="{FF2B5EF4-FFF2-40B4-BE49-F238E27FC236}">
+                  <a16:creationId xmlns:a16="http://schemas.microsoft.com/office/drawing/2014/main" id="{AC37B353-AAED-958C-6D9D-4BCC1DDC0512}"/>
+                </a:ext>
+              </a:extLst>
+            </p:cNvPr>
+            <p:cNvSpPr/>
+            <p:nvPr/>
+          </p:nvSpPr>
+          <p:spPr>
+            <a:xfrm>
+              <a:off x="3282077" y="3180080"/>
+              <a:ext cx="2282175" cy="653923"/>
+            </a:xfrm>
+            <a:prstGeom prst="parallelogram">
+              <a:avLst/>
+            </a:prstGeom>
+          </p:spPr>
+          <p:style>
+            <a:lnRef idx="2">
+              <a:schemeClr val="accent1">
+                <a:shade val="15000"/>
+              </a:schemeClr>
+            </a:lnRef>
+            <a:fillRef idx="1">
+              <a:schemeClr val="accent1"/>
+            </a:fillRef>
+            <a:effectRef idx="0">
+              <a:schemeClr val="accent1"/>
+            </a:effectRef>
+            <a:fontRef idx="minor">
+              <a:schemeClr val="lt1"/>
+            </a:fontRef>
+          </p:style>
+          <p:txBody>
+            <a:bodyPr rtlCol="0" anchor="ctr"/>
+            <a:lstStyle/>
+            <a:p>
+              <a:pPr algn="ctr"/>
+              <a:endParaRPr lang="en-US"/>
+            </a:p>
+          </p:txBody>
+        </p:sp>
+        <p:sp>
+          <p:nvSpPr>
+            <p:cNvPr id="10" name="TextBox 9">
+              <a:extLst>
+                <a:ext uri="{FF2B5EF4-FFF2-40B4-BE49-F238E27FC236}">
+                  <a16:creationId xmlns:a16="http://schemas.microsoft.com/office/drawing/2014/main" id="{5F1478CD-7FE8-3421-3C5F-CF2DCB2E00B1}"/>
+                </a:ext>
+              </a:extLst>
+            </p:cNvPr>
+            <p:cNvSpPr txBox="1"/>
+            <p:nvPr/>
+          </p:nvSpPr>
+          <p:spPr>
+            <a:xfrm>
+              <a:off x="3429000" y="3428992"/>
+              <a:ext cx="2208833" cy="369332"/>
+            </a:xfrm>
+            <a:prstGeom prst="rect">
+              <a:avLst/>
+            </a:prstGeom>
+            <a:noFill/>
+          </p:spPr>
+          <p:txBody>
+            <a:bodyPr wrap="square">
+              <a:spAutoFit/>
+            </a:bodyPr>
+            <a:lstStyle/>
+            <a:p>
+              <a:pPr algn="ctr"/>
+              <a:r>
+                <a:rPr lang="en-US" sz="1800" b="0" dirty="0">
+                  <a:solidFill>
+                    <a:srgbClr val="9CDCFE"/>
+                  </a:solidFill>
+                  <a:effectLst/>
+                  <a:latin typeface="Consolas" panose="020B0609020204030204" pitchFamily="49" charset="0"/>
+                </a:rPr>
+                <a:t>message</a:t>
+              </a:r>
+              <a:endParaRPr lang="en-US" dirty="0"/>
+            </a:p>
+          </p:txBody>
+        </p:sp>
+        <p:sp>
+          <p:nvSpPr>
+            <p:cNvPr id="13" name="TextBox 12">
+              <a:extLst>
+                <a:ext uri="{FF2B5EF4-FFF2-40B4-BE49-F238E27FC236}">
+                  <a16:creationId xmlns:a16="http://schemas.microsoft.com/office/drawing/2014/main" id="{ADB927B9-E894-4FDF-3C58-6D0A74D219E8}"/>
+                </a:ext>
+              </a:extLst>
+            </p:cNvPr>
+            <p:cNvSpPr txBox="1"/>
+            <p:nvPr/>
+          </p:nvSpPr>
+          <p:spPr>
+            <a:xfrm>
+              <a:off x="3225800" y="3174992"/>
+              <a:ext cx="2208833" cy="369332"/>
+            </a:xfrm>
+            <a:prstGeom prst="rect">
+              <a:avLst/>
+            </a:prstGeom>
+            <a:noFill/>
+          </p:spPr>
+          <p:txBody>
+            <a:bodyPr wrap="square">
+              <a:spAutoFit/>
+            </a:bodyPr>
+            <a:lstStyle/>
+            <a:p>
+              <a:pPr algn="ctr"/>
+              <a:r>
+                <a:rPr lang="en-US" sz="1800" b="0" dirty="0">
+                  <a:effectLst/>
+                  <a:latin typeface="Consolas" panose="020B0609020204030204" pitchFamily="49" charset="0"/>
+                </a:rPr>
+                <a:t>GET input as</a:t>
+              </a:r>
+              <a:endParaRPr lang="en-US" dirty="0"/>
+            </a:p>
+          </p:txBody>
+        </p:sp>
+      </p:grpSp>
+      <p:sp>
+        <p:nvSpPr>
+          <p:cNvPr id="19" name="Rectangle 18">
+            <a:extLst>
+              <a:ext uri="{FF2B5EF4-FFF2-40B4-BE49-F238E27FC236}">
+                <a16:creationId xmlns:a16="http://schemas.microsoft.com/office/drawing/2014/main" id="{D7B3E240-EC2F-0C96-F1B8-329AA9446B08}"/>
+              </a:ext>
+            </a:extLst>
+          </p:cNvPr>
+          <p:cNvSpPr/>
+          <p:nvPr/>
+        </p:nvSpPr>
+        <p:spPr>
+          <a:xfrm>
+            <a:off x="2409166" y="4521124"/>
+            <a:ext cx="2915511" cy="462026"/>
+          </a:xfrm>
+          <a:prstGeom prst="rect">
+            <a:avLst/>
+          </a:prstGeom>
+        </p:spPr>
+        <p:style>
+          <a:lnRef idx="2">
+            <a:schemeClr val="accent1">
+              <a:shade val="15000"/>
+            </a:schemeClr>
+          </a:lnRef>
+          <a:fillRef idx="1">
+            <a:schemeClr val="accent1"/>
+          </a:fillRef>
+          <a:effectRef idx="0">
+            <a:schemeClr val="accent1"/>
+          </a:effectRef>
+          <a:fontRef idx="minor">
+            <a:schemeClr val="lt1"/>
+          </a:fontRef>
+        </p:style>
+        <p:txBody>
+          <a:bodyPr rtlCol="0" anchor="ctr"/>
+          <a:lstStyle/>
+          <a:p>
+            <a:pPr algn="ctr"/>
+            <a:endParaRPr lang="en-US"/>
+          </a:p>
+        </p:txBody>
+      </p:sp>
+      <p:sp>
+        <p:nvSpPr>
+          <p:cNvPr id="22" name="TextBox 21">
+            <a:extLst>
+              <a:ext uri="{FF2B5EF4-FFF2-40B4-BE49-F238E27FC236}">
+                <a16:creationId xmlns:a16="http://schemas.microsoft.com/office/drawing/2014/main" id="{679949C4-5EB6-D12C-3DF8-665B6B9977D6}"/>
+              </a:ext>
+            </a:extLst>
+          </p:cNvPr>
+          <p:cNvSpPr txBox="1"/>
+          <p:nvPr/>
+        </p:nvSpPr>
+        <p:spPr>
+          <a:xfrm>
+            <a:off x="2360828" y="4662487"/>
+            <a:ext cx="2979024" cy="294311"/>
+          </a:xfrm>
+          <a:prstGeom prst="rect">
+            <a:avLst/>
+          </a:prstGeom>
+          <a:noFill/>
+        </p:spPr>
+        <p:txBody>
+          <a:bodyPr wrap="square" rtlCol="0">
+            <a:spAutoFit/>
+          </a:bodyPr>
+          <a:lstStyle/>
+          <a:p>
+            <a:pPr>
+              <a:lnSpc>
+                <a:spcPts val="1425"/>
+              </a:lnSpc>
+            </a:pPr>
+            <a:r>
+              <a:rPr lang="en-US" sz="2000" b="0" dirty="0">
+                <a:solidFill>
+                  <a:srgbClr val="9CDCFE"/>
+                </a:solidFill>
+                <a:effectLst/>
+                <a:latin typeface="Consolas" panose="020B0609020204030204" pitchFamily="49" charset="0"/>
+              </a:rPr>
+              <a:t>current_number</a:t>
+            </a:r>
+            <a:r>
+              <a:rPr lang="en-US" sz="2000" b="0" dirty="0">
+                <a:solidFill>
+                  <a:srgbClr val="CCCCCC"/>
+                </a:solidFill>
+                <a:effectLst/>
+                <a:latin typeface="Consolas" panose="020B0609020204030204" pitchFamily="49" charset="0"/>
+              </a:rPr>
+              <a:t> +</a:t>
+            </a:r>
+            <a:r>
+              <a:rPr lang="en-US" sz="2000" b="0" dirty="0">
+                <a:solidFill>
+                  <a:srgbClr val="D4D4D4"/>
+                </a:solidFill>
+                <a:effectLst/>
+                <a:latin typeface="Consolas" panose="020B0609020204030204" pitchFamily="49" charset="0"/>
+              </a:rPr>
+              <a:t>=</a:t>
+            </a:r>
+            <a:r>
+              <a:rPr lang="en-US" sz="2000" b="0" dirty="0">
+                <a:solidFill>
+                  <a:srgbClr val="CCCCCC"/>
+                </a:solidFill>
+                <a:effectLst/>
+                <a:latin typeface="Consolas" panose="020B0609020204030204" pitchFamily="49" charset="0"/>
+              </a:rPr>
+              <a:t> </a:t>
+            </a:r>
+            <a:r>
+              <a:rPr lang="en-US" sz="2000" b="0" dirty="0">
+                <a:solidFill>
+                  <a:srgbClr val="B5CEA8"/>
+                </a:solidFill>
+                <a:effectLst/>
+                <a:latin typeface="Consolas" panose="020B0609020204030204" pitchFamily="49" charset="0"/>
+              </a:rPr>
+              <a:t>1</a:t>
+            </a:r>
+            <a:endParaRPr lang="en-US" sz="2000" dirty="0"/>
+          </a:p>
+        </p:txBody>
+      </p:sp>
+      <p:cxnSp>
+        <p:nvCxnSpPr>
+          <p:cNvPr id="24" name="Connector: Elbow 23">
+            <a:extLst>
+              <a:ext uri="{FF2B5EF4-FFF2-40B4-BE49-F238E27FC236}">
+                <a16:creationId xmlns:a16="http://schemas.microsoft.com/office/drawing/2014/main" id="{E210C985-5F07-B4F3-968A-BD0CF6DC8EC7}"/>
+              </a:ext>
+            </a:extLst>
+          </p:cNvPr>
+          <p:cNvCxnSpPr>
+            <a:stCxn id="19" idx="2"/>
+            <a:endCxn id="2" idx="2"/>
+          </p:cNvCxnSpPr>
+          <p:nvPr/>
+        </p:nvCxnSpPr>
+        <p:spPr>
+          <a:xfrm rot="5400000" flipH="1">
+            <a:off x="1393894" y="2510123"/>
+            <a:ext cx="2805403" cy="2140652"/>
+          </a:xfrm>
+          <a:prstGeom prst="bentConnector3">
+            <a:avLst>
+              <a:gd name="adj1" fmla="val -8149"/>
+            </a:avLst>
+          </a:prstGeom>
+          <a:ln w="28575">
+            <a:solidFill>
+              <a:schemeClr val="tx1"/>
+            </a:solidFill>
+            <a:tailEnd type="triangle"/>
+          </a:ln>
+        </p:spPr>
+        <p:style>
+          <a:lnRef idx="1">
+            <a:schemeClr val="accent1"/>
+          </a:lnRef>
+          <a:fillRef idx="0">
+            <a:schemeClr val="accent1"/>
+          </a:fillRef>
+          <a:effectRef idx="0">
+            <a:schemeClr val="accent1"/>
+          </a:effectRef>
+          <a:fontRef idx="minor">
+            <a:schemeClr val="tx1"/>
+          </a:fontRef>
+        </p:style>
+      </p:cxnSp>
+    </p:spTree>
+    <p:extLst>
+      <p:ext uri="{BB962C8B-B14F-4D97-AF65-F5344CB8AC3E}">
+        <p14:creationId xmlns:p14="http://schemas.microsoft.com/office/powerpoint/2010/main" val="663100484"/>
       </p:ext>
     </p:extLst>
   </p:cSld>

--- a/assets/diagrams_pool.pptx
+++ b/assets/diagrams_pool.pptx
@@ -24,6 +24,8 @@
     <p:sldId id="274" r:id="rId18"/>
     <p:sldId id="275" r:id="rId19"/>
     <p:sldId id="276" r:id="rId20"/>
+    <p:sldId id="278" r:id="rId21"/>
+    <p:sldId id="279" r:id="rId22"/>
   </p:sldIdLst>
   <p:sldSz cx="12192000" cy="6858000"/>
   <p:notesSz cx="7315200" cy="9601200"/>
@@ -277,7 +279,7 @@
           <a:p>
             <a:fld id="{CA113627-5753-4E5F-853E-B64920B5A820}" type="datetimeFigureOut">
               <a:rPr lang="en-US" smtClean="0"/>
-              <a:t>12/11/2024</a:t>
+              <a:t>12/15/2024</a:t>
             </a:fld>
             <a:endParaRPr lang="en-US"/>
           </a:p>
@@ -475,7 +477,7 @@
           <a:p>
             <a:fld id="{CA113627-5753-4E5F-853E-B64920B5A820}" type="datetimeFigureOut">
               <a:rPr lang="en-US" smtClean="0"/>
-              <a:t>12/11/2024</a:t>
+              <a:t>12/15/2024</a:t>
             </a:fld>
             <a:endParaRPr lang="en-US"/>
           </a:p>
@@ -683,7 +685,7 @@
           <a:p>
             <a:fld id="{CA113627-5753-4E5F-853E-B64920B5A820}" type="datetimeFigureOut">
               <a:rPr lang="en-US" smtClean="0"/>
-              <a:t>12/11/2024</a:t>
+              <a:t>12/15/2024</a:t>
             </a:fld>
             <a:endParaRPr lang="en-US"/>
           </a:p>
@@ -881,7 +883,7 @@
           <a:p>
             <a:fld id="{CA113627-5753-4E5F-853E-B64920B5A820}" type="datetimeFigureOut">
               <a:rPr lang="en-US" smtClean="0"/>
-              <a:t>12/11/2024</a:t>
+              <a:t>12/15/2024</a:t>
             </a:fld>
             <a:endParaRPr lang="en-US"/>
           </a:p>
@@ -1156,7 +1158,7 @@
           <a:p>
             <a:fld id="{CA113627-5753-4E5F-853E-B64920B5A820}" type="datetimeFigureOut">
               <a:rPr lang="en-US" smtClean="0"/>
-              <a:t>12/11/2024</a:t>
+              <a:t>12/15/2024</a:t>
             </a:fld>
             <a:endParaRPr lang="en-US"/>
           </a:p>
@@ -1421,7 +1423,7 @@
           <a:p>
             <a:fld id="{CA113627-5753-4E5F-853E-B64920B5A820}" type="datetimeFigureOut">
               <a:rPr lang="en-US" smtClean="0"/>
-              <a:t>12/11/2024</a:t>
+              <a:t>12/15/2024</a:t>
             </a:fld>
             <a:endParaRPr lang="en-US"/>
           </a:p>
@@ -1833,7 +1835,7 @@
           <a:p>
             <a:fld id="{CA113627-5753-4E5F-853E-B64920B5A820}" type="datetimeFigureOut">
               <a:rPr lang="en-US" smtClean="0"/>
-              <a:t>12/11/2024</a:t>
+              <a:t>12/15/2024</a:t>
             </a:fld>
             <a:endParaRPr lang="en-US"/>
           </a:p>
@@ -1974,7 +1976,7 @@
           <a:p>
             <a:fld id="{CA113627-5753-4E5F-853E-B64920B5A820}" type="datetimeFigureOut">
               <a:rPr lang="en-US" smtClean="0"/>
-              <a:t>12/11/2024</a:t>
+              <a:t>12/15/2024</a:t>
             </a:fld>
             <a:endParaRPr lang="en-US"/>
           </a:p>
@@ -2087,7 +2089,7 @@
           <a:p>
             <a:fld id="{CA113627-5753-4E5F-853E-B64920B5A820}" type="datetimeFigureOut">
               <a:rPr lang="en-US" smtClean="0"/>
-              <a:t>12/11/2024</a:t>
+              <a:t>12/15/2024</a:t>
             </a:fld>
             <a:endParaRPr lang="en-US"/>
           </a:p>
@@ -2398,7 +2400,7 @@
           <a:p>
             <a:fld id="{CA113627-5753-4E5F-853E-B64920B5A820}" type="datetimeFigureOut">
               <a:rPr lang="en-US" smtClean="0"/>
-              <a:t>12/11/2024</a:t>
+              <a:t>12/15/2024</a:t>
             </a:fld>
             <a:endParaRPr lang="en-US"/>
           </a:p>
@@ -2686,7 +2688,7 @@
           <a:p>
             <a:fld id="{CA113627-5753-4E5F-853E-B64920B5A820}" type="datetimeFigureOut">
               <a:rPr lang="en-US" smtClean="0"/>
-              <a:t>12/11/2024</a:t>
+              <a:t>12/15/2024</a:t>
             </a:fld>
             <a:endParaRPr lang="en-US"/>
           </a:p>
@@ -2927,7 +2929,7 @@
           <a:p>
             <a:fld id="{CA113627-5753-4E5F-853E-B64920B5A820}" type="datetimeFigureOut">
               <a:rPr lang="en-US" smtClean="0"/>
-              <a:t>12/11/2024</a:t>
+              <a:t>12/15/2024</a:t>
             </a:fld>
             <a:endParaRPr lang="en-US"/>
           </a:p>
@@ -19512,6 +19514,1114 @@
     <p:extLst>
       <p:ext uri="{BB962C8B-B14F-4D97-AF65-F5344CB8AC3E}">
         <p14:creationId xmlns:p14="http://schemas.microsoft.com/office/powerpoint/2010/main" val="3378319185"/>
+      </p:ext>
+    </p:extLst>
+  </p:cSld>
+  <p:clrMapOvr>
+    <a:masterClrMapping/>
+  </p:clrMapOvr>
+</p:sld>
+</file>
+
+<file path=ppt/slides/slide20.xml><?xml version="1.0" encoding="utf-8"?>
+<p:sld xmlns:a="http://schemas.openxmlformats.org/drawingml/2006/main" xmlns:r="http://schemas.openxmlformats.org/officeDocument/2006/relationships" xmlns:p="http://schemas.openxmlformats.org/presentationml/2006/main">
+  <p:cSld>
+    <p:spTree>
+      <p:nvGrpSpPr>
+        <p:cNvPr id="1" name="">
+          <a:extLst>
+            <a:ext uri="{FF2B5EF4-FFF2-40B4-BE49-F238E27FC236}">
+              <a16:creationId xmlns:a16="http://schemas.microsoft.com/office/drawing/2014/main" id="{D89B6515-C672-E369-E22F-8C8A93B0D3A1}"/>
+            </a:ext>
+          </a:extLst>
+        </p:cNvPr>
+        <p:cNvGrpSpPr/>
+        <p:nvPr/>
+      </p:nvGrpSpPr>
+      <p:grpSpPr>
+        <a:xfrm>
+          <a:off x="0" y="0"/>
+          <a:ext cx="0" cy="0"/>
+          <a:chOff x="0" y="0"/>
+          <a:chExt cx="0" cy="0"/>
+        </a:xfrm>
+      </p:grpSpPr>
+      <p:sp>
+        <p:nvSpPr>
+          <p:cNvPr id="58" name="TextBox 57">
+            <a:extLst>
+              <a:ext uri="{FF2B5EF4-FFF2-40B4-BE49-F238E27FC236}">
+                <a16:creationId xmlns:a16="http://schemas.microsoft.com/office/drawing/2014/main" id="{6B79B8F4-206F-042D-E212-B1171EE3B0FA}"/>
+              </a:ext>
+            </a:extLst>
+          </p:cNvPr>
+          <p:cNvSpPr txBox="1"/>
+          <p:nvPr/>
+        </p:nvSpPr>
+        <p:spPr>
+          <a:xfrm>
+            <a:off x="908966" y="4556684"/>
+            <a:ext cx="9781079" cy="461665"/>
+          </a:xfrm>
+          <a:prstGeom prst="rect">
+            <a:avLst/>
+          </a:prstGeom>
+          <a:noFill/>
+        </p:spPr>
+        <p:txBody>
+          <a:bodyPr wrap="square" rtlCol="0">
+            <a:spAutoFit/>
+          </a:bodyPr>
+          <a:lstStyle/>
+          <a:p>
+            <a:r>
+              <a:rPr lang="en-US" sz="2400" b="1" dirty="0"/>
+              <a:t>Fig.</a:t>
+            </a:r>
+            <a:r>
+              <a:rPr lang="en-US" sz="2400" dirty="0"/>
+              <a:t> 8.1 shows Python function definition and function call</a:t>
+            </a:r>
+          </a:p>
+        </p:txBody>
+      </p:sp>
+      <p:sp>
+        <p:nvSpPr>
+          <p:cNvPr id="36" name="TextBox 35">
+            <a:extLst>
+              <a:ext uri="{FF2B5EF4-FFF2-40B4-BE49-F238E27FC236}">
+                <a16:creationId xmlns:a16="http://schemas.microsoft.com/office/drawing/2014/main" id="{248E4E7B-F55F-A213-A6DC-012F8BCD3E7C}"/>
+              </a:ext>
+            </a:extLst>
+          </p:cNvPr>
+          <p:cNvSpPr txBox="1"/>
+          <p:nvPr/>
+        </p:nvSpPr>
+        <p:spPr>
+          <a:xfrm>
+            <a:off x="1660805" y="595998"/>
+            <a:ext cx="7292496" cy="4154984"/>
+          </a:xfrm>
+          <a:prstGeom prst="rect">
+            <a:avLst/>
+          </a:prstGeom>
+          <a:noFill/>
+        </p:spPr>
+        <p:txBody>
+          <a:bodyPr wrap="square">
+            <a:spAutoFit/>
+          </a:bodyPr>
+          <a:lstStyle/>
+          <a:p>
+            <a:br>
+              <a:rPr lang="en-US" sz="2400" b="0" dirty="0">
+                <a:solidFill>
+                  <a:srgbClr val="CCCCCC"/>
+                </a:solidFill>
+                <a:effectLst/>
+                <a:latin typeface="Consolas" panose="020B0609020204030204" pitchFamily="49" charset="0"/>
+              </a:rPr>
+            </a:br>
+            <a:r>
+              <a:rPr lang="en-US" sz="2400" b="0" dirty="0">
+                <a:solidFill>
+                  <a:srgbClr val="6A9955"/>
+                </a:solidFill>
+                <a:effectLst/>
+                <a:latin typeface="Consolas" panose="020B0609020204030204" pitchFamily="49" charset="0"/>
+              </a:rPr>
+              <a:t># Define a function</a:t>
+            </a:r>
+            <a:endParaRPr lang="en-US" sz="2400" b="0" dirty="0">
+              <a:solidFill>
+                <a:srgbClr val="CCCCCC"/>
+              </a:solidFill>
+              <a:effectLst/>
+              <a:latin typeface="Consolas" panose="020B0609020204030204" pitchFamily="49" charset="0"/>
+            </a:endParaRPr>
+          </a:p>
+          <a:p>
+            <a:r>
+              <a:rPr lang="en-US" sz="2400" b="0" dirty="0">
+                <a:solidFill>
+                  <a:srgbClr val="569CD6"/>
+                </a:solidFill>
+                <a:effectLst/>
+                <a:latin typeface="Consolas" panose="020B0609020204030204" pitchFamily="49" charset="0"/>
+              </a:rPr>
+              <a:t>def</a:t>
+            </a:r>
+            <a:r>
+              <a:rPr lang="en-US" sz="2400" b="0" dirty="0">
+                <a:solidFill>
+                  <a:srgbClr val="CCCCCC"/>
+                </a:solidFill>
+                <a:effectLst/>
+                <a:latin typeface="Consolas" panose="020B0609020204030204" pitchFamily="49" charset="0"/>
+              </a:rPr>
+              <a:t> </a:t>
+            </a:r>
+            <a:r>
+              <a:rPr lang="en-US" sz="2400" b="0" dirty="0">
+                <a:solidFill>
+                  <a:srgbClr val="DCDCAA"/>
+                </a:solidFill>
+                <a:effectLst/>
+                <a:latin typeface="Consolas" panose="020B0609020204030204" pitchFamily="49" charset="0"/>
+              </a:rPr>
+              <a:t>greet_user</a:t>
+            </a:r>
+            <a:r>
+              <a:rPr lang="en-US" sz="2400" b="0" dirty="0">
+                <a:solidFill>
+                  <a:srgbClr val="CCCCCC"/>
+                </a:solidFill>
+                <a:effectLst/>
+                <a:latin typeface="Consolas" panose="020B0609020204030204" pitchFamily="49" charset="0"/>
+              </a:rPr>
+              <a:t>():</a:t>
+            </a:r>
+          </a:p>
+          <a:p>
+            <a:r>
+              <a:rPr lang="en-US" sz="2400" b="0" dirty="0">
+                <a:solidFill>
+                  <a:srgbClr val="CCCCCC"/>
+                </a:solidFill>
+                <a:effectLst/>
+                <a:latin typeface="Consolas" panose="020B0609020204030204" pitchFamily="49" charset="0"/>
+              </a:rPr>
+              <a:t>    </a:t>
+            </a:r>
+            <a:r>
+              <a:rPr lang="en-US" sz="2400" b="0" dirty="0">
+                <a:solidFill>
+                  <a:srgbClr val="CE9178"/>
+                </a:solidFill>
+                <a:effectLst/>
+                <a:latin typeface="Consolas" panose="020B0609020204030204" pitchFamily="49" charset="0"/>
+              </a:rPr>
+              <a:t>"""Display a simple greeting."""</a:t>
+            </a:r>
+            <a:endParaRPr lang="en-US" sz="2400" b="0" dirty="0">
+              <a:solidFill>
+                <a:srgbClr val="CCCCCC"/>
+              </a:solidFill>
+              <a:effectLst/>
+              <a:latin typeface="Consolas" panose="020B0609020204030204" pitchFamily="49" charset="0"/>
+            </a:endParaRPr>
+          </a:p>
+          <a:p>
+            <a:r>
+              <a:rPr lang="en-US" sz="2400" b="0" dirty="0">
+                <a:solidFill>
+                  <a:srgbClr val="CCCCCC"/>
+                </a:solidFill>
+                <a:effectLst/>
+                <a:latin typeface="Consolas" panose="020B0609020204030204" pitchFamily="49" charset="0"/>
+              </a:rPr>
+              <a:t>    </a:t>
+            </a:r>
+            <a:r>
+              <a:rPr lang="en-US" sz="2400" b="0" dirty="0">
+                <a:solidFill>
+                  <a:srgbClr val="DCDCAA"/>
+                </a:solidFill>
+                <a:effectLst/>
+                <a:latin typeface="Consolas" panose="020B0609020204030204" pitchFamily="49" charset="0"/>
+              </a:rPr>
+              <a:t>print</a:t>
+            </a:r>
+            <a:r>
+              <a:rPr lang="en-US" sz="2400" b="0" dirty="0">
+                <a:solidFill>
+                  <a:srgbClr val="CCCCCC"/>
+                </a:solidFill>
+                <a:effectLst/>
+                <a:latin typeface="Consolas" panose="020B0609020204030204" pitchFamily="49" charset="0"/>
+              </a:rPr>
+              <a:t>(</a:t>
+            </a:r>
+            <a:r>
+              <a:rPr lang="en-US" sz="2400" b="0" dirty="0">
+                <a:solidFill>
+                  <a:srgbClr val="CE9178"/>
+                </a:solidFill>
+                <a:effectLst/>
+                <a:latin typeface="Consolas" panose="020B0609020204030204" pitchFamily="49" charset="0"/>
+              </a:rPr>
+              <a:t>"Hello!"</a:t>
+            </a:r>
+            <a:r>
+              <a:rPr lang="en-US" sz="2400" b="0" dirty="0">
+                <a:solidFill>
+                  <a:srgbClr val="CCCCCC"/>
+                </a:solidFill>
+                <a:effectLst/>
+                <a:latin typeface="Consolas" panose="020B0609020204030204" pitchFamily="49" charset="0"/>
+              </a:rPr>
+              <a:t>)</a:t>
+            </a:r>
+          </a:p>
+          <a:p>
+            <a:br>
+              <a:rPr lang="en-US" sz="2400" b="0" dirty="0">
+                <a:solidFill>
+                  <a:srgbClr val="CCCCCC"/>
+                </a:solidFill>
+                <a:effectLst/>
+                <a:latin typeface="Consolas" panose="020B0609020204030204" pitchFamily="49" charset="0"/>
+              </a:rPr>
+            </a:br>
+            <a:r>
+              <a:rPr lang="en-US" sz="2400" b="0" dirty="0">
+                <a:solidFill>
+                  <a:srgbClr val="6A9955"/>
+                </a:solidFill>
+                <a:effectLst/>
+                <a:latin typeface="Consolas" panose="020B0609020204030204" pitchFamily="49" charset="0"/>
+              </a:rPr>
+              <a:t># calling the function</a:t>
+            </a:r>
+            <a:endParaRPr lang="en-US" sz="2400" b="0" dirty="0">
+              <a:solidFill>
+                <a:srgbClr val="CCCCCC"/>
+              </a:solidFill>
+              <a:effectLst/>
+              <a:latin typeface="Consolas" panose="020B0609020204030204" pitchFamily="49" charset="0"/>
+            </a:endParaRPr>
+          </a:p>
+          <a:p>
+            <a:r>
+              <a:rPr lang="en-US" sz="2400" b="0" dirty="0">
+                <a:solidFill>
+                  <a:srgbClr val="DCDCAA"/>
+                </a:solidFill>
+                <a:effectLst/>
+                <a:latin typeface="Consolas" panose="020B0609020204030204" pitchFamily="49" charset="0"/>
+              </a:rPr>
+              <a:t>greet_user</a:t>
+            </a:r>
+            <a:r>
+              <a:rPr lang="en-US" sz="2400" b="0" dirty="0">
+                <a:solidFill>
+                  <a:srgbClr val="CCCCCC"/>
+                </a:solidFill>
+                <a:effectLst/>
+                <a:latin typeface="Consolas" panose="020B0609020204030204" pitchFamily="49" charset="0"/>
+              </a:rPr>
+              <a:t>()</a:t>
+            </a:r>
+          </a:p>
+          <a:p>
+            <a:endParaRPr lang="en-US" sz="2400" b="0" dirty="0">
+              <a:solidFill>
+                <a:srgbClr val="DCDCAA"/>
+              </a:solidFill>
+              <a:effectLst/>
+              <a:latin typeface="Consolas" panose="020B0609020204030204" pitchFamily="49" charset="0"/>
+            </a:endParaRPr>
+          </a:p>
+          <a:p>
+            <a:r>
+              <a:rPr lang="en-US" sz="2400" b="0" dirty="0">
+                <a:solidFill>
+                  <a:srgbClr val="DCDCAA"/>
+                </a:solidFill>
+                <a:effectLst/>
+                <a:latin typeface="Consolas" panose="020B0609020204030204" pitchFamily="49" charset="0"/>
+              </a:rPr>
+              <a:t>print</a:t>
+            </a:r>
+            <a:r>
+              <a:rPr lang="en-US" sz="2400" b="0" dirty="0">
+                <a:solidFill>
+                  <a:srgbClr val="CCCCCC"/>
+                </a:solidFill>
+                <a:effectLst/>
+                <a:latin typeface="Consolas" panose="020B0609020204030204" pitchFamily="49" charset="0"/>
+              </a:rPr>
+              <a:t>(</a:t>
+            </a:r>
+            <a:r>
+              <a:rPr lang="en-US" sz="2400" b="0" dirty="0">
+                <a:solidFill>
+                  <a:srgbClr val="CE9178"/>
+                </a:solidFill>
+                <a:effectLst/>
+                <a:latin typeface="Consolas" panose="020B0609020204030204" pitchFamily="49" charset="0"/>
+              </a:rPr>
+              <a:t>"Outside the function"</a:t>
+            </a:r>
+            <a:r>
+              <a:rPr lang="en-US" sz="2400" b="0" dirty="0">
+                <a:solidFill>
+                  <a:srgbClr val="CCCCCC"/>
+                </a:solidFill>
+                <a:effectLst/>
+                <a:latin typeface="Consolas" panose="020B0609020204030204" pitchFamily="49" charset="0"/>
+              </a:rPr>
+              <a:t>)</a:t>
+            </a:r>
+          </a:p>
+          <a:p>
+            <a:endParaRPr lang="en-US" sz="2400" b="0" dirty="0">
+              <a:solidFill>
+                <a:srgbClr val="CCCCCC"/>
+              </a:solidFill>
+              <a:effectLst/>
+              <a:latin typeface="Consolas" panose="020B0609020204030204" pitchFamily="49" charset="0"/>
+            </a:endParaRPr>
+          </a:p>
+        </p:txBody>
+      </p:sp>
+      <p:cxnSp>
+        <p:nvCxnSpPr>
+          <p:cNvPr id="2" name="Connector: Elbow 1">
+            <a:extLst>
+              <a:ext uri="{FF2B5EF4-FFF2-40B4-BE49-F238E27FC236}">
+                <a16:creationId xmlns:a16="http://schemas.microsoft.com/office/drawing/2014/main" id="{9B64A319-9A59-EAB0-909D-A124088113A0}"/>
+              </a:ext>
+            </a:extLst>
+          </p:cNvPr>
+          <p:cNvCxnSpPr>
+            <a:cxnSpLocks/>
+          </p:cNvCxnSpPr>
+          <p:nvPr/>
+        </p:nvCxnSpPr>
+        <p:spPr>
+          <a:xfrm flipV="1">
+            <a:off x="3728714" y="1575306"/>
+            <a:ext cx="853441" cy="1820987"/>
+          </a:xfrm>
+          <a:prstGeom prst="bentConnector3">
+            <a:avLst>
+              <a:gd name="adj1" fmla="val 491071"/>
+            </a:avLst>
+          </a:prstGeom>
+          <a:ln w="28575">
+            <a:solidFill>
+              <a:schemeClr val="accent1"/>
+            </a:solidFill>
+            <a:tailEnd type="triangle"/>
+          </a:ln>
+        </p:spPr>
+        <p:style>
+          <a:lnRef idx="1">
+            <a:schemeClr val="accent1"/>
+          </a:lnRef>
+          <a:fillRef idx="0">
+            <a:schemeClr val="accent1"/>
+          </a:fillRef>
+          <a:effectRef idx="0">
+            <a:schemeClr val="accent1"/>
+          </a:effectRef>
+          <a:fontRef idx="minor">
+            <a:schemeClr val="tx1"/>
+          </a:fontRef>
+        </p:style>
+      </p:cxnSp>
+      <p:cxnSp>
+        <p:nvCxnSpPr>
+          <p:cNvPr id="11" name="Straight Arrow Connector 10">
+            <a:extLst>
+              <a:ext uri="{FF2B5EF4-FFF2-40B4-BE49-F238E27FC236}">
+                <a16:creationId xmlns:a16="http://schemas.microsoft.com/office/drawing/2014/main" id="{50992CDD-E9F7-6814-BC90-320F3697E2BF}"/>
+              </a:ext>
+            </a:extLst>
+          </p:cNvPr>
+          <p:cNvCxnSpPr/>
+          <p:nvPr/>
+        </p:nvCxnSpPr>
+        <p:spPr>
+          <a:xfrm>
+            <a:off x="1457605" y="1486972"/>
+            <a:ext cx="0" cy="1005840"/>
+          </a:xfrm>
+          <a:prstGeom prst="straightConnector1">
+            <a:avLst/>
+          </a:prstGeom>
+          <a:ln w="28575">
+            <a:solidFill>
+              <a:schemeClr val="accent1"/>
+            </a:solidFill>
+            <a:tailEnd type="triangle"/>
+          </a:ln>
+        </p:spPr>
+        <p:style>
+          <a:lnRef idx="1">
+            <a:schemeClr val="accent1"/>
+          </a:lnRef>
+          <a:fillRef idx="0">
+            <a:schemeClr val="accent1"/>
+          </a:fillRef>
+          <a:effectRef idx="0">
+            <a:schemeClr val="accent1"/>
+          </a:effectRef>
+          <a:fontRef idx="minor">
+            <a:schemeClr val="tx1"/>
+          </a:fontRef>
+        </p:style>
+      </p:cxnSp>
+      <p:cxnSp>
+        <p:nvCxnSpPr>
+          <p:cNvPr id="12" name="Connector: Elbow 11">
+            <a:extLst>
+              <a:ext uri="{FF2B5EF4-FFF2-40B4-BE49-F238E27FC236}">
+                <a16:creationId xmlns:a16="http://schemas.microsoft.com/office/drawing/2014/main" id="{F50D1E03-2807-D5BE-B5EC-33D245BDB69F}"/>
+              </a:ext>
+            </a:extLst>
+          </p:cNvPr>
+          <p:cNvCxnSpPr>
+            <a:cxnSpLocks/>
+          </p:cNvCxnSpPr>
+          <p:nvPr/>
+        </p:nvCxnSpPr>
+        <p:spPr>
+          <a:xfrm rot="5400000">
+            <a:off x="1353290" y="2969433"/>
+            <a:ext cx="1488790" cy="812800"/>
+          </a:xfrm>
+          <a:prstGeom prst="bentConnector4">
+            <a:avLst>
+              <a:gd name="adj1" fmla="val -670"/>
+              <a:gd name="adj2" fmla="val 128125"/>
+            </a:avLst>
+          </a:prstGeom>
+          <a:ln w="28575">
+            <a:solidFill>
+              <a:schemeClr val="accent1"/>
+            </a:solidFill>
+            <a:tailEnd type="triangle"/>
+          </a:ln>
+        </p:spPr>
+        <p:style>
+          <a:lnRef idx="1">
+            <a:schemeClr val="accent1"/>
+          </a:lnRef>
+          <a:fillRef idx="0">
+            <a:schemeClr val="accent1"/>
+          </a:fillRef>
+          <a:effectRef idx="0">
+            <a:schemeClr val="accent1"/>
+          </a:effectRef>
+          <a:fontRef idx="minor">
+            <a:schemeClr val="tx1"/>
+          </a:fontRef>
+        </p:style>
+      </p:cxnSp>
+      <p:sp>
+        <p:nvSpPr>
+          <p:cNvPr id="25" name="Oval 24">
+            <a:extLst>
+              <a:ext uri="{FF2B5EF4-FFF2-40B4-BE49-F238E27FC236}">
+                <a16:creationId xmlns:a16="http://schemas.microsoft.com/office/drawing/2014/main" id="{F3A2F388-56FA-B75B-3CA5-3216FF7271E6}"/>
+              </a:ext>
+            </a:extLst>
+          </p:cNvPr>
+          <p:cNvSpPr/>
+          <p:nvPr/>
+        </p:nvSpPr>
+        <p:spPr>
+          <a:xfrm>
+            <a:off x="7993181" y="2264212"/>
+            <a:ext cx="457200" cy="457200"/>
+          </a:xfrm>
+          <a:prstGeom prst="ellipse">
+            <a:avLst/>
+          </a:prstGeom>
+        </p:spPr>
+        <p:style>
+          <a:lnRef idx="2">
+            <a:schemeClr val="accent1">
+              <a:shade val="15000"/>
+            </a:schemeClr>
+          </a:lnRef>
+          <a:fillRef idx="1">
+            <a:schemeClr val="accent1"/>
+          </a:fillRef>
+          <a:effectRef idx="0">
+            <a:schemeClr val="accent1"/>
+          </a:effectRef>
+          <a:fontRef idx="minor">
+            <a:schemeClr val="lt1"/>
+          </a:fontRef>
+        </p:style>
+        <p:txBody>
+          <a:bodyPr rtlCol="0" anchor="ctr"/>
+          <a:lstStyle/>
+          <a:p>
+            <a:pPr algn="ctr"/>
+            <a:r>
+              <a:rPr lang="en-US" dirty="0"/>
+              <a:t>1</a:t>
+            </a:r>
+          </a:p>
+        </p:txBody>
+      </p:sp>
+      <p:sp>
+        <p:nvSpPr>
+          <p:cNvPr id="26" name="Oval 25">
+            <a:extLst>
+              <a:ext uri="{FF2B5EF4-FFF2-40B4-BE49-F238E27FC236}">
+                <a16:creationId xmlns:a16="http://schemas.microsoft.com/office/drawing/2014/main" id="{D9F8F1A7-4CDE-64C9-8787-1D177E86A1E8}"/>
+              </a:ext>
+            </a:extLst>
+          </p:cNvPr>
+          <p:cNvSpPr/>
+          <p:nvPr/>
+        </p:nvSpPr>
+        <p:spPr>
+          <a:xfrm>
+            <a:off x="908966" y="1761292"/>
+            <a:ext cx="457200" cy="457200"/>
+          </a:xfrm>
+          <a:prstGeom prst="ellipse">
+            <a:avLst/>
+          </a:prstGeom>
+        </p:spPr>
+        <p:style>
+          <a:lnRef idx="2">
+            <a:schemeClr val="accent1">
+              <a:shade val="15000"/>
+            </a:schemeClr>
+          </a:lnRef>
+          <a:fillRef idx="1">
+            <a:schemeClr val="accent1"/>
+          </a:fillRef>
+          <a:effectRef idx="0">
+            <a:schemeClr val="accent1"/>
+          </a:effectRef>
+          <a:fontRef idx="minor">
+            <a:schemeClr val="lt1"/>
+          </a:fontRef>
+        </p:style>
+        <p:txBody>
+          <a:bodyPr rtlCol="0" anchor="ctr"/>
+          <a:lstStyle/>
+          <a:p>
+            <a:pPr algn="ctr"/>
+            <a:r>
+              <a:rPr lang="en-US" dirty="0"/>
+              <a:t>2</a:t>
+            </a:r>
+          </a:p>
+        </p:txBody>
+      </p:sp>
+      <p:sp>
+        <p:nvSpPr>
+          <p:cNvPr id="27" name="Oval 26">
+            <a:extLst>
+              <a:ext uri="{FF2B5EF4-FFF2-40B4-BE49-F238E27FC236}">
+                <a16:creationId xmlns:a16="http://schemas.microsoft.com/office/drawing/2014/main" id="{D18BFF58-FA40-FA39-30D6-B08F1DE6BB60}"/>
+              </a:ext>
+            </a:extLst>
+          </p:cNvPr>
+          <p:cNvSpPr/>
+          <p:nvPr/>
+        </p:nvSpPr>
+        <p:spPr>
+          <a:xfrm>
+            <a:off x="919126" y="3130721"/>
+            <a:ext cx="457200" cy="457200"/>
+          </a:xfrm>
+          <a:prstGeom prst="ellipse">
+            <a:avLst/>
+          </a:prstGeom>
+        </p:spPr>
+        <p:style>
+          <a:lnRef idx="2">
+            <a:schemeClr val="accent1">
+              <a:shade val="15000"/>
+            </a:schemeClr>
+          </a:lnRef>
+          <a:fillRef idx="1">
+            <a:schemeClr val="accent1"/>
+          </a:fillRef>
+          <a:effectRef idx="0">
+            <a:schemeClr val="accent1"/>
+          </a:effectRef>
+          <a:fontRef idx="minor">
+            <a:schemeClr val="lt1"/>
+          </a:fontRef>
+        </p:style>
+        <p:txBody>
+          <a:bodyPr rtlCol="0" anchor="ctr"/>
+          <a:lstStyle/>
+          <a:p>
+            <a:pPr algn="ctr"/>
+            <a:r>
+              <a:rPr lang="en-US" dirty="0"/>
+              <a:t>3</a:t>
+            </a:r>
+          </a:p>
+        </p:txBody>
+      </p:sp>
+    </p:spTree>
+    <p:extLst>
+      <p:ext uri="{BB962C8B-B14F-4D97-AF65-F5344CB8AC3E}">
+        <p14:creationId xmlns:p14="http://schemas.microsoft.com/office/powerpoint/2010/main" val="1837038640"/>
+      </p:ext>
+    </p:extLst>
+  </p:cSld>
+  <p:clrMapOvr>
+    <a:masterClrMapping/>
+  </p:clrMapOvr>
+</p:sld>
+</file>
+
+<file path=ppt/slides/slide21.xml><?xml version="1.0" encoding="utf-8"?>
+<p:sld xmlns:a="http://schemas.openxmlformats.org/drawingml/2006/main" xmlns:r="http://schemas.openxmlformats.org/officeDocument/2006/relationships" xmlns:p="http://schemas.openxmlformats.org/presentationml/2006/main">
+  <p:cSld>
+    <p:spTree>
+      <p:nvGrpSpPr>
+        <p:cNvPr id="1" name="">
+          <a:extLst>
+            <a:ext uri="{FF2B5EF4-FFF2-40B4-BE49-F238E27FC236}">
+              <a16:creationId xmlns:a16="http://schemas.microsoft.com/office/drawing/2014/main" id="{7361530D-D820-3BEF-05C5-87E86696BDA8}"/>
+            </a:ext>
+          </a:extLst>
+        </p:cNvPr>
+        <p:cNvGrpSpPr/>
+        <p:nvPr/>
+      </p:nvGrpSpPr>
+      <p:grpSpPr>
+        <a:xfrm>
+          <a:off x="0" y="0"/>
+          <a:ext cx="0" cy="0"/>
+          <a:chOff x="0" y="0"/>
+          <a:chExt cx="0" cy="0"/>
+        </a:xfrm>
+      </p:grpSpPr>
+      <p:sp>
+        <p:nvSpPr>
+          <p:cNvPr id="58" name="TextBox 57">
+            <a:extLst>
+              <a:ext uri="{FF2B5EF4-FFF2-40B4-BE49-F238E27FC236}">
+                <a16:creationId xmlns:a16="http://schemas.microsoft.com/office/drawing/2014/main" id="{0F0BB1EC-9E6F-A26F-B134-3E71C21C3D81}"/>
+              </a:ext>
+            </a:extLst>
+          </p:cNvPr>
+          <p:cNvSpPr txBox="1"/>
+          <p:nvPr/>
+        </p:nvSpPr>
+        <p:spPr>
+          <a:xfrm>
+            <a:off x="1345846" y="3318453"/>
+            <a:ext cx="9781079" cy="461665"/>
+          </a:xfrm>
+          <a:prstGeom prst="rect">
+            <a:avLst/>
+          </a:prstGeom>
+          <a:noFill/>
+        </p:spPr>
+        <p:txBody>
+          <a:bodyPr wrap="square" rtlCol="0">
+            <a:spAutoFit/>
+          </a:bodyPr>
+          <a:lstStyle/>
+          <a:p>
+            <a:r>
+              <a:rPr lang="en-US" sz="2400" b="1" dirty="0"/>
+              <a:t>Fig.</a:t>
+            </a:r>
+            <a:r>
+              <a:rPr lang="en-US" sz="2400" dirty="0"/>
+              <a:t> 8.2 Passing Information to a Function </a:t>
+            </a:r>
+          </a:p>
+        </p:txBody>
+      </p:sp>
+      <p:sp>
+        <p:nvSpPr>
+          <p:cNvPr id="36" name="TextBox 35">
+            <a:extLst>
+              <a:ext uri="{FF2B5EF4-FFF2-40B4-BE49-F238E27FC236}">
+                <a16:creationId xmlns:a16="http://schemas.microsoft.com/office/drawing/2014/main" id="{87B290F2-9BB2-AB0B-6343-7EFDAA9BF2FD}"/>
+              </a:ext>
+            </a:extLst>
+          </p:cNvPr>
+          <p:cNvSpPr txBox="1"/>
+          <p:nvPr/>
+        </p:nvSpPr>
+        <p:spPr>
+          <a:xfrm>
+            <a:off x="1660805" y="595998"/>
+            <a:ext cx="7292496" cy="2308324"/>
+          </a:xfrm>
+          <a:prstGeom prst="rect">
+            <a:avLst/>
+          </a:prstGeom>
+          <a:noFill/>
+        </p:spPr>
+        <p:txBody>
+          <a:bodyPr wrap="square">
+            <a:spAutoFit/>
+          </a:bodyPr>
+          <a:lstStyle/>
+          <a:p>
+            <a:r>
+              <a:rPr lang="en-US" sz="2400" b="0" dirty="0">
+                <a:solidFill>
+                  <a:srgbClr val="569CD6"/>
+                </a:solidFill>
+                <a:effectLst/>
+                <a:latin typeface="Consolas" panose="020B0609020204030204" pitchFamily="49" charset="0"/>
+              </a:rPr>
+              <a:t>def</a:t>
+            </a:r>
+            <a:r>
+              <a:rPr lang="en-US" sz="2400" b="0" dirty="0">
+                <a:solidFill>
+                  <a:srgbClr val="CCCCCC"/>
+                </a:solidFill>
+                <a:effectLst/>
+                <a:latin typeface="Consolas" panose="020B0609020204030204" pitchFamily="49" charset="0"/>
+              </a:rPr>
+              <a:t> </a:t>
+            </a:r>
+            <a:r>
+              <a:rPr lang="en-US" sz="2400" b="0" dirty="0">
+                <a:solidFill>
+                  <a:srgbClr val="DCDCAA"/>
+                </a:solidFill>
+                <a:effectLst/>
+                <a:latin typeface="Consolas" panose="020B0609020204030204" pitchFamily="49" charset="0"/>
+              </a:rPr>
+              <a:t>greet_user</a:t>
+            </a:r>
+            <a:r>
+              <a:rPr lang="en-US" sz="2400" b="0" dirty="0">
+                <a:solidFill>
+                  <a:srgbClr val="CCCCCC"/>
+                </a:solidFill>
+                <a:effectLst/>
+                <a:latin typeface="Consolas" panose="020B0609020204030204" pitchFamily="49" charset="0"/>
+              </a:rPr>
+              <a:t>(</a:t>
+            </a:r>
+            <a:r>
+              <a:rPr lang="en-US" sz="2400" b="0" dirty="0">
+                <a:solidFill>
+                  <a:srgbClr val="9CDCFE"/>
+                </a:solidFill>
+                <a:effectLst/>
+                <a:latin typeface="Consolas" panose="020B0609020204030204" pitchFamily="49" charset="0"/>
+              </a:rPr>
+              <a:t>username</a:t>
+            </a:r>
+            <a:r>
+              <a:rPr lang="en-US" sz="2400" b="0" dirty="0">
+                <a:solidFill>
+                  <a:srgbClr val="CCCCCC"/>
+                </a:solidFill>
+                <a:effectLst/>
+                <a:latin typeface="Consolas" panose="020B0609020204030204" pitchFamily="49" charset="0"/>
+              </a:rPr>
+              <a:t>):</a:t>
+            </a:r>
+          </a:p>
+          <a:p>
+            <a:r>
+              <a:rPr lang="en-US" sz="2400" b="0" dirty="0">
+                <a:solidFill>
+                  <a:srgbClr val="CCCCCC"/>
+                </a:solidFill>
+                <a:effectLst/>
+                <a:latin typeface="Consolas" panose="020B0609020204030204" pitchFamily="49" charset="0"/>
+              </a:rPr>
+              <a:t>    </a:t>
+            </a:r>
+            <a:r>
+              <a:rPr lang="en-US" sz="2400" b="0" dirty="0">
+                <a:solidFill>
+                  <a:srgbClr val="CE9178"/>
+                </a:solidFill>
+                <a:effectLst/>
+                <a:latin typeface="Consolas" panose="020B0609020204030204" pitchFamily="49" charset="0"/>
+              </a:rPr>
+              <a:t>"""Display a simple greeting."""</a:t>
+            </a:r>
+            <a:endParaRPr lang="en-US" sz="2400" b="0" dirty="0">
+              <a:solidFill>
+                <a:srgbClr val="CCCCCC"/>
+              </a:solidFill>
+              <a:effectLst/>
+              <a:latin typeface="Consolas" panose="020B0609020204030204" pitchFamily="49" charset="0"/>
+            </a:endParaRPr>
+          </a:p>
+          <a:p>
+            <a:r>
+              <a:rPr lang="en-US" sz="2400" b="0" dirty="0">
+                <a:solidFill>
+                  <a:srgbClr val="CCCCCC"/>
+                </a:solidFill>
+                <a:effectLst/>
+                <a:latin typeface="Consolas" panose="020B0609020204030204" pitchFamily="49" charset="0"/>
+              </a:rPr>
+              <a:t>    </a:t>
+            </a:r>
+            <a:r>
+              <a:rPr lang="en-US" sz="2400" b="0" dirty="0">
+                <a:solidFill>
+                  <a:srgbClr val="DCDCAA"/>
+                </a:solidFill>
+                <a:effectLst/>
+                <a:latin typeface="Consolas" panose="020B0609020204030204" pitchFamily="49" charset="0"/>
+              </a:rPr>
+              <a:t>print</a:t>
+            </a:r>
+            <a:r>
+              <a:rPr lang="en-US" sz="2400" b="0" dirty="0">
+                <a:solidFill>
+                  <a:srgbClr val="CCCCCC"/>
+                </a:solidFill>
+                <a:effectLst/>
+                <a:latin typeface="Consolas" panose="020B0609020204030204" pitchFamily="49" charset="0"/>
+              </a:rPr>
+              <a:t>(</a:t>
+            </a:r>
+            <a:r>
+              <a:rPr lang="en-US" sz="2400" b="0" dirty="0" err="1">
+                <a:solidFill>
+                  <a:srgbClr val="569CD6"/>
+                </a:solidFill>
+                <a:effectLst/>
+                <a:latin typeface="Consolas" panose="020B0609020204030204" pitchFamily="49" charset="0"/>
+              </a:rPr>
+              <a:t>f</a:t>
+            </a:r>
+            <a:r>
+              <a:rPr lang="en-US" sz="2400" b="0" dirty="0" err="1">
+                <a:solidFill>
+                  <a:srgbClr val="CE9178"/>
+                </a:solidFill>
+                <a:effectLst/>
+                <a:latin typeface="Consolas" panose="020B0609020204030204" pitchFamily="49" charset="0"/>
+              </a:rPr>
+              <a:t>"Hello</a:t>
+            </a:r>
+            <a:r>
+              <a:rPr lang="en-US" sz="2400" b="0" dirty="0">
+                <a:solidFill>
+                  <a:srgbClr val="CE9178"/>
+                </a:solidFill>
+                <a:effectLst/>
+                <a:latin typeface="Consolas" panose="020B0609020204030204" pitchFamily="49" charset="0"/>
+              </a:rPr>
+              <a:t>, </a:t>
+            </a:r>
+            <a:r>
+              <a:rPr lang="en-US" sz="2400" b="0" dirty="0">
+                <a:solidFill>
+                  <a:srgbClr val="569CD6"/>
+                </a:solidFill>
+                <a:effectLst/>
+                <a:latin typeface="Consolas" panose="020B0609020204030204" pitchFamily="49" charset="0"/>
+              </a:rPr>
+              <a:t>{</a:t>
+            </a:r>
+            <a:r>
+              <a:rPr lang="en-US" sz="2400" b="0" dirty="0" err="1">
+                <a:solidFill>
+                  <a:srgbClr val="9CDCFE"/>
+                </a:solidFill>
+                <a:effectLst/>
+                <a:latin typeface="Consolas" panose="020B0609020204030204" pitchFamily="49" charset="0"/>
+              </a:rPr>
+              <a:t>username</a:t>
+            </a:r>
+            <a:r>
+              <a:rPr lang="en-US" sz="2400" b="0" dirty="0" err="1">
+                <a:solidFill>
+                  <a:srgbClr val="CCCCCC"/>
+                </a:solidFill>
+                <a:effectLst/>
+                <a:latin typeface="Consolas" panose="020B0609020204030204" pitchFamily="49" charset="0"/>
+              </a:rPr>
+              <a:t>.title</a:t>
+            </a:r>
+            <a:r>
+              <a:rPr lang="en-US" sz="2400" b="0" dirty="0">
+                <a:solidFill>
+                  <a:srgbClr val="CCCCCC"/>
+                </a:solidFill>
+                <a:effectLst/>
+                <a:latin typeface="Consolas" panose="020B0609020204030204" pitchFamily="49" charset="0"/>
+              </a:rPr>
+              <a:t>()</a:t>
+            </a:r>
+            <a:r>
+              <a:rPr lang="en-US" sz="2400" b="0" dirty="0">
+                <a:solidFill>
+                  <a:srgbClr val="569CD6"/>
+                </a:solidFill>
+                <a:effectLst/>
+                <a:latin typeface="Consolas" panose="020B0609020204030204" pitchFamily="49" charset="0"/>
+              </a:rPr>
+              <a:t>}</a:t>
+            </a:r>
+            <a:r>
+              <a:rPr lang="en-US" sz="2400" b="0" dirty="0">
+                <a:solidFill>
+                  <a:srgbClr val="CE9178"/>
+                </a:solidFill>
+                <a:effectLst/>
+                <a:latin typeface="Consolas" panose="020B0609020204030204" pitchFamily="49" charset="0"/>
+              </a:rPr>
+              <a:t>!"</a:t>
+            </a:r>
+            <a:r>
+              <a:rPr lang="en-US" sz="2400" b="0" dirty="0">
+                <a:solidFill>
+                  <a:srgbClr val="CCCCCC"/>
+                </a:solidFill>
+                <a:effectLst/>
+                <a:latin typeface="Consolas" panose="020B0609020204030204" pitchFamily="49" charset="0"/>
+              </a:rPr>
+              <a:t>)</a:t>
+            </a:r>
+          </a:p>
+          <a:p>
+            <a:br>
+              <a:rPr lang="en-US" sz="2400" b="0" dirty="0">
+                <a:solidFill>
+                  <a:srgbClr val="CCCCCC"/>
+                </a:solidFill>
+                <a:effectLst/>
+                <a:latin typeface="Consolas" panose="020B0609020204030204" pitchFamily="49" charset="0"/>
+              </a:rPr>
+            </a:br>
+            <a:r>
+              <a:rPr lang="en-US" sz="2400" b="0" dirty="0">
+                <a:solidFill>
+                  <a:srgbClr val="DCDCAA"/>
+                </a:solidFill>
+                <a:effectLst/>
+                <a:latin typeface="Consolas" panose="020B0609020204030204" pitchFamily="49" charset="0"/>
+              </a:rPr>
+              <a:t>greet_user</a:t>
+            </a:r>
+            <a:r>
+              <a:rPr lang="en-US" sz="2400" b="0" dirty="0">
+                <a:solidFill>
+                  <a:srgbClr val="CCCCCC"/>
+                </a:solidFill>
+                <a:effectLst/>
+                <a:latin typeface="Consolas" panose="020B0609020204030204" pitchFamily="49" charset="0"/>
+              </a:rPr>
+              <a:t>(</a:t>
+            </a:r>
+            <a:r>
+              <a:rPr lang="en-US" sz="2400" b="0" dirty="0">
+                <a:solidFill>
+                  <a:srgbClr val="CE9178"/>
+                </a:solidFill>
+                <a:effectLst/>
+                <a:latin typeface="Consolas" panose="020B0609020204030204" pitchFamily="49" charset="0"/>
+              </a:rPr>
+              <a:t>'</a:t>
+            </a:r>
+            <a:r>
+              <a:rPr lang="en-US" sz="2400" b="0" dirty="0" err="1">
+                <a:solidFill>
+                  <a:srgbClr val="CE9178"/>
+                </a:solidFill>
+                <a:effectLst/>
+                <a:latin typeface="Consolas" panose="020B0609020204030204" pitchFamily="49" charset="0"/>
+              </a:rPr>
+              <a:t>jesse</a:t>
+            </a:r>
+            <a:r>
+              <a:rPr lang="en-US" sz="2400" b="0" dirty="0">
+                <a:solidFill>
+                  <a:srgbClr val="CE9178"/>
+                </a:solidFill>
+                <a:effectLst/>
+                <a:latin typeface="Consolas" panose="020B0609020204030204" pitchFamily="49" charset="0"/>
+              </a:rPr>
+              <a:t>'</a:t>
+            </a:r>
+            <a:r>
+              <a:rPr lang="en-US" sz="2400" b="0" dirty="0">
+                <a:solidFill>
+                  <a:srgbClr val="CCCCCC"/>
+                </a:solidFill>
+                <a:effectLst/>
+                <a:latin typeface="Consolas" panose="020B0609020204030204" pitchFamily="49" charset="0"/>
+              </a:rPr>
+              <a:t>)</a:t>
+            </a:r>
+          </a:p>
+          <a:p>
+            <a:endParaRPr lang="en-US" sz="2400" b="0" dirty="0">
+              <a:solidFill>
+                <a:srgbClr val="CCCCCC"/>
+              </a:solidFill>
+              <a:effectLst/>
+              <a:latin typeface="Consolas" panose="020B0609020204030204" pitchFamily="49" charset="0"/>
+            </a:endParaRPr>
+          </a:p>
+        </p:txBody>
+      </p:sp>
+      <p:sp>
+        <p:nvSpPr>
+          <p:cNvPr id="5" name="Arc 4">
+            <a:extLst>
+              <a:ext uri="{FF2B5EF4-FFF2-40B4-BE49-F238E27FC236}">
+                <a16:creationId xmlns:a16="http://schemas.microsoft.com/office/drawing/2014/main" id="{CA4D697B-E32E-A696-BE6E-2ED33229EC2C}"/>
+              </a:ext>
+            </a:extLst>
+          </p:cNvPr>
+          <p:cNvSpPr/>
+          <p:nvPr/>
+        </p:nvSpPr>
+        <p:spPr>
+          <a:xfrm flipV="1">
+            <a:off x="4358641" y="181867"/>
+            <a:ext cx="4704080" cy="2934213"/>
+          </a:xfrm>
+          <a:prstGeom prst="arc">
+            <a:avLst>
+              <a:gd name="adj1" fmla="val 11948294"/>
+              <a:gd name="adj2" fmla="val 9155440"/>
+            </a:avLst>
+          </a:prstGeom>
+          <a:ln w="28575">
+            <a:solidFill>
+              <a:schemeClr val="accent1"/>
+            </a:solidFill>
+            <a:headEnd type="none" w="med" len="med"/>
+            <a:tailEnd type="arrow" w="med" len="med"/>
+          </a:ln>
+        </p:spPr>
+        <p:style>
+          <a:lnRef idx="1">
+            <a:schemeClr val="accent1"/>
+          </a:lnRef>
+          <a:fillRef idx="0">
+            <a:schemeClr val="accent1"/>
+          </a:fillRef>
+          <a:effectRef idx="0">
+            <a:schemeClr val="accent1"/>
+          </a:effectRef>
+          <a:fontRef idx="minor">
+            <a:schemeClr val="tx1"/>
+          </a:fontRef>
+        </p:style>
+        <p:txBody>
+          <a:bodyPr rtlCol="0" anchor="ctr"/>
+          <a:lstStyle/>
+          <a:p>
+            <a:pPr algn="ctr"/>
+            <a:endParaRPr lang="en-US"/>
+          </a:p>
+        </p:txBody>
+      </p:sp>
+    </p:spTree>
+    <p:extLst>
+      <p:ext uri="{BB962C8B-B14F-4D97-AF65-F5344CB8AC3E}">
+        <p14:creationId xmlns:p14="http://schemas.microsoft.com/office/powerpoint/2010/main" val="2200235430"/>
       </p:ext>
     </p:extLst>
   </p:cSld>

--- a/assets/diagrams_pool.pptx
+++ b/assets/diagrams_pool.pptx
@@ -26,6 +26,10 @@
     <p:sldId id="276" r:id="rId20"/>
     <p:sldId id="278" r:id="rId21"/>
     <p:sldId id="279" r:id="rId22"/>
+    <p:sldId id="280" r:id="rId23"/>
+    <p:sldId id="281" r:id="rId24"/>
+    <p:sldId id="283" r:id="rId25"/>
+    <p:sldId id="282" r:id="rId26"/>
   </p:sldIdLst>
   <p:sldSz cx="12192000" cy="6858000"/>
   <p:notesSz cx="7315200" cy="9601200"/>
@@ -279,7 +283,7 @@
           <a:p>
             <a:fld id="{CA113627-5753-4E5F-853E-B64920B5A820}" type="datetimeFigureOut">
               <a:rPr lang="en-US" smtClean="0"/>
-              <a:t>12/15/2024</a:t>
+              <a:t>12/21/2024</a:t>
             </a:fld>
             <a:endParaRPr lang="en-US"/>
           </a:p>
@@ -477,7 +481,7 @@
           <a:p>
             <a:fld id="{CA113627-5753-4E5F-853E-B64920B5A820}" type="datetimeFigureOut">
               <a:rPr lang="en-US" smtClean="0"/>
-              <a:t>12/15/2024</a:t>
+              <a:t>12/21/2024</a:t>
             </a:fld>
             <a:endParaRPr lang="en-US"/>
           </a:p>
@@ -685,7 +689,7 @@
           <a:p>
             <a:fld id="{CA113627-5753-4E5F-853E-B64920B5A820}" type="datetimeFigureOut">
               <a:rPr lang="en-US" smtClean="0"/>
-              <a:t>12/15/2024</a:t>
+              <a:t>12/21/2024</a:t>
             </a:fld>
             <a:endParaRPr lang="en-US"/>
           </a:p>
@@ -883,7 +887,7 @@
           <a:p>
             <a:fld id="{CA113627-5753-4E5F-853E-B64920B5A820}" type="datetimeFigureOut">
               <a:rPr lang="en-US" smtClean="0"/>
-              <a:t>12/15/2024</a:t>
+              <a:t>12/21/2024</a:t>
             </a:fld>
             <a:endParaRPr lang="en-US"/>
           </a:p>
@@ -1158,7 +1162,7 @@
           <a:p>
             <a:fld id="{CA113627-5753-4E5F-853E-B64920B5A820}" type="datetimeFigureOut">
               <a:rPr lang="en-US" smtClean="0"/>
-              <a:t>12/15/2024</a:t>
+              <a:t>12/21/2024</a:t>
             </a:fld>
             <a:endParaRPr lang="en-US"/>
           </a:p>
@@ -1423,7 +1427,7 @@
           <a:p>
             <a:fld id="{CA113627-5753-4E5F-853E-B64920B5A820}" type="datetimeFigureOut">
               <a:rPr lang="en-US" smtClean="0"/>
-              <a:t>12/15/2024</a:t>
+              <a:t>12/21/2024</a:t>
             </a:fld>
             <a:endParaRPr lang="en-US"/>
           </a:p>
@@ -1835,7 +1839,7 @@
           <a:p>
             <a:fld id="{CA113627-5753-4E5F-853E-B64920B5A820}" type="datetimeFigureOut">
               <a:rPr lang="en-US" smtClean="0"/>
-              <a:t>12/15/2024</a:t>
+              <a:t>12/21/2024</a:t>
             </a:fld>
             <a:endParaRPr lang="en-US"/>
           </a:p>
@@ -1976,7 +1980,7 @@
           <a:p>
             <a:fld id="{CA113627-5753-4E5F-853E-B64920B5A820}" type="datetimeFigureOut">
               <a:rPr lang="en-US" smtClean="0"/>
-              <a:t>12/15/2024</a:t>
+              <a:t>12/21/2024</a:t>
             </a:fld>
             <a:endParaRPr lang="en-US"/>
           </a:p>
@@ -2089,7 +2093,7 @@
           <a:p>
             <a:fld id="{CA113627-5753-4E5F-853E-B64920B5A820}" type="datetimeFigureOut">
               <a:rPr lang="en-US" smtClean="0"/>
-              <a:t>12/15/2024</a:t>
+              <a:t>12/21/2024</a:t>
             </a:fld>
             <a:endParaRPr lang="en-US"/>
           </a:p>
@@ -2400,7 +2404,7 @@
           <a:p>
             <a:fld id="{CA113627-5753-4E5F-853E-B64920B5A820}" type="datetimeFigureOut">
               <a:rPr lang="en-US" smtClean="0"/>
-              <a:t>12/15/2024</a:t>
+              <a:t>12/21/2024</a:t>
             </a:fld>
             <a:endParaRPr lang="en-US"/>
           </a:p>
@@ -2688,7 +2692,7 @@
           <a:p>
             <a:fld id="{CA113627-5753-4E5F-853E-B64920B5A820}" type="datetimeFigureOut">
               <a:rPr lang="en-US" smtClean="0"/>
-              <a:t>12/15/2024</a:t>
+              <a:t>12/21/2024</a:t>
             </a:fld>
             <a:endParaRPr lang="en-US"/>
           </a:p>
@@ -2929,7 +2933,7 @@
           <a:p>
             <a:fld id="{CA113627-5753-4E5F-853E-B64920B5A820}" type="datetimeFigureOut">
               <a:rPr lang="en-US" smtClean="0"/>
-              <a:t>12/15/2024</a:t>
+              <a:t>12/21/2024</a:t>
             </a:fld>
             <a:endParaRPr lang="en-US"/>
           </a:p>
@@ -20622,6 +20626,550 @@
     <p:extLst>
       <p:ext uri="{BB962C8B-B14F-4D97-AF65-F5344CB8AC3E}">
         <p14:creationId xmlns:p14="http://schemas.microsoft.com/office/powerpoint/2010/main" val="2200235430"/>
+      </p:ext>
+    </p:extLst>
+  </p:cSld>
+  <p:clrMapOvr>
+    <a:masterClrMapping/>
+  </p:clrMapOvr>
+</p:sld>
+</file>
+
+<file path=ppt/slides/slide22.xml><?xml version="1.0" encoding="utf-8"?>
+<p:sld xmlns:a="http://schemas.openxmlformats.org/drawingml/2006/main" xmlns:r="http://schemas.openxmlformats.org/officeDocument/2006/relationships" xmlns:p="http://schemas.openxmlformats.org/presentationml/2006/main">
+  <p:cSld>
+    <p:spTree>
+      <p:nvGrpSpPr>
+        <p:cNvPr id="1" name=""/>
+        <p:cNvGrpSpPr/>
+        <p:nvPr/>
+      </p:nvGrpSpPr>
+      <p:grpSpPr>
+        <a:xfrm>
+          <a:off x="0" y="0"/>
+          <a:ext cx="0" cy="0"/>
+          <a:chOff x="0" y="0"/>
+          <a:chExt cx="0" cy="0"/>
+        </a:xfrm>
+      </p:grpSpPr>
+      <p:pic>
+        <p:nvPicPr>
+          <p:cNvPr id="5" name="Picture 4">
+            <a:extLst>
+              <a:ext uri="{FF2B5EF4-FFF2-40B4-BE49-F238E27FC236}">
+                <a16:creationId xmlns:a16="http://schemas.microsoft.com/office/drawing/2014/main" id="{98466AF1-A124-6776-E683-0C2D7927DF20}"/>
+              </a:ext>
+            </a:extLst>
+          </p:cNvPr>
+          <p:cNvPicPr>
+            <a:picLocks noChangeAspect="1"/>
+          </p:cNvPicPr>
+          <p:nvPr/>
+        </p:nvPicPr>
+        <p:blipFill>
+          <a:blip r:embed="rId2">
+            <a:extLst>
+              <a:ext uri="{28A0092B-C50C-407E-A947-70E740481C1C}">
+                <a14:useLocalDpi xmlns:a14="http://schemas.microsoft.com/office/drawing/2010/main" val="0"/>
+              </a:ext>
+            </a:extLst>
+          </a:blip>
+          <a:stretch>
+            <a:fillRect/>
+          </a:stretch>
+        </p:blipFill>
+        <p:spPr>
+          <a:xfrm>
+            <a:off x="6283222" y="924663"/>
+            <a:ext cx="3994355" cy="4013406"/>
+          </a:xfrm>
+          <a:prstGeom prst="rect">
+            <a:avLst/>
+          </a:prstGeom>
+        </p:spPr>
+      </p:pic>
+      <p:pic>
+        <p:nvPicPr>
+          <p:cNvPr id="7" name="Picture 6">
+            <a:extLst>
+              <a:ext uri="{FF2B5EF4-FFF2-40B4-BE49-F238E27FC236}">
+                <a16:creationId xmlns:a16="http://schemas.microsoft.com/office/drawing/2014/main" id="{3518C22C-06C3-FD0E-A823-A156A6707805}"/>
+              </a:ext>
+            </a:extLst>
+          </p:cNvPr>
+          <p:cNvPicPr>
+            <a:picLocks noChangeAspect="1"/>
+          </p:cNvPicPr>
+          <p:nvPr/>
+        </p:nvPicPr>
+        <p:blipFill>
+          <a:blip r:embed="rId3">
+            <a:extLst>
+              <a:ext uri="{28A0092B-C50C-407E-A947-70E740481C1C}">
+                <a14:useLocalDpi xmlns:a14="http://schemas.microsoft.com/office/drawing/2010/main" val="0"/>
+              </a:ext>
+            </a:extLst>
+          </a:blip>
+          <a:srcRect l="8856" t="14668" r="8093" b="19555"/>
+          <a:stretch/>
+        </p:blipFill>
+        <p:spPr>
+          <a:xfrm>
+            <a:off x="2883163" y="924663"/>
+            <a:ext cx="3283958" cy="4104232"/>
+          </a:xfrm>
+          <a:prstGeom prst="rect">
+            <a:avLst/>
+          </a:prstGeom>
+        </p:spPr>
+      </p:pic>
+      <p:sp>
+        <p:nvSpPr>
+          <p:cNvPr id="8" name="Rectangle 7">
+            <a:extLst>
+              <a:ext uri="{FF2B5EF4-FFF2-40B4-BE49-F238E27FC236}">
+                <a16:creationId xmlns:a16="http://schemas.microsoft.com/office/drawing/2014/main" id="{DB6EEFC7-41F3-91D4-1E99-C0AA3DB2E66A}"/>
+              </a:ext>
+            </a:extLst>
+          </p:cNvPr>
+          <p:cNvSpPr/>
+          <p:nvPr/>
+        </p:nvSpPr>
+        <p:spPr>
+          <a:xfrm>
+            <a:off x="9652000" y="924663"/>
+            <a:ext cx="625577" cy="690777"/>
+          </a:xfrm>
+          <a:prstGeom prst="rect">
+            <a:avLst/>
+          </a:prstGeom>
+          <a:solidFill>
+            <a:srgbClr val="E8E8E7"/>
+          </a:solidFill>
+          <a:ln>
+            <a:noFill/>
+          </a:ln>
+        </p:spPr>
+        <p:style>
+          <a:lnRef idx="2">
+            <a:schemeClr val="accent1">
+              <a:shade val="15000"/>
+            </a:schemeClr>
+          </a:lnRef>
+          <a:fillRef idx="1">
+            <a:schemeClr val="accent1"/>
+          </a:fillRef>
+          <a:effectRef idx="0">
+            <a:schemeClr val="accent1"/>
+          </a:effectRef>
+          <a:fontRef idx="minor">
+            <a:schemeClr val="lt1"/>
+          </a:fontRef>
+        </p:style>
+        <p:txBody>
+          <a:bodyPr rtlCol="0" anchor="ctr"/>
+          <a:lstStyle/>
+          <a:p>
+            <a:pPr algn="ctr"/>
+            <a:endParaRPr lang="en-US"/>
+          </a:p>
+        </p:txBody>
+      </p:sp>
+    </p:spTree>
+    <p:extLst>
+      <p:ext uri="{BB962C8B-B14F-4D97-AF65-F5344CB8AC3E}">
+        <p14:creationId xmlns:p14="http://schemas.microsoft.com/office/powerpoint/2010/main" val="3941985290"/>
+      </p:ext>
+    </p:extLst>
+  </p:cSld>
+  <p:clrMapOvr>
+    <a:masterClrMapping/>
+  </p:clrMapOvr>
+</p:sld>
+</file>
+
+<file path=ppt/slides/slide23.xml><?xml version="1.0" encoding="utf-8"?>
+<p:sld xmlns:a="http://schemas.openxmlformats.org/drawingml/2006/main" xmlns:r="http://schemas.openxmlformats.org/officeDocument/2006/relationships" xmlns:p="http://schemas.openxmlformats.org/presentationml/2006/main">
+  <p:cSld>
+    <p:spTree>
+      <p:nvGrpSpPr>
+        <p:cNvPr id="1" name="">
+          <a:extLst>
+            <a:ext uri="{FF2B5EF4-FFF2-40B4-BE49-F238E27FC236}">
+              <a16:creationId xmlns:a16="http://schemas.microsoft.com/office/drawing/2014/main" id="{9BDB83AA-2C7B-DC40-4F5A-B210243BBB0D}"/>
+            </a:ext>
+          </a:extLst>
+        </p:cNvPr>
+        <p:cNvGrpSpPr/>
+        <p:nvPr/>
+      </p:nvGrpSpPr>
+      <p:grpSpPr>
+        <a:xfrm>
+          <a:off x="0" y="0"/>
+          <a:ext cx="0" cy="0"/>
+          <a:chOff x="0" y="0"/>
+          <a:chExt cx="0" cy="0"/>
+        </a:xfrm>
+      </p:grpSpPr>
+      <p:pic>
+        <p:nvPicPr>
+          <p:cNvPr id="3" name="Picture 2">
+            <a:extLst>
+              <a:ext uri="{FF2B5EF4-FFF2-40B4-BE49-F238E27FC236}">
+                <a16:creationId xmlns:a16="http://schemas.microsoft.com/office/drawing/2014/main" id="{98010A5D-3FBE-8208-A5BC-EA61DE661D39}"/>
+              </a:ext>
+            </a:extLst>
+          </p:cNvPr>
+          <p:cNvPicPr>
+            <a:picLocks noChangeAspect="1"/>
+          </p:cNvPicPr>
+          <p:nvPr/>
+        </p:nvPicPr>
+        <p:blipFill>
+          <a:blip r:embed="rId2">
+            <a:extLst>
+              <a:ext uri="{28A0092B-C50C-407E-A947-70E740481C1C}">
+                <a14:useLocalDpi xmlns:a14="http://schemas.microsoft.com/office/drawing/2010/main" val="0"/>
+              </a:ext>
+            </a:extLst>
+          </a:blip>
+          <a:stretch>
+            <a:fillRect/>
+          </a:stretch>
+        </p:blipFill>
+        <p:spPr>
+          <a:xfrm>
+            <a:off x="1183639" y="827087"/>
+            <a:ext cx="9213979" cy="4903153"/>
+          </a:xfrm>
+          <a:prstGeom prst="rect">
+            <a:avLst/>
+          </a:prstGeom>
+        </p:spPr>
+      </p:pic>
+    </p:spTree>
+    <p:extLst>
+      <p:ext uri="{BB962C8B-B14F-4D97-AF65-F5344CB8AC3E}">
+        <p14:creationId xmlns:p14="http://schemas.microsoft.com/office/powerpoint/2010/main" val="511525927"/>
+      </p:ext>
+    </p:extLst>
+  </p:cSld>
+  <p:clrMapOvr>
+    <a:masterClrMapping/>
+  </p:clrMapOvr>
+</p:sld>
+</file>
+
+<file path=ppt/slides/slide24.xml><?xml version="1.0" encoding="utf-8"?>
+<p:sld xmlns:a="http://schemas.openxmlformats.org/drawingml/2006/main" xmlns:r="http://schemas.openxmlformats.org/officeDocument/2006/relationships" xmlns:p="http://schemas.openxmlformats.org/presentationml/2006/main">
+  <p:cSld>
+    <p:spTree>
+      <p:nvGrpSpPr>
+        <p:cNvPr id="1" name="">
+          <a:extLst>
+            <a:ext uri="{FF2B5EF4-FFF2-40B4-BE49-F238E27FC236}">
+              <a16:creationId xmlns:a16="http://schemas.microsoft.com/office/drawing/2014/main" id="{117C2E1A-A348-FE1C-7890-508542B3C656}"/>
+            </a:ext>
+          </a:extLst>
+        </p:cNvPr>
+        <p:cNvGrpSpPr/>
+        <p:nvPr/>
+      </p:nvGrpSpPr>
+      <p:grpSpPr>
+        <a:xfrm>
+          <a:off x="0" y="0"/>
+          <a:ext cx="0" cy="0"/>
+          <a:chOff x="0" y="0"/>
+          <a:chExt cx="0" cy="0"/>
+        </a:xfrm>
+      </p:grpSpPr>
+      <p:pic>
+        <p:nvPicPr>
+          <p:cNvPr id="3" name="Picture 2">
+            <a:extLst>
+              <a:ext uri="{FF2B5EF4-FFF2-40B4-BE49-F238E27FC236}">
+                <a16:creationId xmlns:a16="http://schemas.microsoft.com/office/drawing/2014/main" id="{F223AA3B-FC22-9415-41B4-C8F916D05A61}"/>
+              </a:ext>
+            </a:extLst>
+          </p:cNvPr>
+          <p:cNvPicPr>
+            <a:picLocks noChangeAspect="1"/>
+          </p:cNvPicPr>
+          <p:nvPr/>
+        </p:nvPicPr>
+        <p:blipFill>
+          <a:blip r:embed="rId2">
+            <a:extLst>
+              <a:ext uri="{28A0092B-C50C-407E-A947-70E740481C1C}">
+                <a14:useLocalDpi xmlns:a14="http://schemas.microsoft.com/office/drawing/2010/main" val="0"/>
+              </a:ext>
+            </a:extLst>
+          </a:blip>
+          <a:srcRect l="3473" t="4061" r="62013" b="44136"/>
+          <a:stretch/>
+        </p:blipFill>
+        <p:spPr>
+          <a:xfrm>
+            <a:off x="1503680" y="1026160"/>
+            <a:ext cx="3180080" cy="2540000"/>
+          </a:xfrm>
+          <a:prstGeom prst="rect">
+            <a:avLst/>
+          </a:prstGeom>
+        </p:spPr>
+      </p:pic>
+      <p:sp>
+        <p:nvSpPr>
+          <p:cNvPr id="2" name="Oval 1">
+            <a:extLst>
+              <a:ext uri="{FF2B5EF4-FFF2-40B4-BE49-F238E27FC236}">
+                <a16:creationId xmlns:a16="http://schemas.microsoft.com/office/drawing/2014/main" id="{46E9067F-5F0B-4109-D883-BED1D5BA354B}"/>
+              </a:ext>
+            </a:extLst>
+          </p:cNvPr>
+          <p:cNvSpPr/>
+          <p:nvPr/>
+        </p:nvSpPr>
+        <p:spPr>
+          <a:xfrm>
+            <a:off x="4490720" y="2641600"/>
+            <a:ext cx="386080" cy="355600"/>
+          </a:xfrm>
+          <a:prstGeom prst="ellipse">
+            <a:avLst/>
+          </a:prstGeom>
+          <a:solidFill>
+            <a:srgbClr val="FCFEFB"/>
+          </a:solidFill>
+          <a:ln>
+            <a:noFill/>
+          </a:ln>
+        </p:spPr>
+        <p:style>
+          <a:lnRef idx="2">
+            <a:schemeClr val="accent1">
+              <a:shade val="15000"/>
+            </a:schemeClr>
+          </a:lnRef>
+          <a:fillRef idx="1">
+            <a:schemeClr val="accent1"/>
+          </a:fillRef>
+          <a:effectRef idx="0">
+            <a:schemeClr val="accent1"/>
+          </a:effectRef>
+          <a:fontRef idx="minor">
+            <a:schemeClr val="lt1"/>
+          </a:fontRef>
+        </p:style>
+        <p:txBody>
+          <a:bodyPr rtlCol="0" anchor="ctr"/>
+          <a:lstStyle/>
+          <a:p>
+            <a:pPr algn="ctr"/>
+            <a:endParaRPr lang="en-US"/>
+          </a:p>
+        </p:txBody>
+      </p:sp>
+    </p:spTree>
+    <p:extLst>
+      <p:ext uri="{BB962C8B-B14F-4D97-AF65-F5344CB8AC3E}">
+        <p14:creationId xmlns:p14="http://schemas.microsoft.com/office/powerpoint/2010/main" val="457937762"/>
+      </p:ext>
+    </p:extLst>
+  </p:cSld>
+  <p:clrMapOvr>
+    <a:masterClrMapping/>
+  </p:clrMapOvr>
+</p:sld>
+</file>
+
+<file path=ppt/slides/slide25.xml><?xml version="1.0" encoding="utf-8"?>
+<p:sld xmlns:a="http://schemas.openxmlformats.org/drawingml/2006/main" xmlns:r="http://schemas.openxmlformats.org/officeDocument/2006/relationships" xmlns:p="http://schemas.openxmlformats.org/presentationml/2006/main">
+  <p:cSld>
+    <p:spTree>
+      <p:nvGrpSpPr>
+        <p:cNvPr id="1" name="">
+          <a:extLst>
+            <a:ext uri="{FF2B5EF4-FFF2-40B4-BE49-F238E27FC236}">
+              <a16:creationId xmlns:a16="http://schemas.microsoft.com/office/drawing/2014/main" id="{F5A69A34-7BED-1F9B-9049-54019865E1F5}"/>
+            </a:ext>
+          </a:extLst>
+        </p:cNvPr>
+        <p:cNvGrpSpPr/>
+        <p:nvPr/>
+      </p:nvGrpSpPr>
+      <p:grpSpPr>
+        <a:xfrm>
+          <a:off x="0" y="0"/>
+          <a:ext cx="0" cy="0"/>
+          <a:chOff x="0" y="0"/>
+          <a:chExt cx="0" cy="0"/>
+        </a:xfrm>
+      </p:grpSpPr>
+      <p:grpSp>
+        <p:nvGrpSpPr>
+          <p:cNvPr id="5" name="Group 4">
+            <a:extLst>
+              <a:ext uri="{FF2B5EF4-FFF2-40B4-BE49-F238E27FC236}">
+                <a16:creationId xmlns:a16="http://schemas.microsoft.com/office/drawing/2014/main" id="{6B069B1A-DEBE-7894-6D2C-8995410CB2C4}"/>
+              </a:ext>
+            </a:extLst>
+          </p:cNvPr>
+          <p:cNvGrpSpPr/>
+          <p:nvPr/>
+        </p:nvGrpSpPr>
+        <p:grpSpPr>
+          <a:xfrm>
+            <a:off x="5963920" y="827087"/>
+            <a:ext cx="3464560" cy="2759393"/>
+            <a:chOff x="5963920" y="827087"/>
+            <a:chExt cx="3464560" cy="2759393"/>
+          </a:xfrm>
+        </p:grpSpPr>
+        <p:pic>
+          <p:nvPicPr>
+            <p:cNvPr id="3" name="Picture 2">
+              <a:extLst>
+                <a:ext uri="{FF2B5EF4-FFF2-40B4-BE49-F238E27FC236}">
+                  <a16:creationId xmlns:a16="http://schemas.microsoft.com/office/drawing/2014/main" id="{EA4E83BB-8C42-87FB-D3A8-3052AEC6B2FE}"/>
+                </a:ext>
+              </a:extLst>
+            </p:cNvPr>
+            <p:cNvPicPr>
+              <a:picLocks noChangeAspect="1"/>
+            </p:cNvPicPr>
+            <p:nvPr/>
+          </p:nvPicPr>
+          <p:blipFill>
+            <a:blip r:embed="rId2">
+              <a:extLst>
+                <a:ext uri="{28A0092B-C50C-407E-A947-70E740481C1C}">
+                  <a14:useLocalDpi xmlns:a14="http://schemas.microsoft.com/office/drawing/2010/main" val="0"/>
+                </a:ext>
+              </a:extLst>
+            </a:blip>
+            <a:srcRect l="53313" r="10519" b="43722"/>
+            <a:stretch/>
+          </p:blipFill>
+          <p:spPr>
+            <a:xfrm>
+              <a:off x="6096000" y="827087"/>
+              <a:ext cx="3332480" cy="2759393"/>
+            </a:xfrm>
+            <a:prstGeom prst="rect">
+              <a:avLst/>
+            </a:prstGeom>
+          </p:spPr>
+        </p:pic>
+        <p:sp>
+          <p:nvSpPr>
+            <p:cNvPr id="2" name="Oval 1">
+              <a:extLst>
+                <a:ext uri="{FF2B5EF4-FFF2-40B4-BE49-F238E27FC236}">
+                  <a16:creationId xmlns:a16="http://schemas.microsoft.com/office/drawing/2014/main" id="{D34B7950-9E83-DB51-6122-B36D83933889}"/>
+                </a:ext>
+              </a:extLst>
+            </p:cNvPr>
+            <p:cNvSpPr/>
+            <p:nvPr/>
+          </p:nvSpPr>
+          <p:spPr>
+            <a:xfrm>
+              <a:off x="5963920" y="2499360"/>
+              <a:ext cx="375920" cy="558800"/>
+            </a:xfrm>
+            <a:prstGeom prst="ellipse">
+              <a:avLst/>
+            </a:prstGeom>
+            <a:solidFill>
+              <a:srgbClr val="FCFEFB"/>
+            </a:solidFill>
+            <a:ln>
+              <a:noFill/>
+            </a:ln>
+          </p:spPr>
+          <p:style>
+            <a:lnRef idx="2">
+              <a:schemeClr val="accent1">
+                <a:shade val="15000"/>
+              </a:schemeClr>
+            </a:lnRef>
+            <a:fillRef idx="1">
+              <a:schemeClr val="accent1"/>
+            </a:fillRef>
+            <a:effectRef idx="0">
+              <a:schemeClr val="accent1"/>
+            </a:effectRef>
+            <a:fontRef idx="minor">
+              <a:schemeClr val="lt1"/>
+            </a:fontRef>
+          </p:style>
+          <p:txBody>
+            <a:bodyPr rtlCol="0" anchor="ctr"/>
+            <a:lstStyle/>
+            <a:p>
+              <a:pPr algn="ctr"/>
+              <a:endParaRPr lang="en-US"/>
+            </a:p>
+          </p:txBody>
+        </p:sp>
+        <p:sp>
+          <p:nvSpPr>
+            <p:cNvPr id="4" name="Rectangle 3">
+              <a:extLst>
+                <a:ext uri="{FF2B5EF4-FFF2-40B4-BE49-F238E27FC236}">
+                  <a16:creationId xmlns:a16="http://schemas.microsoft.com/office/drawing/2014/main" id="{07E52A80-BAD0-F059-72FD-0B4D98BE0A4C}"/>
+                </a:ext>
+              </a:extLst>
+            </p:cNvPr>
+            <p:cNvSpPr/>
+            <p:nvPr/>
+          </p:nvSpPr>
+          <p:spPr>
+            <a:xfrm>
+              <a:off x="6858000" y="2306320"/>
+              <a:ext cx="985520" cy="345440"/>
+            </a:xfrm>
+            <a:prstGeom prst="rect">
+              <a:avLst/>
+            </a:prstGeom>
+            <a:solidFill>
+              <a:srgbClr val="FCFEFB"/>
+            </a:solidFill>
+            <a:ln>
+              <a:noFill/>
+            </a:ln>
+          </p:spPr>
+          <p:style>
+            <a:lnRef idx="2">
+              <a:schemeClr val="accent1">
+                <a:shade val="15000"/>
+              </a:schemeClr>
+            </a:lnRef>
+            <a:fillRef idx="1">
+              <a:schemeClr val="accent1"/>
+            </a:fillRef>
+            <a:effectRef idx="0">
+              <a:schemeClr val="accent1"/>
+            </a:effectRef>
+            <a:fontRef idx="minor">
+              <a:schemeClr val="lt1"/>
+            </a:fontRef>
+          </p:style>
+          <p:txBody>
+            <a:bodyPr rtlCol="0" anchor="ctr"/>
+            <a:lstStyle/>
+            <a:p>
+              <a:pPr algn="ctr"/>
+              <a:endParaRPr lang="en-US"/>
+            </a:p>
+          </p:txBody>
+        </p:sp>
+      </p:grpSp>
+    </p:spTree>
+    <p:extLst>
+      <p:ext uri="{BB962C8B-B14F-4D97-AF65-F5344CB8AC3E}">
+        <p14:creationId xmlns:p14="http://schemas.microsoft.com/office/powerpoint/2010/main" val="1824840789"/>
       </p:ext>
     </p:extLst>
   </p:cSld>

--- a/assets/diagrams_pool.pptx
+++ b/assets/diagrams_pool.pptx
@@ -30,6 +30,8 @@
     <p:sldId id="281" r:id="rId24"/>
     <p:sldId id="283" r:id="rId25"/>
     <p:sldId id="282" r:id="rId26"/>
+    <p:sldId id="284" r:id="rId27"/>
+    <p:sldId id="285" r:id="rId28"/>
   </p:sldIdLst>
   <p:sldSz cx="12192000" cy="6858000"/>
   <p:notesSz cx="7315200" cy="9601200"/>
@@ -283,7 +285,7 @@
           <a:p>
             <a:fld id="{CA113627-5753-4E5F-853E-B64920B5A820}" type="datetimeFigureOut">
               <a:rPr lang="en-US" smtClean="0"/>
-              <a:t>12/21/2024</a:t>
+              <a:t>12/22/2024</a:t>
             </a:fld>
             <a:endParaRPr lang="en-US"/>
           </a:p>
@@ -481,7 +483,7 @@
           <a:p>
             <a:fld id="{CA113627-5753-4E5F-853E-B64920B5A820}" type="datetimeFigureOut">
               <a:rPr lang="en-US" smtClean="0"/>
-              <a:t>12/21/2024</a:t>
+              <a:t>12/22/2024</a:t>
             </a:fld>
             <a:endParaRPr lang="en-US"/>
           </a:p>
@@ -689,7 +691,7 @@
           <a:p>
             <a:fld id="{CA113627-5753-4E5F-853E-B64920B5A820}" type="datetimeFigureOut">
               <a:rPr lang="en-US" smtClean="0"/>
-              <a:t>12/21/2024</a:t>
+              <a:t>12/22/2024</a:t>
             </a:fld>
             <a:endParaRPr lang="en-US"/>
           </a:p>
@@ -887,7 +889,7 @@
           <a:p>
             <a:fld id="{CA113627-5753-4E5F-853E-B64920B5A820}" type="datetimeFigureOut">
               <a:rPr lang="en-US" smtClean="0"/>
-              <a:t>12/21/2024</a:t>
+              <a:t>12/22/2024</a:t>
             </a:fld>
             <a:endParaRPr lang="en-US"/>
           </a:p>
@@ -1162,7 +1164,7 @@
           <a:p>
             <a:fld id="{CA113627-5753-4E5F-853E-B64920B5A820}" type="datetimeFigureOut">
               <a:rPr lang="en-US" smtClean="0"/>
-              <a:t>12/21/2024</a:t>
+              <a:t>12/22/2024</a:t>
             </a:fld>
             <a:endParaRPr lang="en-US"/>
           </a:p>
@@ -1427,7 +1429,7 @@
           <a:p>
             <a:fld id="{CA113627-5753-4E5F-853E-B64920B5A820}" type="datetimeFigureOut">
               <a:rPr lang="en-US" smtClean="0"/>
-              <a:t>12/21/2024</a:t>
+              <a:t>12/22/2024</a:t>
             </a:fld>
             <a:endParaRPr lang="en-US"/>
           </a:p>
@@ -1839,7 +1841,7 @@
           <a:p>
             <a:fld id="{CA113627-5753-4E5F-853E-B64920B5A820}" type="datetimeFigureOut">
               <a:rPr lang="en-US" smtClean="0"/>
-              <a:t>12/21/2024</a:t>
+              <a:t>12/22/2024</a:t>
             </a:fld>
             <a:endParaRPr lang="en-US"/>
           </a:p>
@@ -1980,7 +1982,7 @@
           <a:p>
             <a:fld id="{CA113627-5753-4E5F-853E-B64920B5A820}" type="datetimeFigureOut">
               <a:rPr lang="en-US" smtClean="0"/>
-              <a:t>12/21/2024</a:t>
+              <a:t>12/22/2024</a:t>
             </a:fld>
             <a:endParaRPr lang="en-US"/>
           </a:p>
@@ -2093,7 +2095,7 @@
           <a:p>
             <a:fld id="{CA113627-5753-4E5F-853E-B64920B5A820}" type="datetimeFigureOut">
               <a:rPr lang="en-US" smtClean="0"/>
-              <a:t>12/21/2024</a:t>
+              <a:t>12/22/2024</a:t>
             </a:fld>
             <a:endParaRPr lang="en-US"/>
           </a:p>
@@ -2404,7 +2406,7 @@
           <a:p>
             <a:fld id="{CA113627-5753-4E5F-853E-B64920B5A820}" type="datetimeFigureOut">
               <a:rPr lang="en-US" smtClean="0"/>
-              <a:t>12/21/2024</a:t>
+              <a:t>12/22/2024</a:t>
             </a:fld>
             <a:endParaRPr lang="en-US"/>
           </a:p>
@@ -2692,7 +2694,7 @@
           <a:p>
             <a:fld id="{CA113627-5753-4E5F-853E-B64920B5A820}" type="datetimeFigureOut">
               <a:rPr lang="en-US" smtClean="0"/>
-              <a:t>12/21/2024</a:t>
+              <a:t>12/22/2024</a:t>
             </a:fld>
             <a:endParaRPr lang="en-US"/>
           </a:p>
@@ -2933,7 +2935,7 @@
           <a:p>
             <a:fld id="{CA113627-5753-4E5F-853E-B64920B5A820}" type="datetimeFigureOut">
               <a:rPr lang="en-US" smtClean="0"/>
-              <a:t>12/21/2024</a:t>
+              <a:t>12/22/2024</a:t>
             </a:fld>
             <a:endParaRPr lang="en-US"/>
           </a:p>
@@ -20910,7 +20912,7 @@
         </p:blipFill>
         <p:spPr>
           <a:xfrm>
-            <a:off x="1503680" y="1026160"/>
+            <a:off x="355600" y="1625600"/>
             <a:ext cx="3180080" cy="2540000"/>
           </a:xfrm>
           <a:prstGeom prst="rect">
@@ -20970,6 +20972,726 @@
           </a:p>
         </p:txBody>
       </p:sp>
+      <p:grpSp>
+        <p:nvGrpSpPr>
+          <p:cNvPr id="8" name="Group 7">
+            <a:extLst>
+              <a:ext uri="{FF2B5EF4-FFF2-40B4-BE49-F238E27FC236}">
+                <a16:creationId xmlns:a16="http://schemas.microsoft.com/office/drawing/2014/main" id="{5C571639-12D1-E7EE-93F6-F9C571182B73}"/>
+              </a:ext>
+            </a:extLst>
+          </p:cNvPr>
+          <p:cNvGrpSpPr/>
+          <p:nvPr/>
+        </p:nvGrpSpPr>
+        <p:grpSpPr>
+          <a:xfrm>
+            <a:off x="4815840" y="342266"/>
+            <a:ext cx="3464560" cy="2396807"/>
+            <a:chOff x="5963920" y="944880"/>
+            <a:chExt cx="3464560" cy="2396807"/>
+          </a:xfrm>
+        </p:grpSpPr>
+        <p:pic>
+          <p:nvPicPr>
+            <p:cNvPr id="9" name="Picture 8">
+              <a:extLst>
+                <a:ext uri="{FF2B5EF4-FFF2-40B4-BE49-F238E27FC236}">
+                  <a16:creationId xmlns:a16="http://schemas.microsoft.com/office/drawing/2014/main" id="{A009EFDA-B8D2-B01C-70F3-EC2705009CA4}"/>
+                </a:ext>
+              </a:extLst>
+            </p:cNvPr>
+            <p:cNvPicPr>
+              <a:picLocks noChangeAspect="1"/>
+            </p:cNvPicPr>
+            <p:nvPr/>
+          </p:nvPicPr>
+          <p:blipFill>
+            <a:blip r:embed="rId2">
+              <a:extLst>
+                <a:ext uri="{28A0092B-C50C-407E-A947-70E740481C1C}">
+                  <a14:useLocalDpi xmlns:a14="http://schemas.microsoft.com/office/drawing/2010/main" val="0"/>
+                </a:ext>
+              </a:extLst>
+            </a:blip>
+            <a:srcRect l="53313" t="4474" r="10519" b="46643"/>
+            <a:stretch/>
+          </p:blipFill>
+          <p:spPr>
+            <a:xfrm>
+              <a:off x="6096000" y="944880"/>
+              <a:ext cx="3332480" cy="2396807"/>
+            </a:xfrm>
+            <a:prstGeom prst="rect">
+              <a:avLst/>
+            </a:prstGeom>
+          </p:spPr>
+        </p:pic>
+        <p:sp>
+          <p:nvSpPr>
+            <p:cNvPr id="10" name="Oval 9">
+              <a:extLst>
+                <a:ext uri="{FF2B5EF4-FFF2-40B4-BE49-F238E27FC236}">
+                  <a16:creationId xmlns:a16="http://schemas.microsoft.com/office/drawing/2014/main" id="{E99C5161-D104-D85B-9F3D-A9AD8F4AB91A}"/>
+                </a:ext>
+              </a:extLst>
+            </p:cNvPr>
+            <p:cNvSpPr/>
+            <p:nvPr/>
+          </p:nvSpPr>
+          <p:spPr>
+            <a:xfrm>
+              <a:off x="5963920" y="2499360"/>
+              <a:ext cx="375920" cy="558800"/>
+            </a:xfrm>
+            <a:prstGeom prst="ellipse">
+              <a:avLst/>
+            </a:prstGeom>
+            <a:solidFill>
+              <a:srgbClr val="FCFEFB"/>
+            </a:solidFill>
+            <a:ln>
+              <a:noFill/>
+            </a:ln>
+          </p:spPr>
+          <p:style>
+            <a:lnRef idx="2">
+              <a:schemeClr val="accent1">
+                <a:shade val="15000"/>
+              </a:schemeClr>
+            </a:lnRef>
+            <a:fillRef idx="1">
+              <a:schemeClr val="accent1"/>
+            </a:fillRef>
+            <a:effectRef idx="0">
+              <a:schemeClr val="accent1"/>
+            </a:effectRef>
+            <a:fontRef idx="minor">
+              <a:schemeClr val="lt1"/>
+            </a:fontRef>
+          </p:style>
+          <p:txBody>
+            <a:bodyPr rtlCol="0" anchor="ctr"/>
+            <a:lstStyle/>
+            <a:p>
+              <a:pPr algn="ctr"/>
+              <a:endParaRPr lang="en-US"/>
+            </a:p>
+          </p:txBody>
+        </p:sp>
+        <p:sp>
+          <p:nvSpPr>
+            <p:cNvPr id="11" name="Rectangle 10">
+              <a:extLst>
+                <a:ext uri="{FF2B5EF4-FFF2-40B4-BE49-F238E27FC236}">
+                  <a16:creationId xmlns:a16="http://schemas.microsoft.com/office/drawing/2014/main" id="{994B80A1-3A0E-9C09-BE7D-15BFD7F6827E}"/>
+                </a:ext>
+              </a:extLst>
+            </p:cNvPr>
+            <p:cNvSpPr/>
+            <p:nvPr/>
+          </p:nvSpPr>
+          <p:spPr>
+            <a:xfrm>
+              <a:off x="6858000" y="2306320"/>
+              <a:ext cx="985520" cy="345440"/>
+            </a:xfrm>
+            <a:prstGeom prst="rect">
+              <a:avLst/>
+            </a:prstGeom>
+            <a:solidFill>
+              <a:srgbClr val="FCFEFB"/>
+            </a:solidFill>
+            <a:ln>
+              <a:noFill/>
+            </a:ln>
+          </p:spPr>
+          <p:style>
+            <a:lnRef idx="2">
+              <a:schemeClr val="accent1">
+                <a:shade val="15000"/>
+              </a:schemeClr>
+            </a:lnRef>
+            <a:fillRef idx="1">
+              <a:schemeClr val="accent1"/>
+            </a:fillRef>
+            <a:effectRef idx="0">
+              <a:schemeClr val="accent1"/>
+            </a:effectRef>
+            <a:fontRef idx="minor">
+              <a:schemeClr val="lt1"/>
+            </a:fontRef>
+          </p:style>
+          <p:txBody>
+            <a:bodyPr rtlCol="0" anchor="ctr"/>
+            <a:lstStyle/>
+            <a:p>
+              <a:pPr algn="ctr"/>
+              <a:endParaRPr lang="en-US"/>
+            </a:p>
+          </p:txBody>
+        </p:sp>
+      </p:grpSp>
+      <p:grpSp>
+        <p:nvGrpSpPr>
+          <p:cNvPr id="16" name="Group 15">
+            <a:extLst>
+              <a:ext uri="{FF2B5EF4-FFF2-40B4-BE49-F238E27FC236}">
+                <a16:creationId xmlns:a16="http://schemas.microsoft.com/office/drawing/2014/main" id="{4C3D99FB-D2FB-19EA-6C1C-B85F2478B09C}"/>
+              </a:ext>
+            </a:extLst>
+          </p:cNvPr>
+          <p:cNvGrpSpPr/>
+          <p:nvPr/>
+        </p:nvGrpSpPr>
+        <p:grpSpPr>
+          <a:xfrm>
+            <a:off x="4983480" y="3429000"/>
+            <a:ext cx="3464560" cy="2396807"/>
+            <a:chOff x="5963920" y="944880"/>
+            <a:chExt cx="3464560" cy="2396807"/>
+          </a:xfrm>
+        </p:grpSpPr>
+        <p:pic>
+          <p:nvPicPr>
+            <p:cNvPr id="17" name="Picture 16">
+              <a:extLst>
+                <a:ext uri="{FF2B5EF4-FFF2-40B4-BE49-F238E27FC236}">
+                  <a16:creationId xmlns:a16="http://schemas.microsoft.com/office/drawing/2014/main" id="{03D5E575-A2F5-56E0-8EE3-BA71F4AF6845}"/>
+                </a:ext>
+              </a:extLst>
+            </p:cNvPr>
+            <p:cNvPicPr>
+              <a:picLocks noChangeAspect="1"/>
+            </p:cNvPicPr>
+            <p:nvPr/>
+          </p:nvPicPr>
+          <p:blipFill>
+            <a:blip r:embed="rId2">
+              <a:extLst>
+                <a:ext uri="{28A0092B-C50C-407E-A947-70E740481C1C}">
+                  <a14:useLocalDpi xmlns:a14="http://schemas.microsoft.com/office/drawing/2010/main" val="0"/>
+                </a:ext>
+              </a:extLst>
+            </a:blip>
+            <a:srcRect l="53313" t="4474" r="10519" b="46643"/>
+            <a:stretch/>
+          </p:blipFill>
+          <p:spPr>
+            <a:xfrm>
+              <a:off x="6096000" y="944880"/>
+              <a:ext cx="3332480" cy="2396807"/>
+            </a:xfrm>
+            <a:prstGeom prst="rect">
+              <a:avLst/>
+            </a:prstGeom>
+          </p:spPr>
+        </p:pic>
+        <p:sp>
+          <p:nvSpPr>
+            <p:cNvPr id="18" name="Oval 17">
+              <a:extLst>
+                <a:ext uri="{FF2B5EF4-FFF2-40B4-BE49-F238E27FC236}">
+                  <a16:creationId xmlns:a16="http://schemas.microsoft.com/office/drawing/2014/main" id="{05250432-FC5F-223F-78F0-FB528965C8FD}"/>
+                </a:ext>
+              </a:extLst>
+            </p:cNvPr>
+            <p:cNvSpPr/>
+            <p:nvPr/>
+          </p:nvSpPr>
+          <p:spPr>
+            <a:xfrm>
+              <a:off x="5963920" y="2499360"/>
+              <a:ext cx="375920" cy="558800"/>
+            </a:xfrm>
+            <a:prstGeom prst="ellipse">
+              <a:avLst/>
+            </a:prstGeom>
+            <a:solidFill>
+              <a:srgbClr val="FCFEFB"/>
+            </a:solidFill>
+            <a:ln>
+              <a:noFill/>
+            </a:ln>
+          </p:spPr>
+          <p:style>
+            <a:lnRef idx="2">
+              <a:schemeClr val="accent1">
+                <a:shade val="15000"/>
+              </a:schemeClr>
+            </a:lnRef>
+            <a:fillRef idx="1">
+              <a:schemeClr val="accent1"/>
+            </a:fillRef>
+            <a:effectRef idx="0">
+              <a:schemeClr val="accent1"/>
+            </a:effectRef>
+            <a:fontRef idx="minor">
+              <a:schemeClr val="lt1"/>
+            </a:fontRef>
+          </p:style>
+          <p:txBody>
+            <a:bodyPr rtlCol="0" anchor="ctr"/>
+            <a:lstStyle/>
+            <a:p>
+              <a:pPr algn="ctr"/>
+              <a:endParaRPr lang="en-US"/>
+            </a:p>
+          </p:txBody>
+        </p:sp>
+        <p:sp>
+          <p:nvSpPr>
+            <p:cNvPr id="19" name="Rectangle 18">
+              <a:extLst>
+                <a:ext uri="{FF2B5EF4-FFF2-40B4-BE49-F238E27FC236}">
+                  <a16:creationId xmlns:a16="http://schemas.microsoft.com/office/drawing/2014/main" id="{7E3624CE-D906-F9A2-6696-EEE0E29E0DAD}"/>
+                </a:ext>
+              </a:extLst>
+            </p:cNvPr>
+            <p:cNvSpPr/>
+            <p:nvPr/>
+          </p:nvSpPr>
+          <p:spPr>
+            <a:xfrm>
+              <a:off x="6858000" y="2306320"/>
+              <a:ext cx="985520" cy="345440"/>
+            </a:xfrm>
+            <a:prstGeom prst="rect">
+              <a:avLst/>
+            </a:prstGeom>
+            <a:solidFill>
+              <a:srgbClr val="FCFEFB"/>
+            </a:solidFill>
+            <a:ln>
+              <a:noFill/>
+            </a:ln>
+          </p:spPr>
+          <p:style>
+            <a:lnRef idx="2">
+              <a:schemeClr val="accent1">
+                <a:shade val="15000"/>
+              </a:schemeClr>
+            </a:lnRef>
+            <a:fillRef idx="1">
+              <a:schemeClr val="accent1"/>
+            </a:fillRef>
+            <a:effectRef idx="0">
+              <a:schemeClr val="accent1"/>
+            </a:effectRef>
+            <a:fontRef idx="minor">
+              <a:schemeClr val="lt1"/>
+            </a:fontRef>
+          </p:style>
+          <p:txBody>
+            <a:bodyPr rtlCol="0" anchor="ctr"/>
+            <a:lstStyle/>
+            <a:p>
+              <a:pPr algn="ctr"/>
+              <a:endParaRPr lang="en-US"/>
+            </a:p>
+          </p:txBody>
+        </p:sp>
+      </p:grpSp>
+      <p:grpSp>
+        <p:nvGrpSpPr>
+          <p:cNvPr id="20" name="Group 19">
+            <a:extLst>
+              <a:ext uri="{FF2B5EF4-FFF2-40B4-BE49-F238E27FC236}">
+                <a16:creationId xmlns:a16="http://schemas.microsoft.com/office/drawing/2014/main" id="{DA619CED-C558-BF2C-0E72-2BDFE5D4606E}"/>
+              </a:ext>
+            </a:extLst>
+          </p:cNvPr>
+          <p:cNvGrpSpPr/>
+          <p:nvPr/>
+        </p:nvGrpSpPr>
+        <p:grpSpPr>
+          <a:xfrm>
+            <a:off x="8448040" y="230983"/>
+            <a:ext cx="3464560" cy="2396807"/>
+            <a:chOff x="5963920" y="944880"/>
+            <a:chExt cx="3464560" cy="2396807"/>
+          </a:xfrm>
+        </p:grpSpPr>
+        <p:pic>
+          <p:nvPicPr>
+            <p:cNvPr id="21" name="Picture 20">
+              <a:extLst>
+                <a:ext uri="{FF2B5EF4-FFF2-40B4-BE49-F238E27FC236}">
+                  <a16:creationId xmlns:a16="http://schemas.microsoft.com/office/drawing/2014/main" id="{BEBD17AB-FFDA-F116-C400-D3B3CE809C23}"/>
+                </a:ext>
+              </a:extLst>
+            </p:cNvPr>
+            <p:cNvPicPr>
+              <a:picLocks noChangeAspect="1"/>
+            </p:cNvPicPr>
+            <p:nvPr/>
+          </p:nvPicPr>
+          <p:blipFill>
+            <a:blip r:embed="rId2">
+              <a:extLst>
+                <a:ext uri="{28A0092B-C50C-407E-A947-70E740481C1C}">
+                  <a14:useLocalDpi xmlns:a14="http://schemas.microsoft.com/office/drawing/2010/main" val="0"/>
+                </a:ext>
+              </a:extLst>
+            </a:blip>
+            <a:srcRect l="53313" t="4474" r="10519" b="46643"/>
+            <a:stretch/>
+          </p:blipFill>
+          <p:spPr>
+            <a:xfrm>
+              <a:off x="6096000" y="944880"/>
+              <a:ext cx="3332480" cy="2396807"/>
+            </a:xfrm>
+            <a:prstGeom prst="rect">
+              <a:avLst/>
+            </a:prstGeom>
+          </p:spPr>
+        </p:pic>
+        <p:sp>
+          <p:nvSpPr>
+            <p:cNvPr id="22" name="Oval 21">
+              <a:extLst>
+                <a:ext uri="{FF2B5EF4-FFF2-40B4-BE49-F238E27FC236}">
+                  <a16:creationId xmlns:a16="http://schemas.microsoft.com/office/drawing/2014/main" id="{6CA4F24C-4B26-981D-BB1B-12D2A2B02E36}"/>
+                </a:ext>
+              </a:extLst>
+            </p:cNvPr>
+            <p:cNvSpPr/>
+            <p:nvPr/>
+          </p:nvSpPr>
+          <p:spPr>
+            <a:xfrm>
+              <a:off x="5963920" y="2499360"/>
+              <a:ext cx="375920" cy="558800"/>
+            </a:xfrm>
+            <a:prstGeom prst="ellipse">
+              <a:avLst/>
+            </a:prstGeom>
+            <a:solidFill>
+              <a:srgbClr val="FCFEFB"/>
+            </a:solidFill>
+            <a:ln>
+              <a:noFill/>
+            </a:ln>
+          </p:spPr>
+          <p:style>
+            <a:lnRef idx="2">
+              <a:schemeClr val="accent1">
+                <a:shade val="15000"/>
+              </a:schemeClr>
+            </a:lnRef>
+            <a:fillRef idx="1">
+              <a:schemeClr val="accent1"/>
+            </a:fillRef>
+            <a:effectRef idx="0">
+              <a:schemeClr val="accent1"/>
+            </a:effectRef>
+            <a:fontRef idx="minor">
+              <a:schemeClr val="lt1"/>
+            </a:fontRef>
+          </p:style>
+          <p:txBody>
+            <a:bodyPr rtlCol="0" anchor="ctr"/>
+            <a:lstStyle/>
+            <a:p>
+              <a:pPr algn="ctr"/>
+              <a:endParaRPr lang="en-US"/>
+            </a:p>
+          </p:txBody>
+        </p:sp>
+        <p:sp>
+          <p:nvSpPr>
+            <p:cNvPr id="23" name="Rectangle 22">
+              <a:extLst>
+                <a:ext uri="{FF2B5EF4-FFF2-40B4-BE49-F238E27FC236}">
+                  <a16:creationId xmlns:a16="http://schemas.microsoft.com/office/drawing/2014/main" id="{0C84C305-7B08-1D39-1E59-687B8FBD4AFC}"/>
+                </a:ext>
+              </a:extLst>
+            </p:cNvPr>
+            <p:cNvSpPr/>
+            <p:nvPr/>
+          </p:nvSpPr>
+          <p:spPr>
+            <a:xfrm>
+              <a:off x="6858000" y="2306320"/>
+              <a:ext cx="985520" cy="345440"/>
+            </a:xfrm>
+            <a:prstGeom prst="rect">
+              <a:avLst/>
+            </a:prstGeom>
+            <a:solidFill>
+              <a:srgbClr val="FCFEFB"/>
+            </a:solidFill>
+            <a:ln>
+              <a:noFill/>
+            </a:ln>
+          </p:spPr>
+          <p:style>
+            <a:lnRef idx="2">
+              <a:schemeClr val="accent1">
+                <a:shade val="15000"/>
+              </a:schemeClr>
+            </a:lnRef>
+            <a:fillRef idx="1">
+              <a:schemeClr val="accent1"/>
+            </a:fillRef>
+            <a:effectRef idx="0">
+              <a:schemeClr val="accent1"/>
+            </a:effectRef>
+            <a:fontRef idx="minor">
+              <a:schemeClr val="lt1"/>
+            </a:fontRef>
+          </p:style>
+          <p:txBody>
+            <a:bodyPr rtlCol="0" anchor="ctr"/>
+            <a:lstStyle/>
+            <a:p>
+              <a:pPr algn="ctr"/>
+              <a:endParaRPr lang="en-US"/>
+            </a:p>
+          </p:txBody>
+        </p:sp>
+      </p:grpSp>
+      <p:grpSp>
+        <p:nvGrpSpPr>
+          <p:cNvPr id="24" name="Group 23">
+            <a:extLst>
+              <a:ext uri="{FF2B5EF4-FFF2-40B4-BE49-F238E27FC236}">
+                <a16:creationId xmlns:a16="http://schemas.microsoft.com/office/drawing/2014/main" id="{CCAB6FA0-3D61-5CAB-3E5E-19891CC80542}"/>
+              </a:ext>
+            </a:extLst>
+          </p:cNvPr>
+          <p:cNvGrpSpPr/>
+          <p:nvPr/>
+        </p:nvGrpSpPr>
+        <p:grpSpPr>
+          <a:xfrm>
+            <a:off x="8580120" y="3145473"/>
+            <a:ext cx="3464560" cy="2396807"/>
+            <a:chOff x="5963920" y="944880"/>
+            <a:chExt cx="3464560" cy="2396807"/>
+          </a:xfrm>
+        </p:grpSpPr>
+        <p:pic>
+          <p:nvPicPr>
+            <p:cNvPr id="25" name="Picture 24">
+              <a:extLst>
+                <a:ext uri="{FF2B5EF4-FFF2-40B4-BE49-F238E27FC236}">
+                  <a16:creationId xmlns:a16="http://schemas.microsoft.com/office/drawing/2014/main" id="{13284AC3-A634-BC5A-7AE1-D37B54ED93FF}"/>
+                </a:ext>
+              </a:extLst>
+            </p:cNvPr>
+            <p:cNvPicPr>
+              <a:picLocks noChangeAspect="1"/>
+            </p:cNvPicPr>
+            <p:nvPr/>
+          </p:nvPicPr>
+          <p:blipFill>
+            <a:blip r:embed="rId2">
+              <a:extLst>
+                <a:ext uri="{28A0092B-C50C-407E-A947-70E740481C1C}">
+                  <a14:useLocalDpi xmlns:a14="http://schemas.microsoft.com/office/drawing/2010/main" val="0"/>
+                </a:ext>
+              </a:extLst>
+            </a:blip>
+            <a:srcRect l="53313" t="4474" r="10519" b="46643"/>
+            <a:stretch/>
+          </p:blipFill>
+          <p:spPr>
+            <a:xfrm>
+              <a:off x="6096000" y="944880"/>
+              <a:ext cx="3332480" cy="2396807"/>
+            </a:xfrm>
+            <a:prstGeom prst="rect">
+              <a:avLst/>
+            </a:prstGeom>
+          </p:spPr>
+        </p:pic>
+        <p:sp>
+          <p:nvSpPr>
+            <p:cNvPr id="26" name="Oval 25">
+              <a:extLst>
+                <a:ext uri="{FF2B5EF4-FFF2-40B4-BE49-F238E27FC236}">
+                  <a16:creationId xmlns:a16="http://schemas.microsoft.com/office/drawing/2014/main" id="{4BE9D6B4-F875-E17A-9867-7C07F650E779}"/>
+                </a:ext>
+              </a:extLst>
+            </p:cNvPr>
+            <p:cNvSpPr/>
+            <p:nvPr/>
+          </p:nvSpPr>
+          <p:spPr>
+            <a:xfrm>
+              <a:off x="5963920" y="2499360"/>
+              <a:ext cx="375920" cy="558800"/>
+            </a:xfrm>
+            <a:prstGeom prst="ellipse">
+              <a:avLst/>
+            </a:prstGeom>
+            <a:solidFill>
+              <a:srgbClr val="FCFEFB"/>
+            </a:solidFill>
+            <a:ln>
+              <a:noFill/>
+            </a:ln>
+          </p:spPr>
+          <p:style>
+            <a:lnRef idx="2">
+              <a:schemeClr val="accent1">
+                <a:shade val="15000"/>
+              </a:schemeClr>
+            </a:lnRef>
+            <a:fillRef idx="1">
+              <a:schemeClr val="accent1"/>
+            </a:fillRef>
+            <a:effectRef idx="0">
+              <a:schemeClr val="accent1"/>
+            </a:effectRef>
+            <a:fontRef idx="minor">
+              <a:schemeClr val="lt1"/>
+            </a:fontRef>
+          </p:style>
+          <p:txBody>
+            <a:bodyPr rtlCol="0" anchor="ctr"/>
+            <a:lstStyle/>
+            <a:p>
+              <a:pPr algn="ctr"/>
+              <a:endParaRPr lang="en-US"/>
+            </a:p>
+          </p:txBody>
+        </p:sp>
+        <p:sp>
+          <p:nvSpPr>
+            <p:cNvPr id="27" name="Rectangle 26">
+              <a:extLst>
+                <a:ext uri="{FF2B5EF4-FFF2-40B4-BE49-F238E27FC236}">
+                  <a16:creationId xmlns:a16="http://schemas.microsoft.com/office/drawing/2014/main" id="{7BA7CDCF-A800-8277-8A13-FD50C55FEA1A}"/>
+                </a:ext>
+              </a:extLst>
+            </p:cNvPr>
+            <p:cNvSpPr/>
+            <p:nvPr/>
+          </p:nvSpPr>
+          <p:spPr>
+            <a:xfrm>
+              <a:off x="6858000" y="2306320"/>
+              <a:ext cx="985520" cy="345440"/>
+            </a:xfrm>
+            <a:prstGeom prst="rect">
+              <a:avLst/>
+            </a:prstGeom>
+            <a:solidFill>
+              <a:srgbClr val="FCFEFB"/>
+            </a:solidFill>
+            <a:ln>
+              <a:noFill/>
+            </a:ln>
+          </p:spPr>
+          <p:style>
+            <a:lnRef idx="2">
+              <a:schemeClr val="accent1">
+                <a:shade val="15000"/>
+              </a:schemeClr>
+            </a:lnRef>
+            <a:fillRef idx="1">
+              <a:schemeClr val="accent1"/>
+            </a:fillRef>
+            <a:effectRef idx="0">
+              <a:schemeClr val="accent1"/>
+            </a:effectRef>
+            <a:fontRef idx="minor">
+              <a:schemeClr val="lt1"/>
+            </a:fontRef>
+          </p:style>
+          <p:txBody>
+            <a:bodyPr rtlCol="0" anchor="ctr"/>
+            <a:lstStyle/>
+            <a:p>
+              <a:pPr algn="ctr"/>
+              <a:endParaRPr lang="en-US"/>
+            </a:p>
+          </p:txBody>
+        </p:sp>
+      </p:grpSp>
+      <p:cxnSp>
+        <p:nvCxnSpPr>
+          <p:cNvPr id="33" name="Straight Arrow Connector 32">
+            <a:extLst>
+              <a:ext uri="{FF2B5EF4-FFF2-40B4-BE49-F238E27FC236}">
+                <a16:creationId xmlns:a16="http://schemas.microsoft.com/office/drawing/2014/main" id="{4C30CB9A-E539-228C-B60E-51C6714CB44B}"/>
+              </a:ext>
+            </a:extLst>
+          </p:cNvPr>
+          <p:cNvCxnSpPr/>
+          <p:nvPr/>
+        </p:nvCxnSpPr>
+        <p:spPr>
+          <a:xfrm flipV="1">
+            <a:off x="3749040" y="1937863"/>
+            <a:ext cx="1610360" cy="881537"/>
+          </a:xfrm>
+          <a:prstGeom prst="straightConnector1">
+            <a:avLst/>
+          </a:prstGeom>
+          <a:ln>
+            <a:tailEnd type="triangle"/>
+          </a:ln>
+        </p:spPr>
+        <p:style>
+          <a:lnRef idx="1">
+            <a:schemeClr val="accent1"/>
+          </a:lnRef>
+          <a:fillRef idx="0">
+            <a:schemeClr val="accent1"/>
+          </a:fillRef>
+          <a:effectRef idx="0">
+            <a:schemeClr val="accent1"/>
+          </a:effectRef>
+          <a:fontRef idx="minor">
+            <a:schemeClr val="tx1"/>
+          </a:fontRef>
+        </p:style>
+      </p:cxnSp>
+      <p:cxnSp>
+        <p:nvCxnSpPr>
+          <p:cNvPr id="34" name="Straight Arrow Connector 33">
+            <a:extLst>
+              <a:ext uri="{FF2B5EF4-FFF2-40B4-BE49-F238E27FC236}">
+                <a16:creationId xmlns:a16="http://schemas.microsoft.com/office/drawing/2014/main" id="{C91755E6-79F7-A80F-E62A-2EDF9163D668}"/>
+              </a:ext>
+            </a:extLst>
+          </p:cNvPr>
+          <p:cNvCxnSpPr>
+            <a:cxnSpLocks/>
+          </p:cNvCxnSpPr>
+          <p:nvPr/>
+        </p:nvCxnSpPr>
+        <p:spPr>
+          <a:xfrm>
+            <a:off x="3749040" y="3348673"/>
+            <a:ext cx="1442720" cy="1330960"/>
+          </a:xfrm>
+          <a:prstGeom prst="straightConnector1">
+            <a:avLst/>
+          </a:prstGeom>
+          <a:ln>
+            <a:tailEnd type="triangle"/>
+          </a:ln>
+        </p:spPr>
+        <p:style>
+          <a:lnRef idx="1">
+            <a:schemeClr val="accent1"/>
+          </a:lnRef>
+          <a:fillRef idx="0">
+            <a:schemeClr val="accent1"/>
+          </a:fillRef>
+          <a:effectRef idx="0">
+            <a:schemeClr val="accent1"/>
+          </a:effectRef>
+          <a:fontRef idx="minor">
+            <a:schemeClr val="tx1"/>
+          </a:fontRef>
+        </p:style>
+      </p:cxnSp>
     </p:spTree>
     <p:extLst>
       <p:ext uri="{BB962C8B-B14F-4D97-AF65-F5344CB8AC3E}">
@@ -21020,7 +21742,7 @@
         </p:nvGrpSpPr>
         <p:grpSpPr>
           <a:xfrm>
-            <a:off x="5963920" y="827087"/>
+            <a:off x="477520" y="1599247"/>
             <a:ext cx="3464560" cy="2759393"/>
             <a:chOff x="5963920" y="827087"/>
             <a:chExt cx="3464560" cy="2759393"/>
@@ -21170,6 +21892,1566 @@
     <p:extLst>
       <p:ext uri="{BB962C8B-B14F-4D97-AF65-F5344CB8AC3E}">
         <p14:creationId xmlns:p14="http://schemas.microsoft.com/office/powerpoint/2010/main" val="1824840789"/>
+      </p:ext>
+    </p:extLst>
+  </p:cSld>
+  <p:clrMapOvr>
+    <a:masterClrMapping/>
+  </p:clrMapOvr>
+</p:sld>
+</file>
+
+<file path=ppt/slides/slide26.xml><?xml version="1.0" encoding="utf-8"?>
+<p:sld xmlns:a="http://schemas.openxmlformats.org/drawingml/2006/main" xmlns:r="http://schemas.openxmlformats.org/officeDocument/2006/relationships" xmlns:p="http://schemas.openxmlformats.org/presentationml/2006/main">
+  <p:cSld>
+    <p:spTree>
+      <p:nvGrpSpPr>
+        <p:cNvPr id="1" name="">
+          <a:extLst>
+            <a:ext uri="{FF2B5EF4-FFF2-40B4-BE49-F238E27FC236}">
+              <a16:creationId xmlns:a16="http://schemas.microsoft.com/office/drawing/2014/main" id="{0AD5A864-C0CD-1DC2-0E4B-A79F75BF3BBC}"/>
+            </a:ext>
+          </a:extLst>
+        </p:cNvPr>
+        <p:cNvGrpSpPr/>
+        <p:nvPr/>
+      </p:nvGrpSpPr>
+      <p:grpSpPr>
+        <a:xfrm>
+          <a:off x="0" y="0"/>
+          <a:ext cx="0" cy="0"/>
+          <a:chOff x="0" y="0"/>
+          <a:chExt cx="0" cy="0"/>
+        </a:xfrm>
+      </p:grpSpPr>
+      <p:grpSp>
+        <p:nvGrpSpPr>
+          <p:cNvPr id="35" name="Group 34">
+            <a:extLst>
+              <a:ext uri="{FF2B5EF4-FFF2-40B4-BE49-F238E27FC236}">
+                <a16:creationId xmlns:a16="http://schemas.microsoft.com/office/drawing/2014/main" id="{B2BE83B8-F897-531E-9A29-9D210C1753E8}"/>
+              </a:ext>
+            </a:extLst>
+          </p:cNvPr>
+          <p:cNvGrpSpPr/>
+          <p:nvPr/>
+        </p:nvGrpSpPr>
+        <p:grpSpPr>
+          <a:xfrm>
+            <a:off x="5008880" y="68442"/>
+            <a:ext cx="2900680" cy="3443963"/>
+            <a:chOff x="6070600" y="111759"/>
+            <a:chExt cx="2900680" cy="3443963"/>
+          </a:xfrm>
+        </p:grpSpPr>
+        <p:sp>
+          <p:nvSpPr>
+            <p:cNvPr id="6" name="Rectangle 5">
+              <a:extLst>
+                <a:ext uri="{FF2B5EF4-FFF2-40B4-BE49-F238E27FC236}">
+                  <a16:creationId xmlns:a16="http://schemas.microsoft.com/office/drawing/2014/main" id="{97592D58-AE7A-528F-3740-1E380118B787}"/>
+                </a:ext>
+              </a:extLst>
+            </p:cNvPr>
+            <p:cNvSpPr/>
+            <p:nvPr/>
+          </p:nvSpPr>
+          <p:spPr>
+            <a:xfrm>
+              <a:off x="6070600" y="111759"/>
+              <a:ext cx="2900680" cy="415138"/>
+            </a:xfrm>
+            <a:prstGeom prst="rect">
+              <a:avLst/>
+            </a:prstGeom>
+            <a:noFill/>
+          </p:spPr>
+          <p:style>
+            <a:lnRef idx="2">
+              <a:schemeClr val="accent1">
+                <a:shade val="15000"/>
+              </a:schemeClr>
+            </a:lnRef>
+            <a:fillRef idx="1">
+              <a:schemeClr val="accent1"/>
+            </a:fillRef>
+            <a:effectRef idx="0">
+              <a:schemeClr val="accent1"/>
+            </a:effectRef>
+            <a:fontRef idx="minor">
+              <a:schemeClr val="lt1"/>
+            </a:fontRef>
+          </p:style>
+          <p:txBody>
+            <a:bodyPr rtlCol="0" anchor="ctr"/>
+            <a:lstStyle/>
+            <a:p>
+              <a:pPr algn="ctr"/>
+              <a:r>
+                <a:rPr lang="en-US" b="1" dirty="0">
+                  <a:solidFill>
+                    <a:schemeClr val="tx1"/>
+                  </a:solidFill>
+                </a:rPr>
+                <a:t>Car</a:t>
+              </a:r>
+            </a:p>
+          </p:txBody>
+        </p:sp>
+        <p:sp>
+          <p:nvSpPr>
+            <p:cNvPr id="14" name="Rectangle 13">
+              <a:extLst>
+                <a:ext uri="{FF2B5EF4-FFF2-40B4-BE49-F238E27FC236}">
+                  <a16:creationId xmlns:a16="http://schemas.microsoft.com/office/drawing/2014/main" id="{82DBFF88-4409-084B-D085-2529799CE6CE}"/>
+                </a:ext>
+              </a:extLst>
+            </p:cNvPr>
+            <p:cNvSpPr/>
+            <p:nvPr/>
+          </p:nvSpPr>
+          <p:spPr>
+            <a:xfrm>
+              <a:off x="6070600" y="526897"/>
+              <a:ext cx="2900680" cy="1428988"/>
+            </a:xfrm>
+            <a:prstGeom prst="rect">
+              <a:avLst/>
+            </a:prstGeom>
+            <a:noFill/>
+          </p:spPr>
+          <p:style>
+            <a:lnRef idx="2">
+              <a:schemeClr val="accent1">
+                <a:shade val="15000"/>
+              </a:schemeClr>
+            </a:lnRef>
+            <a:fillRef idx="1">
+              <a:schemeClr val="accent1"/>
+            </a:fillRef>
+            <a:effectRef idx="0">
+              <a:schemeClr val="accent1"/>
+            </a:effectRef>
+            <a:fontRef idx="minor">
+              <a:schemeClr val="lt1"/>
+            </a:fontRef>
+          </p:style>
+          <p:txBody>
+            <a:bodyPr rtlCol="0" anchor="ctr"/>
+            <a:lstStyle/>
+            <a:p>
+              <a:pPr algn="ctr"/>
+              <a:endParaRPr lang="en-US" b="1" dirty="0">
+                <a:solidFill>
+                  <a:schemeClr val="tx1"/>
+                </a:solidFill>
+              </a:endParaRPr>
+            </a:p>
+          </p:txBody>
+        </p:sp>
+        <p:sp>
+          <p:nvSpPr>
+            <p:cNvPr id="15" name="TextBox 14">
+              <a:extLst>
+                <a:ext uri="{FF2B5EF4-FFF2-40B4-BE49-F238E27FC236}">
+                  <a16:creationId xmlns:a16="http://schemas.microsoft.com/office/drawing/2014/main" id="{FBBB923C-E172-4EC1-7473-A3B5980F644A}"/>
+                </a:ext>
+              </a:extLst>
+            </p:cNvPr>
+            <p:cNvSpPr txBox="1"/>
+            <p:nvPr/>
+          </p:nvSpPr>
+          <p:spPr>
+            <a:xfrm>
+              <a:off x="6070600" y="610227"/>
+              <a:ext cx="1503680" cy="415138"/>
+            </a:xfrm>
+            <a:prstGeom prst="rect">
+              <a:avLst/>
+            </a:prstGeom>
+            <a:noFill/>
+          </p:spPr>
+          <p:txBody>
+            <a:bodyPr wrap="square" rtlCol="0">
+              <a:spAutoFit/>
+            </a:bodyPr>
+            <a:lstStyle/>
+            <a:p>
+              <a:r>
+                <a:rPr lang="en-US" dirty="0"/>
+                <a:t>+make: str </a:t>
+              </a:r>
+            </a:p>
+          </p:txBody>
+        </p:sp>
+        <p:sp>
+          <p:nvSpPr>
+            <p:cNvPr id="16" name="TextBox 15">
+              <a:extLst>
+                <a:ext uri="{FF2B5EF4-FFF2-40B4-BE49-F238E27FC236}">
+                  <a16:creationId xmlns:a16="http://schemas.microsoft.com/office/drawing/2014/main" id="{3632A9DA-39C7-1AD4-4ECB-8203D019E047}"/>
+                </a:ext>
+              </a:extLst>
+            </p:cNvPr>
+            <p:cNvSpPr txBox="1"/>
+            <p:nvPr/>
+          </p:nvSpPr>
+          <p:spPr>
+            <a:xfrm>
+              <a:off x="6070600" y="941410"/>
+              <a:ext cx="1503680" cy="415138"/>
+            </a:xfrm>
+            <a:prstGeom prst="rect">
+              <a:avLst/>
+            </a:prstGeom>
+            <a:noFill/>
+          </p:spPr>
+          <p:txBody>
+            <a:bodyPr wrap="square" rtlCol="0">
+              <a:spAutoFit/>
+            </a:bodyPr>
+            <a:lstStyle/>
+            <a:p>
+              <a:r>
+                <a:rPr lang="en-US" dirty="0"/>
+                <a:t>+model: str </a:t>
+              </a:r>
+            </a:p>
+          </p:txBody>
+        </p:sp>
+        <p:sp>
+          <p:nvSpPr>
+            <p:cNvPr id="17" name="TextBox 16">
+              <a:extLst>
+                <a:ext uri="{FF2B5EF4-FFF2-40B4-BE49-F238E27FC236}">
+                  <a16:creationId xmlns:a16="http://schemas.microsoft.com/office/drawing/2014/main" id="{62BB1F8C-F704-403B-F348-E7C2E8AE923F}"/>
+                </a:ext>
+              </a:extLst>
+            </p:cNvPr>
+            <p:cNvSpPr txBox="1"/>
+            <p:nvPr/>
+          </p:nvSpPr>
+          <p:spPr>
+            <a:xfrm>
+              <a:off x="6070600" y="1272592"/>
+              <a:ext cx="1503680" cy="415138"/>
+            </a:xfrm>
+            <a:prstGeom prst="rect">
+              <a:avLst/>
+            </a:prstGeom>
+            <a:noFill/>
+          </p:spPr>
+          <p:txBody>
+            <a:bodyPr wrap="square" rtlCol="0">
+              <a:spAutoFit/>
+            </a:bodyPr>
+            <a:lstStyle/>
+            <a:p>
+              <a:r>
+                <a:rPr lang="en-US" dirty="0"/>
+                <a:t>+year: str </a:t>
+              </a:r>
+            </a:p>
+          </p:txBody>
+        </p:sp>
+        <p:sp>
+          <p:nvSpPr>
+            <p:cNvPr id="18" name="TextBox 17">
+              <a:extLst>
+                <a:ext uri="{FF2B5EF4-FFF2-40B4-BE49-F238E27FC236}">
+                  <a16:creationId xmlns:a16="http://schemas.microsoft.com/office/drawing/2014/main" id="{4A18D319-DD83-B7D6-00EB-FFB66844A7BE}"/>
+                </a:ext>
+              </a:extLst>
+            </p:cNvPr>
+            <p:cNvSpPr txBox="1"/>
+            <p:nvPr/>
+          </p:nvSpPr>
+          <p:spPr>
+            <a:xfrm>
+              <a:off x="6070600" y="1580934"/>
+              <a:ext cx="2611120" cy="415138"/>
+            </a:xfrm>
+            <a:prstGeom prst="rect">
+              <a:avLst/>
+            </a:prstGeom>
+            <a:noFill/>
+          </p:spPr>
+          <p:txBody>
+            <a:bodyPr wrap="square" rtlCol="0">
+              <a:spAutoFit/>
+            </a:bodyPr>
+            <a:lstStyle/>
+            <a:p>
+              <a:r>
+                <a:rPr lang="en-US" dirty="0"/>
+                <a:t>+odometer_reading: int </a:t>
+              </a:r>
+            </a:p>
+          </p:txBody>
+        </p:sp>
+        <p:sp>
+          <p:nvSpPr>
+            <p:cNvPr id="19" name="Rectangle 18">
+              <a:extLst>
+                <a:ext uri="{FF2B5EF4-FFF2-40B4-BE49-F238E27FC236}">
+                  <a16:creationId xmlns:a16="http://schemas.microsoft.com/office/drawing/2014/main" id="{EFCCF94E-9474-C70A-0FC7-8CC59EE2DFC2}"/>
+                </a:ext>
+              </a:extLst>
+            </p:cNvPr>
+            <p:cNvSpPr/>
+            <p:nvPr/>
+          </p:nvSpPr>
+          <p:spPr>
+            <a:xfrm>
+              <a:off x="6070600" y="1973717"/>
+              <a:ext cx="2900680" cy="1561963"/>
+            </a:xfrm>
+            <a:prstGeom prst="rect">
+              <a:avLst/>
+            </a:prstGeom>
+            <a:noFill/>
+          </p:spPr>
+          <p:style>
+            <a:lnRef idx="2">
+              <a:schemeClr val="accent1">
+                <a:shade val="15000"/>
+              </a:schemeClr>
+            </a:lnRef>
+            <a:fillRef idx="1">
+              <a:schemeClr val="accent1"/>
+            </a:fillRef>
+            <a:effectRef idx="0">
+              <a:schemeClr val="accent1"/>
+            </a:effectRef>
+            <a:fontRef idx="minor">
+              <a:schemeClr val="lt1"/>
+            </a:fontRef>
+          </p:style>
+          <p:txBody>
+            <a:bodyPr rtlCol="0" anchor="ctr"/>
+            <a:lstStyle/>
+            <a:p>
+              <a:pPr algn="ctr"/>
+              <a:endParaRPr lang="en-US" b="1" dirty="0">
+                <a:solidFill>
+                  <a:schemeClr val="tx1"/>
+                </a:solidFill>
+              </a:endParaRPr>
+            </a:p>
+          </p:txBody>
+        </p:sp>
+        <p:sp>
+          <p:nvSpPr>
+            <p:cNvPr id="20" name="TextBox 19">
+              <a:extLst>
+                <a:ext uri="{FF2B5EF4-FFF2-40B4-BE49-F238E27FC236}">
+                  <a16:creationId xmlns:a16="http://schemas.microsoft.com/office/drawing/2014/main" id="{9D730D43-7C56-0C8D-9A70-D71C38019206}"/>
+                </a:ext>
+              </a:extLst>
+            </p:cNvPr>
+            <p:cNvSpPr txBox="1"/>
+            <p:nvPr/>
+          </p:nvSpPr>
+          <p:spPr>
+            <a:xfrm>
+              <a:off x="6070600" y="1990817"/>
+              <a:ext cx="2900680" cy="646331"/>
+            </a:xfrm>
+            <a:prstGeom prst="rect">
+              <a:avLst/>
+            </a:prstGeom>
+            <a:noFill/>
+          </p:spPr>
+          <p:txBody>
+            <a:bodyPr wrap="square" rtlCol="0">
+              <a:spAutoFit/>
+            </a:bodyPr>
+            <a:lstStyle/>
+            <a:p>
+              <a:r>
+                <a:rPr lang="en-US" dirty="0"/>
+                <a:t>+__init__(make,model,year)</a:t>
+              </a:r>
+            </a:p>
+            <a:p>
+              <a:r>
+                <a:rPr lang="en-US" dirty="0"/>
+                <a:t>+get_descriptive_name() </a:t>
+              </a:r>
+            </a:p>
+          </p:txBody>
+        </p:sp>
+        <p:sp>
+          <p:nvSpPr>
+            <p:cNvPr id="23" name="TextBox 22">
+              <a:extLst>
+                <a:ext uri="{FF2B5EF4-FFF2-40B4-BE49-F238E27FC236}">
+                  <a16:creationId xmlns:a16="http://schemas.microsoft.com/office/drawing/2014/main" id="{4A7D474E-BAC5-A427-C39F-F6F99D60E843}"/>
+                </a:ext>
+              </a:extLst>
+            </p:cNvPr>
+            <p:cNvSpPr txBox="1"/>
+            <p:nvPr/>
+          </p:nvSpPr>
+          <p:spPr>
+            <a:xfrm>
+              <a:off x="6070600" y="2517877"/>
+              <a:ext cx="2783840" cy="1037845"/>
+            </a:xfrm>
+            <a:prstGeom prst="rect">
+              <a:avLst/>
+            </a:prstGeom>
+            <a:noFill/>
+          </p:spPr>
+          <p:txBody>
+            <a:bodyPr wrap="square" rtlCol="0">
+              <a:spAutoFit/>
+            </a:bodyPr>
+            <a:lstStyle/>
+            <a:p>
+              <a:r>
+                <a:rPr lang="en-US" dirty="0"/>
+                <a:t>+read_odometer()</a:t>
+              </a:r>
+            </a:p>
+            <a:p>
+              <a:r>
+                <a:rPr lang="en-US" dirty="0"/>
+                <a:t>+update_odometer()</a:t>
+              </a:r>
+            </a:p>
+            <a:p>
+              <a:r>
+                <a:rPr lang="en-US" dirty="0"/>
+                <a:t>+increment_odometer()</a:t>
+              </a:r>
+            </a:p>
+          </p:txBody>
+        </p:sp>
+      </p:grpSp>
+      <p:grpSp>
+        <p:nvGrpSpPr>
+          <p:cNvPr id="36" name="Group 35">
+            <a:extLst>
+              <a:ext uri="{FF2B5EF4-FFF2-40B4-BE49-F238E27FC236}">
+                <a16:creationId xmlns:a16="http://schemas.microsoft.com/office/drawing/2014/main" id="{7F0E6DF7-3294-57DF-9411-D7367825E1D9}"/>
+              </a:ext>
+            </a:extLst>
+          </p:cNvPr>
+          <p:cNvGrpSpPr/>
+          <p:nvPr/>
+        </p:nvGrpSpPr>
+        <p:grpSpPr>
+          <a:xfrm>
+            <a:off x="5008880" y="4569768"/>
+            <a:ext cx="2900680" cy="2114171"/>
+            <a:chOff x="9271000" y="3512683"/>
+            <a:chExt cx="2788920" cy="2114171"/>
+          </a:xfrm>
+        </p:grpSpPr>
+        <p:sp>
+          <p:nvSpPr>
+            <p:cNvPr id="26" name="Rectangle 25">
+              <a:extLst>
+                <a:ext uri="{FF2B5EF4-FFF2-40B4-BE49-F238E27FC236}">
+                  <a16:creationId xmlns:a16="http://schemas.microsoft.com/office/drawing/2014/main" id="{52C3135C-2C05-1813-6C08-346AED2C3C6B}"/>
+                </a:ext>
+              </a:extLst>
+            </p:cNvPr>
+            <p:cNvSpPr/>
+            <p:nvPr/>
+          </p:nvSpPr>
+          <p:spPr>
+            <a:xfrm>
+              <a:off x="9271000" y="3512683"/>
+              <a:ext cx="2783840" cy="369332"/>
+            </a:xfrm>
+            <a:prstGeom prst="rect">
+              <a:avLst/>
+            </a:prstGeom>
+            <a:noFill/>
+          </p:spPr>
+          <p:style>
+            <a:lnRef idx="2">
+              <a:schemeClr val="accent1">
+                <a:shade val="15000"/>
+              </a:schemeClr>
+            </a:lnRef>
+            <a:fillRef idx="1">
+              <a:schemeClr val="accent1"/>
+            </a:fillRef>
+            <a:effectRef idx="0">
+              <a:schemeClr val="accent1"/>
+            </a:effectRef>
+            <a:fontRef idx="minor">
+              <a:schemeClr val="lt1"/>
+            </a:fontRef>
+          </p:style>
+          <p:txBody>
+            <a:bodyPr rtlCol="0" anchor="ctr"/>
+            <a:lstStyle/>
+            <a:p>
+              <a:pPr algn="ctr"/>
+              <a:r>
+                <a:rPr lang="en-US" b="1" dirty="0">
+                  <a:solidFill>
+                    <a:schemeClr val="tx1"/>
+                  </a:solidFill>
+                </a:rPr>
+                <a:t>ElectricCar</a:t>
+              </a:r>
+            </a:p>
+          </p:txBody>
+        </p:sp>
+        <p:sp>
+          <p:nvSpPr>
+            <p:cNvPr id="27" name="Rectangle 26">
+              <a:extLst>
+                <a:ext uri="{FF2B5EF4-FFF2-40B4-BE49-F238E27FC236}">
+                  <a16:creationId xmlns:a16="http://schemas.microsoft.com/office/drawing/2014/main" id="{4EBA2BA2-A306-0008-2C0A-F532A786AC89}"/>
+                </a:ext>
+              </a:extLst>
+            </p:cNvPr>
+            <p:cNvSpPr/>
+            <p:nvPr/>
+          </p:nvSpPr>
+          <p:spPr>
+            <a:xfrm>
+              <a:off x="9271000" y="3882015"/>
+              <a:ext cx="2783840" cy="1015107"/>
+            </a:xfrm>
+            <a:prstGeom prst="rect">
+              <a:avLst/>
+            </a:prstGeom>
+            <a:noFill/>
+          </p:spPr>
+          <p:style>
+            <a:lnRef idx="2">
+              <a:schemeClr val="accent1">
+                <a:shade val="15000"/>
+              </a:schemeClr>
+            </a:lnRef>
+            <a:fillRef idx="1">
+              <a:schemeClr val="accent1"/>
+            </a:fillRef>
+            <a:effectRef idx="0">
+              <a:schemeClr val="accent1"/>
+            </a:effectRef>
+            <a:fontRef idx="minor">
+              <a:schemeClr val="lt1"/>
+            </a:fontRef>
+          </p:style>
+          <p:txBody>
+            <a:bodyPr rtlCol="0" anchor="ctr"/>
+            <a:lstStyle/>
+            <a:p>
+              <a:pPr algn="ctr"/>
+              <a:endParaRPr lang="en-US" b="1" dirty="0">
+                <a:solidFill>
+                  <a:schemeClr val="tx1"/>
+                </a:solidFill>
+              </a:endParaRPr>
+            </a:p>
+          </p:txBody>
+        </p:sp>
+        <p:sp>
+          <p:nvSpPr>
+            <p:cNvPr id="28" name="TextBox 27">
+              <a:extLst>
+                <a:ext uri="{FF2B5EF4-FFF2-40B4-BE49-F238E27FC236}">
+                  <a16:creationId xmlns:a16="http://schemas.microsoft.com/office/drawing/2014/main" id="{9EFA053B-FB62-626F-13D7-1C4B6F61C591}"/>
+                </a:ext>
+              </a:extLst>
+            </p:cNvPr>
+            <p:cNvSpPr txBox="1"/>
+            <p:nvPr/>
+          </p:nvSpPr>
+          <p:spPr>
+            <a:xfrm>
+              <a:off x="9271000" y="3956151"/>
+              <a:ext cx="2783840" cy="369332"/>
+            </a:xfrm>
+            <a:prstGeom prst="rect">
+              <a:avLst/>
+            </a:prstGeom>
+            <a:noFill/>
+          </p:spPr>
+          <p:txBody>
+            <a:bodyPr wrap="square" rtlCol="0">
+              <a:spAutoFit/>
+            </a:bodyPr>
+            <a:lstStyle/>
+            <a:p>
+              <a:r>
+                <a:rPr lang="en-US" dirty="0"/>
+                <a:t>+inherit from Car</a:t>
+              </a:r>
+            </a:p>
+          </p:txBody>
+        </p:sp>
+        <p:sp>
+          <p:nvSpPr>
+            <p:cNvPr id="29" name="TextBox 28">
+              <a:extLst>
+                <a:ext uri="{FF2B5EF4-FFF2-40B4-BE49-F238E27FC236}">
+                  <a16:creationId xmlns:a16="http://schemas.microsoft.com/office/drawing/2014/main" id="{260788A4-8AE0-CBC9-1B07-15229773A034}"/>
+                </a:ext>
+              </a:extLst>
+            </p:cNvPr>
+            <p:cNvSpPr txBox="1"/>
+            <p:nvPr/>
+          </p:nvSpPr>
+          <p:spPr>
+            <a:xfrm>
+              <a:off x="9271000" y="4250791"/>
+              <a:ext cx="1503680" cy="646331"/>
+            </a:xfrm>
+            <a:prstGeom prst="rect">
+              <a:avLst/>
+            </a:prstGeom>
+            <a:noFill/>
+          </p:spPr>
+          <p:txBody>
+            <a:bodyPr wrap="square" rtlCol="0">
+              <a:spAutoFit/>
+            </a:bodyPr>
+            <a:lstStyle/>
+            <a:p>
+              <a:r>
+                <a:rPr lang="en-US" dirty="0"/>
+                <a:t>+……</a:t>
+              </a:r>
+            </a:p>
+            <a:p>
+              <a:r>
+                <a:rPr lang="en-US" dirty="0"/>
+                <a:t>- …… </a:t>
+              </a:r>
+            </a:p>
+          </p:txBody>
+        </p:sp>
+        <p:sp>
+          <p:nvSpPr>
+            <p:cNvPr id="32" name="Rectangle 31">
+              <a:extLst>
+                <a:ext uri="{FF2B5EF4-FFF2-40B4-BE49-F238E27FC236}">
+                  <a16:creationId xmlns:a16="http://schemas.microsoft.com/office/drawing/2014/main" id="{9D108526-3089-0C11-409B-6F6CB10D8FB2}"/>
+                </a:ext>
+              </a:extLst>
+            </p:cNvPr>
+            <p:cNvSpPr/>
+            <p:nvPr/>
+          </p:nvSpPr>
+          <p:spPr>
+            <a:xfrm>
+              <a:off x="9271000" y="4897123"/>
+              <a:ext cx="2783840" cy="729731"/>
+            </a:xfrm>
+            <a:prstGeom prst="rect">
+              <a:avLst/>
+            </a:prstGeom>
+            <a:noFill/>
+          </p:spPr>
+          <p:style>
+            <a:lnRef idx="2">
+              <a:schemeClr val="accent1">
+                <a:shade val="15000"/>
+              </a:schemeClr>
+            </a:lnRef>
+            <a:fillRef idx="1">
+              <a:schemeClr val="accent1"/>
+            </a:fillRef>
+            <a:effectRef idx="0">
+              <a:schemeClr val="accent1"/>
+            </a:effectRef>
+            <a:fontRef idx="minor">
+              <a:schemeClr val="lt1"/>
+            </a:fontRef>
+          </p:style>
+          <p:txBody>
+            <a:bodyPr rtlCol="0" anchor="ctr"/>
+            <a:lstStyle/>
+            <a:p>
+              <a:pPr algn="ctr"/>
+              <a:endParaRPr lang="en-US" b="1" dirty="0">
+                <a:solidFill>
+                  <a:schemeClr val="tx1"/>
+                </a:solidFill>
+              </a:endParaRPr>
+            </a:p>
+          </p:txBody>
+        </p:sp>
+        <p:sp>
+          <p:nvSpPr>
+            <p:cNvPr id="34" name="TextBox 33">
+              <a:extLst>
+                <a:ext uri="{FF2B5EF4-FFF2-40B4-BE49-F238E27FC236}">
+                  <a16:creationId xmlns:a16="http://schemas.microsoft.com/office/drawing/2014/main" id="{F0FC910A-7766-1F91-02E1-02577B0DFEC8}"/>
+                </a:ext>
+              </a:extLst>
+            </p:cNvPr>
+            <p:cNvSpPr txBox="1"/>
+            <p:nvPr/>
+          </p:nvSpPr>
+          <p:spPr>
+            <a:xfrm>
+              <a:off x="9276080" y="4888190"/>
+              <a:ext cx="2783840" cy="646331"/>
+            </a:xfrm>
+            <a:prstGeom prst="rect">
+              <a:avLst/>
+            </a:prstGeom>
+            <a:noFill/>
+          </p:spPr>
+          <p:txBody>
+            <a:bodyPr wrap="square" rtlCol="0">
+              <a:spAutoFit/>
+            </a:bodyPr>
+            <a:lstStyle/>
+            <a:p>
+              <a:r>
+                <a:rPr lang="en-US" dirty="0"/>
+                <a:t>+inherits from Car</a:t>
+              </a:r>
+            </a:p>
+            <a:p>
+              <a:r>
+                <a:rPr lang="en-US" dirty="0"/>
+                <a:t>+…….</a:t>
+              </a:r>
+            </a:p>
+          </p:txBody>
+        </p:sp>
+      </p:grpSp>
+      <p:cxnSp>
+        <p:nvCxnSpPr>
+          <p:cNvPr id="38" name="Straight Arrow Connector 37">
+            <a:extLst>
+              <a:ext uri="{FF2B5EF4-FFF2-40B4-BE49-F238E27FC236}">
+                <a16:creationId xmlns:a16="http://schemas.microsoft.com/office/drawing/2014/main" id="{1F60FEFC-2D1D-2F28-6EF6-395967FBE840}"/>
+              </a:ext>
+            </a:extLst>
+          </p:cNvPr>
+          <p:cNvCxnSpPr>
+            <a:cxnSpLocks/>
+          </p:cNvCxnSpPr>
+          <p:nvPr/>
+        </p:nvCxnSpPr>
+        <p:spPr>
+          <a:xfrm flipV="1">
+            <a:off x="6456578" y="3484880"/>
+            <a:ext cx="0" cy="1097280"/>
+          </a:xfrm>
+          <a:prstGeom prst="straightConnector1">
+            <a:avLst/>
+          </a:prstGeom>
+          <a:ln w="19050">
+            <a:solidFill>
+              <a:schemeClr val="tx1"/>
+            </a:solidFill>
+            <a:headEnd type="none" w="med" len="med"/>
+            <a:tailEnd type="arrow" w="med" len="med"/>
+          </a:ln>
+        </p:spPr>
+        <p:style>
+          <a:lnRef idx="1">
+            <a:schemeClr val="accent1"/>
+          </a:lnRef>
+          <a:fillRef idx="0">
+            <a:schemeClr val="accent1"/>
+          </a:fillRef>
+          <a:effectRef idx="0">
+            <a:schemeClr val="accent1"/>
+          </a:effectRef>
+          <a:fontRef idx="minor">
+            <a:schemeClr val="tx1"/>
+          </a:fontRef>
+        </p:style>
+      </p:cxnSp>
+      <p:sp>
+        <p:nvSpPr>
+          <p:cNvPr id="39" name="TextBox 38">
+            <a:extLst>
+              <a:ext uri="{FF2B5EF4-FFF2-40B4-BE49-F238E27FC236}">
+                <a16:creationId xmlns:a16="http://schemas.microsoft.com/office/drawing/2014/main" id="{8C41A785-3DE7-791E-EB5F-0322C6A6949F}"/>
+              </a:ext>
+            </a:extLst>
+          </p:cNvPr>
+          <p:cNvSpPr txBox="1"/>
+          <p:nvPr/>
+        </p:nvSpPr>
+        <p:spPr>
+          <a:xfrm>
+            <a:off x="8432800" y="1644413"/>
+            <a:ext cx="1952458" cy="369332"/>
+          </a:xfrm>
+          <a:prstGeom prst="rect">
+            <a:avLst/>
+          </a:prstGeom>
+          <a:noFill/>
+        </p:spPr>
+        <p:txBody>
+          <a:bodyPr wrap="none" rtlCol="0">
+            <a:spAutoFit/>
+          </a:bodyPr>
+          <a:lstStyle/>
+          <a:p>
+            <a:r>
+              <a:rPr lang="en-US" dirty="0"/>
+              <a:t>super/base/parent</a:t>
+            </a:r>
+          </a:p>
+        </p:txBody>
+      </p:sp>
+      <p:sp>
+        <p:nvSpPr>
+          <p:cNvPr id="40" name="TextBox 39">
+            <a:extLst>
+              <a:ext uri="{FF2B5EF4-FFF2-40B4-BE49-F238E27FC236}">
+                <a16:creationId xmlns:a16="http://schemas.microsoft.com/office/drawing/2014/main" id="{BF6E0F99-8914-817B-8295-2DDB7397ED7F}"/>
+              </a:ext>
+            </a:extLst>
+          </p:cNvPr>
+          <p:cNvSpPr txBox="1"/>
+          <p:nvPr/>
+        </p:nvSpPr>
+        <p:spPr>
+          <a:xfrm>
+            <a:off x="8432800" y="5382568"/>
+            <a:ext cx="2380780" cy="369332"/>
+          </a:xfrm>
+          <a:prstGeom prst="rect">
+            <a:avLst/>
+          </a:prstGeom>
+          <a:noFill/>
+        </p:spPr>
+        <p:txBody>
+          <a:bodyPr wrap="none" rtlCol="0">
+            <a:spAutoFit/>
+          </a:bodyPr>
+          <a:lstStyle/>
+          <a:p>
+            <a:r>
+              <a:rPr lang="en-US" dirty="0"/>
+              <a:t>subclass/derived/child</a:t>
+            </a:r>
+          </a:p>
+        </p:txBody>
+      </p:sp>
+    </p:spTree>
+    <p:extLst>
+      <p:ext uri="{BB962C8B-B14F-4D97-AF65-F5344CB8AC3E}">
+        <p14:creationId xmlns:p14="http://schemas.microsoft.com/office/powerpoint/2010/main" val="982471593"/>
+      </p:ext>
+    </p:extLst>
+  </p:cSld>
+  <p:clrMapOvr>
+    <a:masterClrMapping/>
+  </p:clrMapOvr>
+</p:sld>
+</file>
+
+<file path=ppt/slides/slide27.xml><?xml version="1.0" encoding="utf-8"?>
+<p:sld xmlns:a="http://schemas.openxmlformats.org/drawingml/2006/main" xmlns:r="http://schemas.openxmlformats.org/officeDocument/2006/relationships" xmlns:p="http://schemas.openxmlformats.org/presentationml/2006/main">
+  <p:cSld>
+    <p:spTree>
+      <p:nvGrpSpPr>
+        <p:cNvPr id="1" name="">
+          <a:extLst>
+            <a:ext uri="{FF2B5EF4-FFF2-40B4-BE49-F238E27FC236}">
+              <a16:creationId xmlns:a16="http://schemas.microsoft.com/office/drawing/2014/main" id="{B7981070-6F46-6117-926A-15F00D50430A}"/>
+            </a:ext>
+          </a:extLst>
+        </p:cNvPr>
+        <p:cNvGrpSpPr/>
+        <p:nvPr/>
+      </p:nvGrpSpPr>
+      <p:grpSpPr>
+        <a:xfrm>
+          <a:off x="0" y="0"/>
+          <a:ext cx="0" cy="0"/>
+          <a:chOff x="0" y="0"/>
+          <a:chExt cx="0" cy="0"/>
+        </a:xfrm>
+      </p:grpSpPr>
+      <p:grpSp>
+        <p:nvGrpSpPr>
+          <p:cNvPr id="2" name="Group 1">
+            <a:extLst>
+              <a:ext uri="{FF2B5EF4-FFF2-40B4-BE49-F238E27FC236}">
+                <a16:creationId xmlns:a16="http://schemas.microsoft.com/office/drawing/2014/main" id="{346D1C5B-1886-286E-D084-D16A6ADEEB09}"/>
+              </a:ext>
+            </a:extLst>
+          </p:cNvPr>
+          <p:cNvGrpSpPr/>
+          <p:nvPr/>
+        </p:nvGrpSpPr>
+        <p:grpSpPr>
+          <a:xfrm>
+            <a:off x="5008880" y="68442"/>
+            <a:ext cx="2900680" cy="2918236"/>
+            <a:chOff x="5008880" y="68442"/>
+            <a:chExt cx="2900680" cy="2918236"/>
+          </a:xfrm>
+        </p:grpSpPr>
+        <p:sp>
+          <p:nvSpPr>
+            <p:cNvPr id="6" name="Rectangle 5">
+              <a:extLst>
+                <a:ext uri="{FF2B5EF4-FFF2-40B4-BE49-F238E27FC236}">
+                  <a16:creationId xmlns:a16="http://schemas.microsoft.com/office/drawing/2014/main" id="{06D50F20-5DC0-E80F-D2DF-EE3185F77577}"/>
+                </a:ext>
+              </a:extLst>
+            </p:cNvPr>
+            <p:cNvSpPr/>
+            <p:nvPr/>
+          </p:nvSpPr>
+          <p:spPr>
+            <a:xfrm>
+              <a:off x="5008880" y="68442"/>
+              <a:ext cx="2900680" cy="415138"/>
+            </a:xfrm>
+            <a:prstGeom prst="rect">
+              <a:avLst/>
+            </a:prstGeom>
+            <a:noFill/>
+          </p:spPr>
+          <p:style>
+            <a:lnRef idx="2">
+              <a:schemeClr val="accent1">
+                <a:shade val="15000"/>
+              </a:schemeClr>
+            </a:lnRef>
+            <a:fillRef idx="1">
+              <a:schemeClr val="accent1"/>
+            </a:fillRef>
+            <a:effectRef idx="0">
+              <a:schemeClr val="accent1"/>
+            </a:effectRef>
+            <a:fontRef idx="minor">
+              <a:schemeClr val="lt1"/>
+            </a:fontRef>
+          </p:style>
+          <p:txBody>
+            <a:bodyPr rtlCol="0" anchor="ctr"/>
+            <a:lstStyle/>
+            <a:p>
+              <a:pPr algn="ctr"/>
+              <a:r>
+                <a:rPr lang="en-US" b="1" dirty="0">
+                  <a:solidFill>
+                    <a:schemeClr val="tx1"/>
+                  </a:solidFill>
+                </a:rPr>
+                <a:t>Dog</a:t>
+              </a:r>
+            </a:p>
+          </p:txBody>
+        </p:sp>
+        <p:sp>
+          <p:nvSpPr>
+            <p:cNvPr id="14" name="Rectangle 13">
+              <a:extLst>
+                <a:ext uri="{FF2B5EF4-FFF2-40B4-BE49-F238E27FC236}">
+                  <a16:creationId xmlns:a16="http://schemas.microsoft.com/office/drawing/2014/main" id="{DF4FCC3D-4160-09A8-FFE4-DD64E5E30AD0}"/>
+                </a:ext>
+              </a:extLst>
+            </p:cNvPr>
+            <p:cNvSpPr/>
+            <p:nvPr/>
+          </p:nvSpPr>
+          <p:spPr>
+            <a:xfrm>
+              <a:off x="5008880" y="483580"/>
+              <a:ext cx="2900680" cy="933617"/>
+            </a:xfrm>
+            <a:prstGeom prst="rect">
+              <a:avLst/>
+            </a:prstGeom>
+            <a:noFill/>
+          </p:spPr>
+          <p:style>
+            <a:lnRef idx="2">
+              <a:schemeClr val="accent1">
+                <a:shade val="15000"/>
+              </a:schemeClr>
+            </a:lnRef>
+            <a:fillRef idx="1">
+              <a:schemeClr val="accent1"/>
+            </a:fillRef>
+            <a:effectRef idx="0">
+              <a:schemeClr val="accent1"/>
+            </a:effectRef>
+            <a:fontRef idx="minor">
+              <a:schemeClr val="lt1"/>
+            </a:fontRef>
+          </p:style>
+          <p:txBody>
+            <a:bodyPr rtlCol="0" anchor="ctr"/>
+            <a:lstStyle/>
+            <a:p>
+              <a:pPr algn="ctr"/>
+              <a:endParaRPr lang="en-US" b="1" dirty="0">
+                <a:solidFill>
+                  <a:schemeClr val="tx1"/>
+                </a:solidFill>
+              </a:endParaRPr>
+            </a:p>
+          </p:txBody>
+        </p:sp>
+        <p:sp>
+          <p:nvSpPr>
+            <p:cNvPr id="15" name="TextBox 14">
+              <a:extLst>
+                <a:ext uri="{FF2B5EF4-FFF2-40B4-BE49-F238E27FC236}">
+                  <a16:creationId xmlns:a16="http://schemas.microsoft.com/office/drawing/2014/main" id="{A9B327A0-B208-6BBB-5B70-B1BC70D90A8E}"/>
+                </a:ext>
+              </a:extLst>
+            </p:cNvPr>
+            <p:cNvSpPr txBox="1"/>
+            <p:nvPr/>
+          </p:nvSpPr>
+          <p:spPr>
+            <a:xfrm>
+              <a:off x="5008880" y="495790"/>
+              <a:ext cx="1503680" cy="369332"/>
+            </a:xfrm>
+            <a:prstGeom prst="rect">
+              <a:avLst/>
+            </a:prstGeom>
+            <a:noFill/>
+          </p:spPr>
+          <p:txBody>
+            <a:bodyPr wrap="square" rtlCol="0">
+              <a:spAutoFit/>
+            </a:bodyPr>
+            <a:lstStyle/>
+            <a:p>
+              <a:r>
+                <a:rPr lang="en-US" dirty="0"/>
+                <a:t>+name: str </a:t>
+              </a:r>
+            </a:p>
+          </p:txBody>
+        </p:sp>
+        <p:sp>
+          <p:nvSpPr>
+            <p:cNvPr id="16" name="TextBox 15">
+              <a:extLst>
+                <a:ext uri="{FF2B5EF4-FFF2-40B4-BE49-F238E27FC236}">
+                  <a16:creationId xmlns:a16="http://schemas.microsoft.com/office/drawing/2014/main" id="{B90020BA-FB7C-53CB-A2B6-E7E78E3CF26A}"/>
+                </a:ext>
+              </a:extLst>
+            </p:cNvPr>
+            <p:cNvSpPr txBox="1"/>
+            <p:nvPr/>
+          </p:nvSpPr>
+          <p:spPr>
+            <a:xfrm>
+              <a:off x="5008880" y="745693"/>
+              <a:ext cx="1503680" cy="646331"/>
+            </a:xfrm>
+            <a:prstGeom prst="rect">
+              <a:avLst/>
+            </a:prstGeom>
+            <a:noFill/>
+          </p:spPr>
+          <p:txBody>
+            <a:bodyPr wrap="square" rtlCol="0">
+              <a:spAutoFit/>
+            </a:bodyPr>
+            <a:lstStyle/>
+            <a:p>
+              <a:r>
+                <a:rPr lang="en-US" dirty="0"/>
+                <a:t>+age: int</a:t>
+              </a:r>
+            </a:p>
+            <a:p>
+              <a:r>
+                <a:rPr lang="en-US" dirty="0"/>
+                <a:t>……… </a:t>
+              </a:r>
+            </a:p>
+          </p:txBody>
+        </p:sp>
+        <p:sp>
+          <p:nvSpPr>
+            <p:cNvPr id="19" name="Rectangle 18">
+              <a:extLst>
+                <a:ext uri="{FF2B5EF4-FFF2-40B4-BE49-F238E27FC236}">
+                  <a16:creationId xmlns:a16="http://schemas.microsoft.com/office/drawing/2014/main" id="{08CF93E0-536C-DCC5-CB2F-1A08C61B1B28}"/>
+                </a:ext>
+              </a:extLst>
+            </p:cNvPr>
+            <p:cNvSpPr/>
+            <p:nvPr/>
+          </p:nvSpPr>
+          <p:spPr>
+            <a:xfrm>
+              <a:off x="5008880" y="1424715"/>
+              <a:ext cx="2900680" cy="1561963"/>
+            </a:xfrm>
+            <a:prstGeom prst="rect">
+              <a:avLst/>
+            </a:prstGeom>
+            <a:noFill/>
+          </p:spPr>
+          <p:style>
+            <a:lnRef idx="2">
+              <a:schemeClr val="accent1">
+                <a:shade val="15000"/>
+              </a:schemeClr>
+            </a:lnRef>
+            <a:fillRef idx="1">
+              <a:schemeClr val="accent1"/>
+            </a:fillRef>
+            <a:effectRef idx="0">
+              <a:schemeClr val="accent1"/>
+            </a:effectRef>
+            <a:fontRef idx="minor">
+              <a:schemeClr val="lt1"/>
+            </a:fontRef>
+          </p:style>
+          <p:txBody>
+            <a:bodyPr rtlCol="0" anchor="ctr"/>
+            <a:lstStyle/>
+            <a:p>
+              <a:pPr algn="ctr"/>
+              <a:endParaRPr lang="en-US" b="1" dirty="0">
+                <a:solidFill>
+                  <a:schemeClr val="tx1"/>
+                </a:solidFill>
+              </a:endParaRPr>
+            </a:p>
+          </p:txBody>
+        </p:sp>
+        <p:sp>
+          <p:nvSpPr>
+            <p:cNvPr id="23" name="TextBox 22">
+              <a:extLst>
+                <a:ext uri="{FF2B5EF4-FFF2-40B4-BE49-F238E27FC236}">
+                  <a16:creationId xmlns:a16="http://schemas.microsoft.com/office/drawing/2014/main" id="{D237EBDB-D5FA-C312-DFD0-2BD667CCF474}"/>
+                </a:ext>
+              </a:extLst>
+            </p:cNvPr>
+            <p:cNvSpPr txBox="1"/>
+            <p:nvPr/>
+          </p:nvSpPr>
+          <p:spPr>
+            <a:xfrm>
+              <a:off x="5008880" y="1498949"/>
+              <a:ext cx="2783840" cy="923330"/>
+            </a:xfrm>
+            <a:prstGeom prst="rect">
+              <a:avLst/>
+            </a:prstGeom>
+            <a:noFill/>
+          </p:spPr>
+          <p:txBody>
+            <a:bodyPr wrap="square" rtlCol="0">
+              <a:spAutoFit/>
+            </a:bodyPr>
+            <a:lstStyle/>
+            <a:p>
+              <a:r>
+                <a:rPr lang="en-US" dirty="0"/>
+                <a:t>+sit()</a:t>
+              </a:r>
+            </a:p>
+            <a:p>
+              <a:r>
+                <a:rPr lang="en-US" dirty="0"/>
+                <a:t>+roll_over()</a:t>
+              </a:r>
+            </a:p>
+            <a:p>
+              <a:r>
+                <a:rPr lang="en-US" dirty="0"/>
+                <a:t>…………</a:t>
+              </a:r>
+            </a:p>
+          </p:txBody>
+        </p:sp>
+      </p:grpSp>
+      <p:grpSp>
+        <p:nvGrpSpPr>
+          <p:cNvPr id="36" name="Group 35">
+            <a:extLst>
+              <a:ext uri="{FF2B5EF4-FFF2-40B4-BE49-F238E27FC236}">
+                <a16:creationId xmlns:a16="http://schemas.microsoft.com/office/drawing/2014/main" id="{99E7D534-DAF9-2066-565A-6355AFE1870B}"/>
+              </a:ext>
+            </a:extLst>
+          </p:cNvPr>
+          <p:cNvGrpSpPr/>
+          <p:nvPr/>
+        </p:nvGrpSpPr>
+        <p:grpSpPr>
+          <a:xfrm>
+            <a:off x="5008880" y="4569768"/>
+            <a:ext cx="2900680" cy="2114171"/>
+            <a:chOff x="9271000" y="3512683"/>
+            <a:chExt cx="2788920" cy="2114171"/>
+          </a:xfrm>
+        </p:grpSpPr>
+        <p:sp>
+          <p:nvSpPr>
+            <p:cNvPr id="26" name="Rectangle 25">
+              <a:extLst>
+                <a:ext uri="{FF2B5EF4-FFF2-40B4-BE49-F238E27FC236}">
+                  <a16:creationId xmlns:a16="http://schemas.microsoft.com/office/drawing/2014/main" id="{5039A7D3-9909-FF6E-3788-0A4007ADBFDF}"/>
+                </a:ext>
+              </a:extLst>
+            </p:cNvPr>
+            <p:cNvSpPr/>
+            <p:nvPr/>
+          </p:nvSpPr>
+          <p:spPr>
+            <a:xfrm>
+              <a:off x="9271000" y="3512683"/>
+              <a:ext cx="2783840" cy="369332"/>
+            </a:xfrm>
+            <a:prstGeom prst="rect">
+              <a:avLst/>
+            </a:prstGeom>
+            <a:noFill/>
+          </p:spPr>
+          <p:style>
+            <a:lnRef idx="2">
+              <a:schemeClr val="accent1">
+                <a:shade val="15000"/>
+              </a:schemeClr>
+            </a:lnRef>
+            <a:fillRef idx="1">
+              <a:schemeClr val="accent1"/>
+            </a:fillRef>
+            <a:effectRef idx="0">
+              <a:schemeClr val="accent1"/>
+            </a:effectRef>
+            <a:fontRef idx="minor">
+              <a:schemeClr val="lt1"/>
+            </a:fontRef>
+          </p:style>
+          <p:txBody>
+            <a:bodyPr rtlCol="0" anchor="ctr"/>
+            <a:lstStyle/>
+            <a:p>
+              <a:pPr algn="ctr"/>
+              <a:r>
+                <a:rPr lang="en-US" b="1" dirty="0">
+                  <a:solidFill>
+                    <a:schemeClr val="tx1"/>
+                  </a:solidFill>
+                </a:rPr>
+                <a:t>ElectricCar</a:t>
+              </a:r>
+            </a:p>
+          </p:txBody>
+        </p:sp>
+        <p:sp>
+          <p:nvSpPr>
+            <p:cNvPr id="27" name="Rectangle 26">
+              <a:extLst>
+                <a:ext uri="{FF2B5EF4-FFF2-40B4-BE49-F238E27FC236}">
+                  <a16:creationId xmlns:a16="http://schemas.microsoft.com/office/drawing/2014/main" id="{3765433E-47BF-C3C8-617E-B9E698684E7A}"/>
+                </a:ext>
+              </a:extLst>
+            </p:cNvPr>
+            <p:cNvSpPr/>
+            <p:nvPr/>
+          </p:nvSpPr>
+          <p:spPr>
+            <a:xfrm>
+              <a:off x="9271000" y="3882015"/>
+              <a:ext cx="2783840" cy="1015107"/>
+            </a:xfrm>
+            <a:prstGeom prst="rect">
+              <a:avLst/>
+            </a:prstGeom>
+            <a:noFill/>
+          </p:spPr>
+          <p:style>
+            <a:lnRef idx="2">
+              <a:schemeClr val="accent1">
+                <a:shade val="15000"/>
+              </a:schemeClr>
+            </a:lnRef>
+            <a:fillRef idx="1">
+              <a:schemeClr val="accent1"/>
+            </a:fillRef>
+            <a:effectRef idx="0">
+              <a:schemeClr val="accent1"/>
+            </a:effectRef>
+            <a:fontRef idx="minor">
+              <a:schemeClr val="lt1"/>
+            </a:fontRef>
+          </p:style>
+          <p:txBody>
+            <a:bodyPr rtlCol="0" anchor="ctr"/>
+            <a:lstStyle/>
+            <a:p>
+              <a:pPr algn="ctr"/>
+              <a:endParaRPr lang="en-US" b="1" dirty="0">
+                <a:solidFill>
+                  <a:schemeClr val="tx1"/>
+                </a:solidFill>
+              </a:endParaRPr>
+            </a:p>
+          </p:txBody>
+        </p:sp>
+        <p:sp>
+          <p:nvSpPr>
+            <p:cNvPr id="28" name="TextBox 27">
+              <a:extLst>
+                <a:ext uri="{FF2B5EF4-FFF2-40B4-BE49-F238E27FC236}">
+                  <a16:creationId xmlns:a16="http://schemas.microsoft.com/office/drawing/2014/main" id="{45ABC276-E18B-D588-70C0-2CE1C6AEFCDF}"/>
+                </a:ext>
+              </a:extLst>
+            </p:cNvPr>
+            <p:cNvSpPr txBox="1"/>
+            <p:nvPr/>
+          </p:nvSpPr>
+          <p:spPr>
+            <a:xfrm>
+              <a:off x="9271000" y="3956151"/>
+              <a:ext cx="2783840" cy="369332"/>
+            </a:xfrm>
+            <a:prstGeom prst="rect">
+              <a:avLst/>
+            </a:prstGeom>
+            <a:noFill/>
+          </p:spPr>
+          <p:txBody>
+            <a:bodyPr wrap="square" rtlCol="0">
+              <a:spAutoFit/>
+            </a:bodyPr>
+            <a:lstStyle/>
+            <a:p>
+              <a:r>
+                <a:rPr lang="en-US" dirty="0"/>
+                <a:t>+inherit from Car</a:t>
+              </a:r>
+            </a:p>
+          </p:txBody>
+        </p:sp>
+        <p:sp>
+          <p:nvSpPr>
+            <p:cNvPr id="29" name="TextBox 28">
+              <a:extLst>
+                <a:ext uri="{FF2B5EF4-FFF2-40B4-BE49-F238E27FC236}">
+                  <a16:creationId xmlns:a16="http://schemas.microsoft.com/office/drawing/2014/main" id="{5ACC6873-4DD6-BA1E-C699-90A4ADBFF99C}"/>
+                </a:ext>
+              </a:extLst>
+            </p:cNvPr>
+            <p:cNvSpPr txBox="1"/>
+            <p:nvPr/>
+          </p:nvSpPr>
+          <p:spPr>
+            <a:xfrm>
+              <a:off x="9271000" y="4250791"/>
+              <a:ext cx="1503680" cy="646331"/>
+            </a:xfrm>
+            <a:prstGeom prst="rect">
+              <a:avLst/>
+            </a:prstGeom>
+            <a:noFill/>
+          </p:spPr>
+          <p:txBody>
+            <a:bodyPr wrap="square" rtlCol="0">
+              <a:spAutoFit/>
+            </a:bodyPr>
+            <a:lstStyle/>
+            <a:p>
+              <a:r>
+                <a:rPr lang="en-US" dirty="0"/>
+                <a:t>+……</a:t>
+              </a:r>
+            </a:p>
+            <a:p>
+              <a:r>
+                <a:rPr lang="en-US" dirty="0"/>
+                <a:t>- …… </a:t>
+              </a:r>
+            </a:p>
+          </p:txBody>
+        </p:sp>
+        <p:sp>
+          <p:nvSpPr>
+            <p:cNvPr id="32" name="Rectangle 31">
+              <a:extLst>
+                <a:ext uri="{FF2B5EF4-FFF2-40B4-BE49-F238E27FC236}">
+                  <a16:creationId xmlns:a16="http://schemas.microsoft.com/office/drawing/2014/main" id="{1CB7FF15-1C02-8111-4E5D-791F4D0F0FCE}"/>
+                </a:ext>
+              </a:extLst>
+            </p:cNvPr>
+            <p:cNvSpPr/>
+            <p:nvPr/>
+          </p:nvSpPr>
+          <p:spPr>
+            <a:xfrm>
+              <a:off x="9271000" y="4897123"/>
+              <a:ext cx="2783840" cy="729731"/>
+            </a:xfrm>
+            <a:prstGeom prst="rect">
+              <a:avLst/>
+            </a:prstGeom>
+            <a:noFill/>
+          </p:spPr>
+          <p:style>
+            <a:lnRef idx="2">
+              <a:schemeClr val="accent1">
+                <a:shade val="15000"/>
+              </a:schemeClr>
+            </a:lnRef>
+            <a:fillRef idx="1">
+              <a:schemeClr val="accent1"/>
+            </a:fillRef>
+            <a:effectRef idx="0">
+              <a:schemeClr val="accent1"/>
+            </a:effectRef>
+            <a:fontRef idx="minor">
+              <a:schemeClr val="lt1"/>
+            </a:fontRef>
+          </p:style>
+          <p:txBody>
+            <a:bodyPr rtlCol="0" anchor="ctr"/>
+            <a:lstStyle/>
+            <a:p>
+              <a:pPr algn="ctr"/>
+              <a:endParaRPr lang="en-US" b="1" dirty="0">
+                <a:solidFill>
+                  <a:schemeClr val="tx1"/>
+                </a:solidFill>
+              </a:endParaRPr>
+            </a:p>
+          </p:txBody>
+        </p:sp>
+        <p:sp>
+          <p:nvSpPr>
+            <p:cNvPr id="34" name="TextBox 33">
+              <a:extLst>
+                <a:ext uri="{FF2B5EF4-FFF2-40B4-BE49-F238E27FC236}">
+                  <a16:creationId xmlns:a16="http://schemas.microsoft.com/office/drawing/2014/main" id="{FF2463CC-E1AD-E5BD-4C06-57480ED4D579}"/>
+                </a:ext>
+              </a:extLst>
+            </p:cNvPr>
+            <p:cNvSpPr txBox="1"/>
+            <p:nvPr/>
+          </p:nvSpPr>
+          <p:spPr>
+            <a:xfrm>
+              <a:off x="9276080" y="4888190"/>
+              <a:ext cx="2783840" cy="646331"/>
+            </a:xfrm>
+            <a:prstGeom prst="rect">
+              <a:avLst/>
+            </a:prstGeom>
+            <a:noFill/>
+          </p:spPr>
+          <p:txBody>
+            <a:bodyPr wrap="square" rtlCol="0">
+              <a:spAutoFit/>
+            </a:bodyPr>
+            <a:lstStyle/>
+            <a:p>
+              <a:r>
+                <a:rPr lang="en-US" dirty="0"/>
+                <a:t>+inherits from Car</a:t>
+              </a:r>
+            </a:p>
+            <a:p>
+              <a:r>
+                <a:rPr lang="en-US" dirty="0"/>
+                <a:t>+…….</a:t>
+              </a:r>
+            </a:p>
+          </p:txBody>
+        </p:sp>
+      </p:grpSp>
+      <p:cxnSp>
+        <p:nvCxnSpPr>
+          <p:cNvPr id="38" name="Straight Arrow Connector 37">
+            <a:extLst>
+              <a:ext uri="{FF2B5EF4-FFF2-40B4-BE49-F238E27FC236}">
+                <a16:creationId xmlns:a16="http://schemas.microsoft.com/office/drawing/2014/main" id="{FAFCA1E5-86BA-B1DC-3745-CCD65F59D914}"/>
+              </a:ext>
+            </a:extLst>
+          </p:cNvPr>
+          <p:cNvCxnSpPr>
+            <a:cxnSpLocks/>
+          </p:cNvCxnSpPr>
+          <p:nvPr/>
+        </p:nvCxnSpPr>
+        <p:spPr>
+          <a:xfrm flipV="1">
+            <a:off x="6456578" y="3484880"/>
+            <a:ext cx="0" cy="1097280"/>
+          </a:xfrm>
+          <a:prstGeom prst="straightConnector1">
+            <a:avLst/>
+          </a:prstGeom>
+          <a:ln w="19050">
+            <a:solidFill>
+              <a:schemeClr val="tx1"/>
+            </a:solidFill>
+            <a:headEnd type="none" w="med" len="med"/>
+            <a:tailEnd type="arrow" w="med" len="med"/>
+          </a:ln>
+        </p:spPr>
+        <p:style>
+          <a:lnRef idx="1">
+            <a:schemeClr val="accent1"/>
+          </a:lnRef>
+          <a:fillRef idx="0">
+            <a:schemeClr val="accent1"/>
+          </a:fillRef>
+          <a:effectRef idx="0">
+            <a:schemeClr val="accent1"/>
+          </a:effectRef>
+          <a:fontRef idx="minor">
+            <a:schemeClr val="tx1"/>
+          </a:fontRef>
+        </p:style>
+      </p:cxnSp>
+      <p:sp>
+        <p:nvSpPr>
+          <p:cNvPr id="40" name="TextBox 39">
+            <a:extLst>
+              <a:ext uri="{FF2B5EF4-FFF2-40B4-BE49-F238E27FC236}">
+                <a16:creationId xmlns:a16="http://schemas.microsoft.com/office/drawing/2014/main" id="{77B373A7-AFBD-319F-454F-061907C8800C}"/>
+              </a:ext>
+            </a:extLst>
+          </p:cNvPr>
+          <p:cNvSpPr txBox="1"/>
+          <p:nvPr/>
+        </p:nvSpPr>
+        <p:spPr>
+          <a:xfrm>
+            <a:off x="8432800" y="5382568"/>
+            <a:ext cx="2380780" cy="369332"/>
+          </a:xfrm>
+          <a:prstGeom prst="rect">
+            <a:avLst/>
+          </a:prstGeom>
+          <a:noFill/>
+        </p:spPr>
+        <p:txBody>
+          <a:bodyPr wrap="none" rtlCol="0">
+            <a:spAutoFit/>
+          </a:bodyPr>
+          <a:lstStyle/>
+          <a:p>
+            <a:r>
+              <a:rPr lang="en-US" dirty="0"/>
+              <a:t>subclass/derived/child</a:t>
+            </a:r>
+          </a:p>
+        </p:txBody>
+      </p:sp>
+    </p:spTree>
+    <p:extLst>
+      <p:ext uri="{BB962C8B-B14F-4D97-AF65-F5344CB8AC3E}">
+        <p14:creationId xmlns:p14="http://schemas.microsoft.com/office/powerpoint/2010/main" val="3369925521"/>
       </p:ext>
     </p:extLst>
   </p:cSld>
